--- a/cs2620/slides/cs2620_notes1.pptx
+++ b/cs2620/slides/cs2620_notes1.pptx
@@ -251,7 +251,7 @@
   <pc:docChgLst>
     <pc:chgData name="Lin  Chen" userId="5b8d33d8-9b1a-4612-8f39-9bee1ddd9437" providerId="ADAL" clId="{D08DE89C-F79D-8E4A-9703-5EC9DC7629E1}"/>
     <pc:docChg chg="undo custSel addSld delSld modSld sldOrd">
-      <pc:chgData name="Lin  Chen" userId="5b8d33d8-9b1a-4612-8f39-9bee1ddd9437" providerId="ADAL" clId="{D08DE89C-F79D-8E4A-9703-5EC9DC7629E1}" dt="2020-08-20T17:22:18.015" v="888" actId="207"/>
+      <pc:chgData name="Lin  Chen" userId="5b8d33d8-9b1a-4612-8f39-9bee1ddd9437" providerId="ADAL" clId="{D08DE89C-F79D-8E4A-9703-5EC9DC7629E1}" dt="2020-08-20T19:19:18.003" v="899" actId="1076"/>
       <pc:docMkLst>
         <pc:docMk/>
       </pc:docMkLst>
@@ -433,6 +433,29 @@
           <ac:graphicFrameMkLst>
             <pc:docMk/>
             <pc:sldMk cId="0" sldId="293"/>
+            <ac:graphicFrameMk id="4" creationId="{00000000-0000-0000-0000-000000000000}"/>
+          </ac:graphicFrameMkLst>
+        </pc:graphicFrameChg>
+      </pc:sldChg>
+      <pc:sldChg chg="delSp modSp mod addAnim delAnim">
+        <pc:chgData name="Lin  Chen" userId="5b8d33d8-9b1a-4612-8f39-9bee1ddd9437" providerId="ADAL" clId="{D08DE89C-F79D-8E4A-9703-5EC9DC7629E1}" dt="2020-08-20T19:19:18.003" v="899" actId="1076"/>
+        <pc:sldMkLst>
+          <pc:docMk/>
+          <pc:sldMk cId="0" sldId="294"/>
+        </pc:sldMkLst>
+        <pc:spChg chg="del">
+          <ac:chgData name="Lin  Chen" userId="5b8d33d8-9b1a-4612-8f39-9bee1ddd9437" providerId="ADAL" clId="{D08DE89C-F79D-8E4A-9703-5EC9DC7629E1}" dt="2020-08-20T19:18:53.529" v="896" actId="478"/>
+          <ac:spMkLst>
+            <pc:docMk/>
+            <pc:sldMk cId="0" sldId="294"/>
+            <ac:spMk id="5" creationId="{00000000-0000-0000-0000-000000000000}"/>
+          </ac:spMkLst>
+        </pc:spChg>
+        <pc:graphicFrameChg chg="mod modGraphic">
+          <ac:chgData name="Lin  Chen" userId="5b8d33d8-9b1a-4612-8f39-9bee1ddd9437" providerId="ADAL" clId="{D08DE89C-F79D-8E4A-9703-5EC9DC7629E1}" dt="2020-08-20T19:19:18.003" v="899" actId="1076"/>
+          <ac:graphicFrameMkLst>
+            <pc:docMk/>
+            <pc:sldMk cId="0" sldId="294"/>
             <ac:graphicFrameMk id="4" creationId="{00000000-0000-0000-0000-000000000000}"/>
           </ac:graphicFrameMkLst>
         </pc:graphicFrameChg>
@@ -12744,14 +12767,14 @@
           <p:nvPr>
             <p:extLst>
               <p:ext uri="{D42A27DB-BD31-4B8C-83A1-F6EECF244321}">
-                <p14:modId xmlns:p14="http://schemas.microsoft.com/office/powerpoint/2010/main" val="1931607482"/>
+                <p14:modId xmlns:p14="http://schemas.microsoft.com/office/powerpoint/2010/main" val="2069648561"/>
               </p:ext>
             </p:extLst>
           </p:nvPr>
         </p:nvGraphicFramePr>
         <p:xfrm>
-          <a:off x="533401" y="3733800"/>
-          <a:ext cx="8458198" cy="1940560"/>
+          <a:off x="947058" y="3733800"/>
+          <a:ext cx="7249884" cy="1940560"/>
         </p:xfrm>
         <a:graphic>
           <a:graphicData uri="http://schemas.openxmlformats.org/drawingml/2006/table">
@@ -12802,13 +12825,6 @@
                     </a:ext>
                   </a:extLst>
                 </a:gridCol>
-                <a:gridCol w="1208314">
-                  <a:extLst>
-                    <a:ext uri="{9D8B030D-6E8A-4147-A177-3AD203B41FA5}">
-                      <a16:colId xmlns:a16="http://schemas.microsoft.com/office/drawing/2014/main" val="20006"/>
-                    </a:ext>
-                  </a:extLst>
-                </a:gridCol>
               </a:tblGrid>
               <a:tr h="457200">
                 <a:tc>
@@ -12937,7 +12953,7 @@
                           <a:latin typeface="Cambria Math" pitchFamily="18" charset="0"/>
                           <a:ea typeface="Cambria Math" pitchFamily="18" charset="0"/>
                         </a:rPr>
-                        <a:t>p </a:t>
+                        <a:t>q </a:t>
                       </a:r>
                       <a:r>
                         <a:rPr lang="en-US" sz="1800" dirty="0">
@@ -12951,7 +12967,7 @@
                           <a:latin typeface="Cambria Math" pitchFamily="18" charset="0"/>
                           <a:ea typeface="Cambria Math" pitchFamily="18" charset="0"/>
                         </a:rPr>
-                        <a:t>q</a:t>
+                        <a:t>p</a:t>
                       </a:r>
                       <a:r>
                         <a:rPr lang="en-US" dirty="0"/>
@@ -13023,40 +13039,6 @@
                   </a:txBody>
                   <a:tcPr/>
                 </a:tc>
-                <a:tc>
-                  <a:txBody>
-                    <a:bodyPr/>
-                    <a:lstStyle/>
-                    <a:p>
-                      <a:r>
-                        <a:rPr lang="en-US" i="1" dirty="0">
-                          <a:latin typeface="Cambria Math" pitchFamily="18" charset="0"/>
-                          <a:ea typeface="Cambria Math" pitchFamily="18" charset="0"/>
-                        </a:rPr>
-                        <a:t>q </a:t>
-                      </a:r>
-                      <a:r>
-                        <a:rPr lang="en-US" dirty="0">
-                          <a:latin typeface="Cambria Math"/>
-                          <a:ea typeface="Cambria Math"/>
-                        </a:rPr>
-                        <a:t>→ </a:t>
-                      </a:r>
-                      <a:r>
-                        <a:rPr lang="en-US" i="1" dirty="0">
-                          <a:latin typeface="Cambria Math" pitchFamily="18" charset="0"/>
-                          <a:ea typeface="Cambria Math" pitchFamily="18" charset="0"/>
-                        </a:rPr>
-                        <a:t>p</a:t>
-                      </a:r>
-                      <a:r>
-                        <a:rPr lang="en-US" dirty="0"/>
-                        <a:t> </a:t>
-                      </a:r>
-                    </a:p>
-                  </a:txBody>
-                  <a:tcPr/>
-                </a:tc>
                 <a:extLst>
                   <a:ext uri="{0D108BD9-81ED-4DB2-BD59-A6C34878D82A}">
                     <a16:rowId xmlns:a16="http://schemas.microsoft.com/office/drawing/2014/main" val="10000"/>
@@ -13111,19 +13093,6 @@
                       <a:r>
                         <a:rPr lang="en-US" dirty="0"/>
                         <a:t>F</a:t>
-                      </a:r>
-                    </a:p>
-                  </a:txBody>
-                  <a:tcPr/>
-                </a:tc>
-                <a:tc>
-                  <a:txBody>
-                    <a:bodyPr/>
-                    <a:lstStyle/>
-                    <a:p>
-                      <a:r>
-                        <a:rPr lang="en-US" dirty="0"/>
-                        <a:t>T</a:t>
                       </a:r>
                     </a:p>
                   </a:txBody>
@@ -13240,19 +13209,6 @@
                   </a:txBody>
                   <a:tcPr/>
                 </a:tc>
-                <a:tc>
-                  <a:txBody>
-                    <a:bodyPr/>
-                    <a:lstStyle/>
-                    <a:p>
-                      <a:r>
-                        <a:rPr lang="en-US" dirty="0"/>
-                        <a:t>T</a:t>
-                      </a:r>
-                    </a:p>
-                  </a:txBody>
-                  <a:tcPr/>
-                </a:tc>
                 <a:extLst>
                   <a:ext uri="{0D108BD9-81ED-4DB2-BD59-A6C34878D82A}">
                     <a16:rowId xmlns:a16="http://schemas.microsoft.com/office/drawing/2014/main" val="10002"/>
@@ -13320,19 +13276,6 @@
                       <a:r>
                         <a:rPr lang="en-US" dirty="0"/>
                         <a:t>T</a:t>
-                      </a:r>
-                    </a:p>
-                  </a:txBody>
-                  <a:tcPr/>
-                </a:tc>
-                <a:tc>
-                  <a:txBody>
-                    <a:bodyPr/>
-                    <a:lstStyle/>
-                    <a:p>
-                      <a:r>
-                        <a:rPr lang="en-US" dirty="0"/>
-                        <a:t>F</a:t>
                       </a:r>
                     </a:p>
                   </a:txBody>
@@ -13436,19 +13379,6 @@
                   </a:txBody>
                   <a:tcPr/>
                 </a:tc>
-                <a:tc>
-                  <a:txBody>
-                    <a:bodyPr/>
-                    <a:lstStyle/>
-                    <a:p>
-                      <a:r>
-                        <a:rPr lang="en-US" dirty="0"/>
-                        <a:t>T</a:t>
-                      </a:r>
-                    </a:p>
-                  </a:txBody>
-                  <a:tcPr/>
-                </a:tc>
                 <a:extLst>
                   <a:ext uri="{0D108BD9-81ED-4DB2-BD59-A6C34878D82A}">
                     <a16:rowId xmlns:a16="http://schemas.microsoft.com/office/drawing/2014/main" val="10004"/>
@@ -13459,47 +13389,6 @@
           </a:graphicData>
         </a:graphic>
       </p:graphicFrame>
-      <p:sp>
-        <p:nvSpPr>
-          <p:cNvPr id="5" name="Rectangle 4"/>
-          <p:cNvSpPr/>
-          <p:nvPr/>
-        </p:nvSpPr>
-        <p:spPr>
-          <a:xfrm>
-            <a:off x="5410200" y="4572000"/>
-            <a:ext cx="3581400" cy="304800"/>
-          </a:xfrm>
-          <a:prstGeom prst="rect">
-            <a:avLst/>
-          </a:prstGeom>
-          <a:noFill/>
-        </p:spPr>
-        <p:style>
-          <a:lnRef idx="2">
-            <a:schemeClr val="accent1">
-              <a:shade val="50000"/>
-            </a:schemeClr>
-          </a:lnRef>
-          <a:fillRef idx="1">
-            <a:schemeClr val="accent1"/>
-          </a:fillRef>
-          <a:effectRef idx="0">
-            <a:schemeClr val="accent1"/>
-          </a:effectRef>
-          <a:fontRef idx="minor">
-            <a:schemeClr val="lt1"/>
-          </a:fontRef>
-        </p:style>
-        <p:txBody>
-          <a:bodyPr rtlCol="0" anchor="ctr"/>
-          <a:lstStyle/>
-          <a:p>
-            <a:pPr algn="ctr"/>
-            <a:endParaRPr lang="en-US"/>
-          </a:p>
-        </p:txBody>
-      </p:sp>
     </p:spTree>
   </p:cSld>
   <p:clrMapOvr>

--- a/cs2620/slides/cs2620_notes1.pptx
+++ b/cs2620/slides/cs2620_notes1.pptx
@@ -5,7 +5,7 @@
     <p:sldMasterId id="2147483828" r:id="rId1"/>
   </p:sldMasterIdLst>
   <p:notesMasterIdLst>
-    <p:notesMasterId r:id="rId102"/>
+    <p:notesMasterId r:id="rId106"/>
   </p:notesMasterIdLst>
   <p:sldIdLst>
     <p:sldId id="256" r:id="rId2"/>
@@ -98,41 +98,45 @@
     <p:sldId id="385" r:id="rId89"/>
     <p:sldId id="386" r:id="rId90"/>
     <p:sldId id="387" r:id="rId91"/>
-    <p:sldId id="388" r:id="rId92"/>
-    <p:sldId id="389" r:id="rId93"/>
-    <p:sldId id="390" r:id="rId94"/>
-    <p:sldId id="391" r:id="rId95"/>
-    <p:sldId id="392" r:id="rId96"/>
-    <p:sldId id="393" r:id="rId97"/>
-    <p:sldId id="394" r:id="rId98"/>
-    <p:sldId id="400" r:id="rId99"/>
-    <p:sldId id="395" r:id="rId100"/>
-    <p:sldId id="396" r:id="rId101"/>
+    <p:sldId id="428" r:id="rId92"/>
+    <p:sldId id="429" r:id="rId93"/>
+    <p:sldId id="430" r:id="rId94"/>
+    <p:sldId id="431" r:id="rId95"/>
+    <p:sldId id="388" r:id="rId96"/>
+    <p:sldId id="389" r:id="rId97"/>
+    <p:sldId id="390" r:id="rId98"/>
+    <p:sldId id="391" r:id="rId99"/>
+    <p:sldId id="392" r:id="rId100"/>
+    <p:sldId id="393" r:id="rId101"/>
+    <p:sldId id="394" r:id="rId102"/>
+    <p:sldId id="400" r:id="rId103"/>
+    <p:sldId id="395" r:id="rId104"/>
+    <p:sldId id="396" r:id="rId105"/>
   </p:sldIdLst>
   <p:sldSz cx="9144000" cy="6858000" type="screen4x3"/>
   <p:notesSz cx="6858000" cy="9144000"/>
   <p:embeddedFontLst>
     <p:embeddedFont>
       <p:font typeface="Calibri" panose="020F0502020204030204" pitchFamily="34" charset="0"/>
-      <p:regular r:id="rId103"/>
-      <p:bold r:id="rId104"/>
-      <p:italic r:id="rId105"/>
-      <p:boldItalic r:id="rId106"/>
+      <p:regular r:id="rId107"/>
+      <p:bold r:id="rId108"/>
+      <p:italic r:id="rId109"/>
+      <p:boldItalic r:id="rId110"/>
     </p:embeddedFont>
     <p:embeddedFont>
       <p:font typeface="Cambria Math" panose="02040503050406030204" pitchFamily="18" charset="0"/>
-      <p:regular r:id="rId107"/>
+      <p:regular r:id="rId111"/>
     </p:embeddedFont>
     <p:embeddedFont>
       <p:font typeface="Constantia" panose="02030602050306030303" pitchFamily="18" charset="0"/>
-      <p:regular r:id="rId108"/>
-      <p:bold r:id="rId109"/>
-      <p:italic r:id="rId110"/>
-      <p:boldItalic r:id="rId111"/>
+      <p:regular r:id="rId112"/>
+      <p:bold r:id="rId113"/>
+      <p:italic r:id="rId114"/>
+      <p:boldItalic r:id="rId115"/>
     </p:embeddedFont>
     <p:embeddedFont>
       <p:font typeface="Wingdings 2" pitchFamily="2" charset="2"/>
-      <p:regular r:id="rId112"/>
+      <p:regular r:id="rId116"/>
     </p:embeddedFont>
   </p:embeddedFontLst>
   <p:defaultTextStyle>
@@ -252,7 +256,7 @@
 <file path=ppt/revisionInfo.xml><?xml version="1.0" encoding="utf-8"?>
 <p1510:revInfo xmlns:a="http://schemas.openxmlformats.org/drawingml/2006/main" xmlns:r="http://schemas.openxmlformats.org/officeDocument/2006/relationships" xmlns:p1510="http://schemas.microsoft.com/office/powerpoint/2015/10/main">
   <p1510:revLst>
-    <p1510:client id="{D08DE89C-F79D-8E4A-9703-5EC9DC7629E1}" v="742" dt="2020-08-27T17:28:18.908"/>
+    <p1510:client id="{D08DE89C-F79D-8E4A-9703-5EC9DC7629E1}" v="882" dt="2020-09-01T16:58:25.250"/>
   </p1510:revLst>
 </p1510:revInfo>
 </file>
@@ -262,7 +266,7 @@
   <pc:docChgLst>
     <pc:chgData name="Lin  Chen" userId="5b8d33d8-9b1a-4612-8f39-9bee1ddd9437" providerId="ADAL" clId="{D08DE89C-F79D-8E4A-9703-5EC9DC7629E1}"/>
     <pc:docChg chg="undo custSel addSld delSld modSld sldOrd">
-      <pc:chgData name="Lin  Chen" userId="5b8d33d8-9b1a-4612-8f39-9bee1ddd9437" providerId="ADAL" clId="{D08DE89C-F79D-8E4A-9703-5EC9DC7629E1}" dt="2020-08-27T17:28:18.908" v="1819"/>
+      <pc:chgData name="Lin  Chen" userId="5b8d33d8-9b1a-4612-8f39-9bee1ddd9437" providerId="ADAL" clId="{D08DE89C-F79D-8E4A-9703-5EC9DC7629E1}" dt="2020-09-01T16:58:25.250" v="2517" actId="207"/>
       <pc:docMkLst>
         <pc:docMk/>
       </pc:docMkLst>
@@ -795,6 +799,81 @@
             <pc:docMk/>
             <pc:sldMk cId="758960063" sldId="379"/>
             <ac:spMk id="3" creationId="{00000000-0000-0000-0000-000000000000}"/>
+          </ac:spMkLst>
+        </pc:spChg>
+      </pc:sldChg>
+      <pc:sldChg chg="modSp mod">
+        <pc:chgData name="Lin  Chen" userId="5b8d33d8-9b1a-4612-8f39-9bee1ddd9437" providerId="ADAL" clId="{D08DE89C-F79D-8E4A-9703-5EC9DC7629E1}" dt="2020-09-01T16:58:15.580" v="2516" actId="20577"/>
+        <pc:sldMkLst>
+          <pc:docMk/>
+          <pc:sldMk cId="4279062821" sldId="380"/>
+        </pc:sldMkLst>
+        <pc:spChg chg="mod">
+          <ac:chgData name="Lin  Chen" userId="5b8d33d8-9b1a-4612-8f39-9bee1ddd9437" providerId="ADAL" clId="{D08DE89C-F79D-8E4A-9703-5EC9DC7629E1}" dt="2020-09-01T16:58:15.580" v="2516" actId="20577"/>
+          <ac:spMkLst>
+            <pc:docMk/>
+            <pc:sldMk cId="4279062821" sldId="380"/>
+            <ac:spMk id="3" creationId="{00000000-0000-0000-0000-000000000000}"/>
+          </ac:spMkLst>
+        </pc:spChg>
+      </pc:sldChg>
+      <pc:sldChg chg="modSp">
+        <pc:chgData name="Lin  Chen" userId="5b8d33d8-9b1a-4612-8f39-9bee1ddd9437" providerId="ADAL" clId="{D08DE89C-F79D-8E4A-9703-5EC9DC7629E1}" dt="2020-09-01T16:58:25.250" v="2517" actId="207"/>
+        <pc:sldMkLst>
+          <pc:docMk/>
+          <pc:sldMk cId="525951965" sldId="381"/>
+        </pc:sldMkLst>
+        <pc:spChg chg="mod">
+          <ac:chgData name="Lin  Chen" userId="5b8d33d8-9b1a-4612-8f39-9bee1ddd9437" providerId="ADAL" clId="{D08DE89C-F79D-8E4A-9703-5EC9DC7629E1}" dt="2020-09-01T16:58:25.250" v="2517" actId="207"/>
+          <ac:spMkLst>
+            <pc:docMk/>
+            <pc:sldMk cId="525951965" sldId="381"/>
+            <ac:spMk id="3" creationId="{00000000-0000-0000-0000-000000000000}"/>
+          </ac:spMkLst>
+        </pc:spChg>
+      </pc:sldChg>
+      <pc:sldChg chg="modSp">
+        <pc:chgData name="Lin  Chen" userId="5b8d33d8-9b1a-4612-8f39-9bee1ddd9437" providerId="ADAL" clId="{D08DE89C-F79D-8E4A-9703-5EC9DC7629E1}" dt="2020-09-01T16:22:13.200" v="1983" actId="207"/>
+        <pc:sldMkLst>
+          <pc:docMk/>
+          <pc:sldMk cId="893304449" sldId="382"/>
+        </pc:sldMkLst>
+        <pc:spChg chg="mod">
+          <ac:chgData name="Lin  Chen" userId="5b8d33d8-9b1a-4612-8f39-9bee1ddd9437" providerId="ADAL" clId="{D08DE89C-F79D-8E4A-9703-5EC9DC7629E1}" dt="2020-09-01T16:22:13.200" v="1983" actId="207"/>
+          <ac:spMkLst>
+            <pc:docMk/>
+            <pc:sldMk cId="893304449" sldId="382"/>
+            <ac:spMk id="3" creationId="{00000000-0000-0000-0000-000000000000}"/>
+          </ac:spMkLst>
+        </pc:spChg>
+      </pc:sldChg>
+      <pc:sldChg chg="modSp">
+        <pc:chgData name="Lin  Chen" userId="5b8d33d8-9b1a-4612-8f39-9bee1ddd9437" providerId="ADAL" clId="{D08DE89C-F79D-8E4A-9703-5EC9DC7629E1}" dt="2020-09-01T16:25:35.939" v="1984" actId="207"/>
+        <pc:sldMkLst>
+          <pc:docMk/>
+          <pc:sldMk cId="3787486117" sldId="383"/>
+        </pc:sldMkLst>
+        <pc:spChg chg="mod">
+          <ac:chgData name="Lin  Chen" userId="5b8d33d8-9b1a-4612-8f39-9bee1ddd9437" providerId="ADAL" clId="{D08DE89C-F79D-8E4A-9703-5EC9DC7629E1}" dt="2020-09-01T16:25:35.939" v="1984" actId="207"/>
+          <ac:spMkLst>
+            <pc:docMk/>
+            <pc:sldMk cId="3787486117" sldId="383"/>
+            <ac:spMk id="3" creationId="{00000000-0000-0000-0000-000000000000}"/>
+          </ac:spMkLst>
+        </pc:spChg>
+      </pc:sldChg>
+      <pc:sldChg chg="modSp">
+        <pc:chgData name="Lin  Chen" userId="5b8d33d8-9b1a-4612-8f39-9bee1ddd9437" providerId="ADAL" clId="{D08DE89C-F79D-8E4A-9703-5EC9DC7629E1}" dt="2020-09-01T16:19:04.927" v="1981" actId="207"/>
+        <pc:sldMkLst>
+          <pc:docMk/>
+          <pc:sldMk cId="1533346945" sldId="401"/>
+        </pc:sldMkLst>
+        <pc:spChg chg="mod">
+          <ac:chgData name="Lin  Chen" userId="5b8d33d8-9b1a-4612-8f39-9bee1ddd9437" providerId="ADAL" clId="{D08DE89C-F79D-8E4A-9703-5EC9DC7629E1}" dt="2020-09-01T16:19:04.927" v="1981" actId="207"/>
+          <ac:spMkLst>
+            <pc:docMk/>
+            <pc:sldMk cId="1533346945" sldId="401"/>
+            <ac:spMk id="3" creationId="{83211D95-47B5-4E4D-ADCA-685F425F4867}"/>
           </ac:spMkLst>
         </pc:spChg>
       </pc:sldChg>
@@ -1677,6 +1756,217 @@
           </ac:spMkLst>
         </pc:spChg>
       </pc:sldChg>
+      <pc:sldChg chg="addSp delSp modSp add mod">
+        <pc:chgData name="Lin  Chen" userId="5b8d33d8-9b1a-4612-8f39-9bee1ddd9437" providerId="ADAL" clId="{D08DE89C-F79D-8E4A-9703-5EC9DC7629E1}" dt="2020-09-01T16:40:23.665" v="2098" actId="1076"/>
+        <pc:sldMkLst>
+          <pc:docMk/>
+          <pc:sldMk cId="120741523" sldId="428"/>
+        </pc:sldMkLst>
+        <pc:spChg chg="mod">
+          <ac:chgData name="Lin  Chen" userId="5b8d33d8-9b1a-4612-8f39-9bee1ddd9437" providerId="ADAL" clId="{D08DE89C-F79D-8E4A-9703-5EC9DC7629E1}" dt="2020-09-01T16:40:16.991" v="2097" actId="20577"/>
+          <ac:spMkLst>
+            <pc:docMk/>
+            <pc:sldMk cId="120741523" sldId="428"/>
+            <ac:spMk id="3" creationId="{00000000-0000-0000-0000-000000000000}"/>
+          </ac:spMkLst>
+        </pc:spChg>
+        <pc:spChg chg="add mod">
+          <ac:chgData name="Lin  Chen" userId="5b8d33d8-9b1a-4612-8f39-9bee1ddd9437" providerId="ADAL" clId="{D08DE89C-F79D-8E4A-9703-5EC9DC7629E1}" dt="2020-09-01T16:40:09.838" v="2094" actId="1076"/>
+          <ac:spMkLst>
+            <pc:docMk/>
+            <pc:sldMk cId="120741523" sldId="428"/>
+            <ac:spMk id="5" creationId="{D2CE4906-5DB6-E74B-A014-D4422CBF3FDB}"/>
+          </ac:spMkLst>
+        </pc:spChg>
+        <pc:picChg chg="del">
+          <ac:chgData name="Lin  Chen" userId="5b8d33d8-9b1a-4612-8f39-9bee1ddd9437" providerId="ADAL" clId="{D08DE89C-F79D-8E4A-9703-5EC9DC7629E1}" dt="2020-09-01T16:34:20.878" v="1986" actId="478"/>
+          <ac:picMkLst>
+            <pc:docMk/>
+            <pc:sldMk cId="120741523" sldId="428"/>
+            <ac:picMk id="4" creationId="{00000000-0000-0000-0000-000000000000}"/>
+          </ac:picMkLst>
+        </pc:picChg>
+        <pc:picChg chg="del mod">
+          <ac:chgData name="Lin  Chen" userId="5b8d33d8-9b1a-4612-8f39-9bee1ddd9437" providerId="ADAL" clId="{D08DE89C-F79D-8E4A-9703-5EC9DC7629E1}" dt="2020-09-01T16:39:57.482" v="2086" actId="478"/>
+          <ac:picMkLst>
+            <pc:docMk/>
+            <pc:sldMk cId="120741523" sldId="428"/>
+            <ac:picMk id="6" creationId="{00000000-0000-0000-0000-000000000000}"/>
+          </ac:picMkLst>
+        </pc:picChg>
+        <pc:picChg chg="add del mod">
+          <ac:chgData name="Lin  Chen" userId="5b8d33d8-9b1a-4612-8f39-9bee1ddd9437" providerId="ADAL" clId="{D08DE89C-F79D-8E4A-9703-5EC9DC7629E1}" dt="2020-09-01T16:39:55.554" v="2085" actId="478"/>
+          <ac:picMkLst>
+            <pc:docMk/>
+            <pc:sldMk cId="120741523" sldId="428"/>
+            <ac:picMk id="7" creationId="{731B67C9-3191-DF4B-BA6F-DBAEEACE86BE}"/>
+          </ac:picMkLst>
+        </pc:picChg>
+        <pc:picChg chg="mod">
+          <ac:chgData name="Lin  Chen" userId="5b8d33d8-9b1a-4612-8f39-9bee1ddd9437" providerId="ADAL" clId="{D08DE89C-F79D-8E4A-9703-5EC9DC7629E1}" dt="2020-09-01T16:40:23.665" v="2098" actId="1076"/>
+          <ac:picMkLst>
+            <pc:docMk/>
+            <pc:sldMk cId="120741523" sldId="428"/>
+            <ac:picMk id="8" creationId="{00000000-0000-0000-0000-000000000000}"/>
+          </ac:picMkLst>
+        </pc:picChg>
+      </pc:sldChg>
+      <pc:sldChg chg="addSp modSp add del mod ord">
+        <pc:chgData name="Lin  Chen" userId="5b8d33d8-9b1a-4612-8f39-9bee1ddd9437" providerId="ADAL" clId="{D08DE89C-F79D-8E4A-9703-5EC9DC7629E1}" dt="2020-09-01T16:06:18.816" v="1977" actId="2696"/>
+        <pc:sldMkLst>
+          <pc:docMk/>
+          <pc:sldMk cId="578937349" sldId="428"/>
+        </pc:sldMkLst>
+        <pc:spChg chg="mod">
+          <ac:chgData name="Lin  Chen" userId="5b8d33d8-9b1a-4612-8f39-9bee1ddd9437" providerId="ADAL" clId="{D08DE89C-F79D-8E4A-9703-5EC9DC7629E1}" dt="2020-09-01T16:04:39.642" v="1828" actId="20577"/>
+          <ac:spMkLst>
+            <pc:docMk/>
+            <pc:sldMk cId="578937349" sldId="428"/>
+            <ac:spMk id="2" creationId="{00000000-0000-0000-0000-000000000000}"/>
+          </ac:spMkLst>
+        </pc:spChg>
+        <pc:spChg chg="mod">
+          <ac:chgData name="Lin  Chen" userId="5b8d33d8-9b1a-4612-8f39-9bee1ddd9437" providerId="ADAL" clId="{D08DE89C-F79D-8E4A-9703-5EC9DC7629E1}" dt="2020-09-01T16:05:26.538" v="1969" actId="14100"/>
+          <ac:spMkLst>
+            <pc:docMk/>
+            <pc:sldMk cId="578937349" sldId="428"/>
+            <ac:spMk id="3" creationId="{00000000-0000-0000-0000-000000000000}"/>
+          </ac:spMkLst>
+        </pc:spChg>
+        <pc:spChg chg="add mod">
+          <ac:chgData name="Lin  Chen" userId="5b8d33d8-9b1a-4612-8f39-9bee1ddd9437" providerId="ADAL" clId="{D08DE89C-F79D-8E4A-9703-5EC9DC7629E1}" dt="2020-09-01T16:05:41.832" v="1975" actId="20577"/>
+          <ac:spMkLst>
+            <pc:docMk/>
+            <pc:sldMk cId="578937349" sldId="428"/>
+            <ac:spMk id="4" creationId="{5A4FD310-2986-C843-9971-EED5D54E21A6}"/>
+          </ac:spMkLst>
+        </pc:spChg>
+      </pc:sldChg>
+      <pc:sldChg chg="delSp modSp add mod">
+        <pc:chgData name="Lin  Chen" userId="5b8d33d8-9b1a-4612-8f39-9bee1ddd9437" providerId="ADAL" clId="{D08DE89C-F79D-8E4A-9703-5EC9DC7629E1}" dt="2020-09-01T16:44:06.770" v="2187" actId="313"/>
+        <pc:sldMkLst>
+          <pc:docMk/>
+          <pc:sldMk cId="4022795919" sldId="429"/>
+        </pc:sldMkLst>
+        <pc:spChg chg="mod">
+          <ac:chgData name="Lin  Chen" userId="5b8d33d8-9b1a-4612-8f39-9bee1ddd9437" providerId="ADAL" clId="{D08DE89C-F79D-8E4A-9703-5EC9DC7629E1}" dt="2020-09-01T16:43:29.980" v="2108" actId="20577"/>
+          <ac:spMkLst>
+            <pc:docMk/>
+            <pc:sldMk cId="4022795919" sldId="429"/>
+            <ac:spMk id="2" creationId="{00000000-0000-0000-0000-000000000000}"/>
+          </ac:spMkLst>
+        </pc:spChg>
+        <pc:spChg chg="mod">
+          <ac:chgData name="Lin  Chen" userId="5b8d33d8-9b1a-4612-8f39-9bee1ddd9437" providerId="ADAL" clId="{D08DE89C-F79D-8E4A-9703-5EC9DC7629E1}" dt="2020-09-01T16:44:06.770" v="2187" actId="313"/>
+          <ac:spMkLst>
+            <pc:docMk/>
+            <pc:sldMk cId="4022795919" sldId="429"/>
+            <ac:spMk id="3" creationId="{00000000-0000-0000-0000-000000000000}"/>
+          </ac:spMkLst>
+        </pc:spChg>
+        <pc:spChg chg="del">
+          <ac:chgData name="Lin  Chen" userId="5b8d33d8-9b1a-4612-8f39-9bee1ddd9437" providerId="ADAL" clId="{D08DE89C-F79D-8E4A-9703-5EC9DC7629E1}" dt="2020-09-01T16:43:32.657" v="2109" actId="478"/>
+          <ac:spMkLst>
+            <pc:docMk/>
+            <pc:sldMk cId="4022795919" sldId="429"/>
+            <ac:spMk id="5" creationId="{D2CE4906-5DB6-E74B-A014-D4422CBF3FDB}"/>
+          </ac:spMkLst>
+        </pc:spChg>
+        <pc:picChg chg="del">
+          <ac:chgData name="Lin  Chen" userId="5b8d33d8-9b1a-4612-8f39-9bee1ddd9437" providerId="ADAL" clId="{D08DE89C-F79D-8E4A-9703-5EC9DC7629E1}" dt="2020-09-01T16:43:35.802" v="2110" actId="478"/>
+          <ac:picMkLst>
+            <pc:docMk/>
+            <pc:sldMk cId="4022795919" sldId="429"/>
+            <ac:picMk id="8" creationId="{00000000-0000-0000-0000-000000000000}"/>
+          </ac:picMkLst>
+        </pc:picChg>
+      </pc:sldChg>
+      <pc:sldChg chg="addSp delSp modSp add mod ord">
+        <pc:chgData name="Lin  Chen" userId="5b8d33d8-9b1a-4612-8f39-9bee1ddd9437" providerId="ADAL" clId="{D08DE89C-F79D-8E4A-9703-5EC9DC7629E1}" dt="2020-09-01T16:51:59.687" v="2245"/>
+        <pc:sldMkLst>
+          <pc:docMk/>
+          <pc:sldMk cId="3024617466" sldId="430"/>
+        </pc:sldMkLst>
+        <pc:spChg chg="mod">
+          <ac:chgData name="Lin  Chen" userId="5b8d33d8-9b1a-4612-8f39-9bee1ddd9437" providerId="ADAL" clId="{D08DE89C-F79D-8E4A-9703-5EC9DC7629E1}" dt="2020-09-01T16:49:21.827" v="2198" actId="20577"/>
+          <ac:spMkLst>
+            <pc:docMk/>
+            <pc:sldMk cId="3024617466" sldId="430"/>
+            <ac:spMk id="2" creationId="{00000000-0000-0000-0000-000000000000}"/>
+          </ac:spMkLst>
+        </pc:spChg>
+        <pc:spChg chg="del mod">
+          <ac:chgData name="Lin  Chen" userId="5b8d33d8-9b1a-4612-8f39-9bee1ddd9437" providerId="ADAL" clId="{D08DE89C-F79D-8E4A-9703-5EC9DC7629E1}" dt="2020-09-01T16:49:35.857" v="2204" actId="478"/>
+          <ac:spMkLst>
+            <pc:docMk/>
+            <pc:sldMk cId="3024617466" sldId="430"/>
+            <ac:spMk id="3" creationId="{00000000-0000-0000-0000-000000000000}"/>
+          </ac:spMkLst>
+        </pc:spChg>
+        <pc:spChg chg="mod">
+          <ac:chgData name="Lin  Chen" userId="5b8d33d8-9b1a-4612-8f39-9bee1ddd9437" providerId="ADAL" clId="{D08DE89C-F79D-8E4A-9703-5EC9DC7629E1}" dt="2020-09-01T16:51:24.080" v="2241" actId="1076"/>
+          <ac:spMkLst>
+            <pc:docMk/>
+            <pc:sldMk cId="3024617466" sldId="430"/>
+            <ac:spMk id="5" creationId="{D2CE4906-5DB6-E74B-A014-D4422CBF3FDB}"/>
+          </ac:spMkLst>
+        </pc:spChg>
+        <pc:spChg chg="add del mod">
+          <ac:chgData name="Lin  Chen" userId="5b8d33d8-9b1a-4612-8f39-9bee1ddd9437" providerId="ADAL" clId="{D08DE89C-F79D-8E4A-9703-5EC9DC7629E1}" dt="2020-09-01T16:49:39.070" v="2205" actId="478"/>
+          <ac:spMkLst>
+            <pc:docMk/>
+            <pc:sldMk cId="3024617466" sldId="430"/>
+            <ac:spMk id="6" creationId="{2E2C8E61-D5C0-D143-BFF1-FB0109B43729}"/>
+          </ac:spMkLst>
+        </pc:spChg>
+        <pc:spChg chg="add mod">
+          <ac:chgData name="Lin  Chen" userId="5b8d33d8-9b1a-4612-8f39-9bee1ddd9437" providerId="ADAL" clId="{D08DE89C-F79D-8E4A-9703-5EC9DC7629E1}" dt="2020-09-01T16:51:19.749" v="2240" actId="20577"/>
+          <ac:spMkLst>
+            <pc:docMk/>
+            <pc:sldMk cId="3024617466" sldId="430"/>
+            <ac:spMk id="7" creationId="{44D5BA3F-171B-244A-98D3-619BCEBE2D00}"/>
+          </ac:spMkLst>
+        </pc:spChg>
+        <pc:picChg chg="del">
+          <ac:chgData name="Lin  Chen" userId="5b8d33d8-9b1a-4612-8f39-9bee1ddd9437" providerId="ADAL" clId="{D08DE89C-F79D-8E4A-9703-5EC9DC7629E1}" dt="2020-09-01T16:49:27.870" v="2199" actId="478"/>
+          <ac:picMkLst>
+            <pc:docMk/>
+            <pc:sldMk cId="3024617466" sldId="430"/>
+            <ac:picMk id="8" creationId="{00000000-0000-0000-0000-000000000000}"/>
+          </ac:picMkLst>
+        </pc:picChg>
+      </pc:sldChg>
+      <pc:sldChg chg="addSp delSp modSp add mod">
+        <pc:chgData name="Lin  Chen" userId="5b8d33d8-9b1a-4612-8f39-9bee1ddd9437" providerId="ADAL" clId="{D08DE89C-F79D-8E4A-9703-5EC9DC7629E1}" dt="2020-09-01T16:56:27.728" v="2507" actId="313"/>
+        <pc:sldMkLst>
+          <pc:docMk/>
+          <pc:sldMk cId="3041527379" sldId="431"/>
+        </pc:sldMkLst>
+        <pc:spChg chg="del">
+          <ac:chgData name="Lin  Chen" userId="5b8d33d8-9b1a-4612-8f39-9bee1ddd9437" providerId="ADAL" clId="{D08DE89C-F79D-8E4A-9703-5EC9DC7629E1}" dt="2020-09-01T16:54:22.629" v="2247" actId="478"/>
+          <ac:spMkLst>
+            <pc:docMk/>
+            <pc:sldMk cId="3041527379" sldId="431"/>
+            <ac:spMk id="5" creationId="{D2CE4906-5DB6-E74B-A014-D4422CBF3FDB}"/>
+          </ac:spMkLst>
+        </pc:spChg>
+        <pc:spChg chg="add mod">
+          <ac:chgData name="Lin  Chen" userId="5b8d33d8-9b1a-4612-8f39-9bee1ddd9437" providerId="ADAL" clId="{D08DE89C-F79D-8E4A-9703-5EC9DC7629E1}" dt="2020-09-01T16:56:27.728" v="2507" actId="313"/>
+          <ac:spMkLst>
+            <pc:docMk/>
+            <pc:sldMk cId="3041527379" sldId="431"/>
+            <ac:spMk id="6" creationId="{CB47172F-B324-9943-B082-8F423D34F037}"/>
+          </ac:spMkLst>
+        </pc:spChg>
+        <pc:spChg chg="mod">
+          <ac:chgData name="Lin  Chen" userId="5b8d33d8-9b1a-4612-8f39-9bee1ddd9437" providerId="ADAL" clId="{D08DE89C-F79D-8E4A-9703-5EC9DC7629E1}" dt="2020-09-01T16:55:15.941" v="2430" actId="313"/>
+          <ac:spMkLst>
+            <pc:docMk/>
+            <pc:sldMk cId="3041527379" sldId="431"/>
+            <ac:spMk id="7" creationId="{44D5BA3F-171B-244A-98D3-619BCEBE2D00}"/>
+          </ac:spMkLst>
+        </pc:spChg>
+      </pc:sldChg>
     </pc:docChg>
   </pc:docChgLst>
 </pc:chgInfo>
@@ -1764,7 +2054,7 @@
           <a:p>
             <a:fld id="{EB90B0A5-93DE-4B15-9E69-883C19A9E61E}" type="datetimeFigureOut">
               <a:rPr lang="en-US" smtClean="0"/>
-              <a:t>8/27/20</a:t>
+              <a:t>9/1/20</a:t>
             </a:fld>
             <a:endParaRPr lang="en-US"/>
           </a:p>
@@ -2367,7 +2657,7 @@
             <a:fld id="{3D15220D-0BB5-4C71-B862-812B075D02FE}" type="datetimeFigureOut">
               <a:rPr lang="en-US" smtClean="0"/>
               <a:pPr/>
-              <a:t>8/27/20</a:t>
+              <a:t>9/1/20</a:t>
             </a:fld>
             <a:endParaRPr lang="en-US"/>
           </a:p>
@@ -2533,7 +2823,7 @@
             <a:fld id="{3D15220D-0BB5-4C71-B862-812B075D02FE}" type="datetimeFigureOut">
               <a:rPr lang="en-US" smtClean="0"/>
               <a:pPr/>
-              <a:t>8/27/20</a:t>
+              <a:t>9/1/20</a:t>
             </a:fld>
             <a:endParaRPr lang="en-US"/>
           </a:p>
@@ -2709,7 +2999,7 @@
             <a:fld id="{3D15220D-0BB5-4C71-B862-812B075D02FE}" type="datetimeFigureOut">
               <a:rPr lang="en-US" smtClean="0"/>
               <a:pPr/>
-              <a:t>8/27/20</a:t>
+              <a:t>9/1/20</a:t>
             </a:fld>
             <a:endParaRPr lang="en-US"/>
           </a:p>
@@ -2875,7 +3165,7 @@
             <a:fld id="{3D15220D-0BB5-4C71-B862-812B075D02FE}" type="datetimeFigureOut">
               <a:rPr lang="en-US" smtClean="0"/>
               <a:pPr/>
-              <a:t>8/27/20</a:t>
+              <a:t>9/1/20</a:t>
             </a:fld>
             <a:endParaRPr lang="en-US"/>
           </a:p>
@@ -3118,7 +3408,7 @@
             <a:fld id="{3D15220D-0BB5-4C71-B862-812B075D02FE}" type="datetimeFigureOut">
               <a:rPr lang="en-US" smtClean="0"/>
               <a:pPr/>
-              <a:t>8/27/20</a:t>
+              <a:t>9/1/20</a:t>
             </a:fld>
             <a:endParaRPr lang="en-US"/>
           </a:p>
@@ -3383,7 +3673,7 @@
             <a:fld id="{3D15220D-0BB5-4C71-B862-812B075D02FE}" type="datetimeFigureOut">
               <a:rPr lang="en-US" smtClean="0"/>
               <a:pPr/>
-              <a:t>8/27/20</a:t>
+              <a:t>9/1/20</a:t>
             </a:fld>
             <a:endParaRPr lang="en-US"/>
           </a:p>
@@ -3762,7 +4052,7 @@
             <a:fld id="{3D15220D-0BB5-4C71-B862-812B075D02FE}" type="datetimeFigureOut">
               <a:rPr lang="en-US" smtClean="0"/>
               <a:pPr/>
-              <a:t>8/27/20</a:t>
+              <a:t>9/1/20</a:t>
             </a:fld>
             <a:endParaRPr lang="en-US"/>
           </a:p>
@@ -3913,7 +4203,7 @@
             <a:fld id="{3D15220D-0BB5-4C71-B862-812B075D02FE}" type="datetimeFigureOut">
               <a:rPr lang="en-US" smtClean="0"/>
               <a:pPr/>
-              <a:t>8/27/20</a:t>
+              <a:t>9/1/20</a:t>
             </a:fld>
             <a:endParaRPr lang="en-US"/>
           </a:p>
@@ -4005,7 +4295,7 @@
             <a:fld id="{3D15220D-0BB5-4C71-B862-812B075D02FE}" type="datetimeFigureOut">
               <a:rPr lang="en-US" smtClean="0"/>
               <a:pPr/>
-              <a:t>8/27/20</a:t>
+              <a:t>9/1/20</a:t>
             </a:fld>
             <a:endParaRPr lang="en-US"/>
           </a:p>
@@ -4267,7 +4557,7 @@
             <a:fld id="{3D15220D-0BB5-4C71-B862-812B075D02FE}" type="datetimeFigureOut">
               <a:rPr lang="en-US" smtClean="0"/>
               <a:pPr/>
-              <a:t>8/27/20</a:t>
+              <a:t>9/1/20</a:t>
             </a:fld>
             <a:endParaRPr lang="en-US"/>
           </a:p>
@@ -4556,7 +4846,7 @@
             <a:fld id="{3D15220D-0BB5-4C71-B862-812B075D02FE}" type="datetimeFigureOut">
               <a:rPr lang="en-US" smtClean="0"/>
               <a:pPr/>
-              <a:t>8/27/20</a:t>
+              <a:t>9/1/20</a:t>
             </a:fld>
             <a:endParaRPr lang="en-US"/>
           </a:p>
@@ -5327,7 +5617,7 @@
             <a:fld id="{3D15220D-0BB5-4C71-B862-812B075D02FE}" type="datetimeFigureOut">
               <a:rPr lang="en-US" smtClean="0"/>
               <a:pPr/>
-              <a:t>8/27/20</a:t>
+              <a:t>9/1/20</a:t>
             </a:fld>
             <a:endParaRPr lang="en-US"/>
           </a:p>
@@ -6191,6 +6481,1238 @@
 </file>
 
 <file path=ppt/slides/slide100.xml><?xml version="1.0" encoding="utf-8"?>
+<p:sld xmlns:a="http://schemas.openxmlformats.org/drawingml/2006/main" xmlns:r="http://schemas.openxmlformats.org/officeDocument/2006/relationships" xmlns:p="http://schemas.openxmlformats.org/presentationml/2006/main">
+  <p:cSld>
+    <p:spTree>
+      <p:nvGrpSpPr>
+        <p:cNvPr id="1" name=""/>
+        <p:cNvGrpSpPr/>
+        <p:nvPr/>
+      </p:nvGrpSpPr>
+      <p:grpSpPr>
+        <a:xfrm>
+          <a:off x="0" y="0"/>
+          <a:ext cx="0" cy="0"/>
+          <a:chOff x="0" y="0"/>
+          <a:chExt cx="0" cy="0"/>
+        </a:xfrm>
+      </p:grpSpPr>
+      <p:sp>
+        <p:nvSpPr>
+          <p:cNvPr id="2" name="Title 1"/>
+          <p:cNvSpPr>
+            <a:spLocks noGrp="1"/>
+          </p:cNvSpPr>
+          <p:nvPr>
+            <p:ph type="title"/>
+          </p:nvPr>
+        </p:nvSpPr>
+        <p:spPr/>
+        <p:txBody>
+          <a:bodyPr/>
+          <a:lstStyle/>
+          <a:p>
+            <a:r>
+              <a:rPr lang="en-US" dirty="0"/>
+              <a:t>Translation (cont)</a:t>
+            </a:r>
+          </a:p>
+        </p:txBody>
+      </p:sp>
+      <p:sp>
+        <p:nvSpPr>
+          <p:cNvPr id="3" name="Content Placeholder 2"/>
+          <p:cNvSpPr>
+            <a:spLocks noGrp="1"/>
+          </p:cNvSpPr>
+          <p:nvPr>
+            <p:ph idx="1"/>
+          </p:nvPr>
+        </p:nvSpPr>
+        <p:spPr/>
+        <p:txBody>
+          <a:bodyPr/>
+          <a:lstStyle/>
+          <a:p>
+            <a:r>
+              <a:rPr lang="en-US" dirty="0"/>
+              <a:t>U = {</a:t>
+            </a:r>
+            <a:r>
+              <a:rPr lang="en-US" dirty="0" err="1"/>
+              <a:t>fleegles</a:t>
+            </a:r>
+            <a:r>
+              <a:rPr lang="en-US" dirty="0"/>
+              <a:t>, </a:t>
+            </a:r>
+            <a:r>
+              <a:rPr lang="en-US" dirty="0" err="1"/>
+              <a:t>snurds</a:t>
+            </a:r>
+            <a:r>
+              <a:rPr lang="en-US" dirty="0"/>
+              <a:t>, thingamabobs}</a:t>
+            </a:r>
+          </a:p>
+          <a:p>
+            <a:pPr lvl="1">
+              <a:buNone/>
+            </a:pPr>
+            <a:r>
+              <a:rPr lang="en-US" i="1" dirty="0"/>
+              <a:t>F(x)</a:t>
+            </a:r>
+            <a:r>
+              <a:rPr lang="en-US" dirty="0"/>
+              <a:t>: </a:t>
+            </a:r>
+            <a:r>
+              <a:rPr lang="en-US" i="1" dirty="0"/>
+              <a:t>x</a:t>
+            </a:r>
+            <a:r>
+              <a:rPr lang="en-US" dirty="0"/>
+              <a:t> is a </a:t>
+            </a:r>
+            <a:r>
+              <a:rPr lang="en-US" dirty="0" err="1"/>
+              <a:t>fleegle</a:t>
+            </a:r>
+            <a:endParaRPr lang="en-US" dirty="0"/>
+          </a:p>
+          <a:p>
+            <a:pPr lvl="1">
+              <a:buNone/>
+            </a:pPr>
+            <a:r>
+              <a:rPr lang="en-US" i="1" dirty="0"/>
+              <a:t>S(x)</a:t>
+            </a:r>
+            <a:r>
+              <a:rPr lang="en-US" dirty="0"/>
+              <a:t>: </a:t>
+            </a:r>
+            <a:r>
+              <a:rPr lang="en-US" i="1" dirty="0"/>
+              <a:t>x </a:t>
+            </a:r>
+            <a:r>
+              <a:rPr lang="en-US" dirty="0"/>
+              <a:t>is a </a:t>
+            </a:r>
+            <a:r>
+              <a:rPr lang="en-US" dirty="0" err="1"/>
+              <a:t>snurd</a:t>
+            </a:r>
+            <a:endParaRPr lang="en-US" dirty="0"/>
+          </a:p>
+          <a:p>
+            <a:pPr lvl="1">
+              <a:buNone/>
+            </a:pPr>
+            <a:r>
+              <a:rPr lang="en-US" i="1" dirty="0"/>
+              <a:t>T(x)</a:t>
+            </a:r>
+            <a:r>
+              <a:rPr lang="en-US" dirty="0"/>
+              <a:t>: </a:t>
+            </a:r>
+            <a:r>
+              <a:rPr lang="en-US" i="1" dirty="0"/>
+              <a:t>x</a:t>
+            </a:r>
+            <a:r>
+              <a:rPr lang="en-US" dirty="0"/>
+              <a:t> is a thingamabob</a:t>
+            </a:r>
+          </a:p>
+          <a:p>
+            <a:pPr>
+              <a:buNone/>
+            </a:pPr>
+            <a:r>
+              <a:rPr lang="en-US" dirty="0"/>
+              <a:t>   “No </a:t>
+            </a:r>
+            <a:r>
+              <a:rPr lang="en-US" dirty="0" err="1"/>
+              <a:t>snurd</a:t>
+            </a:r>
+            <a:r>
+              <a:rPr lang="en-US" dirty="0"/>
+              <a:t> is a thingamabob.”</a:t>
+            </a:r>
+          </a:p>
+          <a:p>
+            <a:endParaRPr lang="en-US" dirty="0"/>
+          </a:p>
+          <a:p>
+            <a:pPr>
+              <a:buNone/>
+            </a:pPr>
+            <a:r>
+              <a:rPr lang="en-US" b="1" dirty="0"/>
+              <a:t>     Solution</a:t>
+            </a:r>
+            <a:r>
+              <a:rPr lang="en-US" dirty="0"/>
+              <a:t>: </a:t>
+            </a:r>
+            <a:r>
+              <a:rPr lang="en-US" dirty="0">
+                <a:latin typeface="Cambria Math"/>
+                <a:ea typeface="Cambria Math"/>
+              </a:rPr>
+              <a:t>¬</a:t>
+            </a:r>
+            <a:r>
+              <a:rPr lang="en-US" dirty="0">
+                <a:sym typeface="Symbol"/>
+              </a:rPr>
+              <a:t></a:t>
+            </a:r>
+            <a:r>
+              <a:rPr lang="en-US" i="1" dirty="0">
+                <a:latin typeface="Cambria Math" pitchFamily="18" charset="0"/>
+                <a:ea typeface="Cambria Math" pitchFamily="18" charset="0"/>
+                <a:sym typeface="Symbol"/>
+              </a:rPr>
+              <a:t>x (S(x) </a:t>
+            </a:r>
+            <a:r>
+              <a:rPr lang="en-US" dirty="0">
+                <a:latin typeface="Cambria Math"/>
+                <a:ea typeface="Cambria Math"/>
+                <a:sym typeface="Symbol"/>
+              </a:rPr>
+              <a:t>∧ </a:t>
+            </a:r>
+            <a:r>
+              <a:rPr lang="en-US" i="1" dirty="0">
+                <a:latin typeface="Cambria Math" pitchFamily="18" charset="0"/>
+                <a:ea typeface="Cambria Math" pitchFamily="18" charset="0"/>
+                <a:sym typeface="Symbol"/>
+              </a:rPr>
+              <a:t>T(x))  </a:t>
+            </a:r>
+            <a:r>
+              <a:rPr lang="en-US" dirty="0">
+                <a:latin typeface="Cambria Math" pitchFamily="18" charset="0"/>
+                <a:ea typeface="Cambria Math" pitchFamily="18" charset="0"/>
+                <a:sym typeface="Symbol"/>
+              </a:rPr>
+              <a:t>What is this equivalent to?</a:t>
+            </a:r>
+            <a:endParaRPr lang="en-US" dirty="0">
+              <a:latin typeface="Cambria Math" pitchFamily="18" charset="0"/>
+              <a:ea typeface="Cambria Math" pitchFamily="18" charset="0"/>
+            </a:endParaRPr>
+          </a:p>
+          <a:p>
+            <a:pPr>
+              <a:buNone/>
+            </a:pPr>
+            <a:r>
+              <a:rPr lang="en-US" dirty="0"/>
+              <a:t>     </a:t>
+            </a:r>
+            <a:r>
+              <a:rPr lang="en-US" b="1" dirty="0"/>
+              <a:t>Solution</a:t>
+            </a:r>
+            <a:r>
+              <a:rPr lang="en-US" dirty="0"/>
+              <a:t>: </a:t>
+            </a:r>
+            <a:r>
+              <a:rPr lang="en-US" dirty="0">
+                <a:sym typeface="Symbol"/>
+              </a:rPr>
+              <a:t></a:t>
+            </a:r>
+            <a:r>
+              <a:rPr lang="en-US" i="1" dirty="0">
+                <a:latin typeface="Cambria Math" pitchFamily="18" charset="0"/>
+                <a:ea typeface="Cambria Math" pitchFamily="18" charset="0"/>
+                <a:sym typeface="Symbol"/>
+              </a:rPr>
+              <a:t>x (</a:t>
+            </a:r>
+            <a:r>
+              <a:rPr lang="en-US" dirty="0">
+                <a:latin typeface="Cambria Math"/>
+                <a:ea typeface="Cambria Math"/>
+              </a:rPr>
+              <a:t>¬</a:t>
+            </a:r>
+            <a:r>
+              <a:rPr lang="en-US" i="1" dirty="0">
+                <a:latin typeface="Cambria Math" pitchFamily="18" charset="0"/>
+                <a:ea typeface="Cambria Math" pitchFamily="18" charset="0"/>
+                <a:sym typeface="Symbol"/>
+              </a:rPr>
+              <a:t>S(x) </a:t>
+            </a:r>
+            <a:r>
+              <a:rPr lang="en-US" i="1" dirty="0">
+                <a:latin typeface="Cambria Math"/>
+                <a:ea typeface="Cambria Math"/>
+                <a:sym typeface="Symbol"/>
+              </a:rPr>
+              <a:t>∨ </a:t>
+            </a:r>
+            <a:r>
+              <a:rPr lang="en-US" dirty="0">
+                <a:latin typeface="Cambria Math"/>
+                <a:ea typeface="Cambria Math"/>
+              </a:rPr>
+              <a:t>¬</a:t>
+            </a:r>
+            <a:r>
+              <a:rPr lang="en-US" i="1" dirty="0">
+                <a:latin typeface="Cambria Math" pitchFamily="18" charset="0"/>
+                <a:ea typeface="Cambria Math" pitchFamily="18" charset="0"/>
+                <a:sym typeface="Symbol"/>
+              </a:rPr>
+              <a:t>T(x))</a:t>
+            </a:r>
+            <a:endParaRPr lang="en-US" dirty="0"/>
+          </a:p>
+        </p:txBody>
+      </p:sp>
+    </p:spTree>
+    <p:custDataLst>
+      <p:tags r:id="rId1"/>
+    </p:custDataLst>
+    <p:extLst>
+      <p:ext uri="{BB962C8B-B14F-4D97-AF65-F5344CB8AC3E}">
+        <p14:creationId xmlns:p14="http://schemas.microsoft.com/office/powerpoint/2010/main" val="3079185469"/>
+      </p:ext>
+    </p:extLst>
+  </p:cSld>
+  <p:clrMapOvr>
+    <a:masterClrMapping/>
+  </p:clrMapOvr>
+  <p:timing>
+    <p:tnLst>
+      <p:par>
+        <p:cTn id="1" dur="indefinite" restart="never" nodeType="tmRoot">
+          <p:childTnLst>
+            <p:seq concurrent="1" nextAc="seek">
+              <p:cTn id="2" dur="indefinite" nodeType="mainSeq">
+                <p:childTnLst>
+                  <p:par>
+                    <p:cTn id="3" fill="hold">
+                      <p:stCondLst>
+                        <p:cond delay="indefinite"/>
+                      </p:stCondLst>
+                      <p:childTnLst>
+                        <p:par>
+                          <p:cTn id="4" fill="hold">
+                            <p:stCondLst>
+                              <p:cond delay="0"/>
+                            </p:stCondLst>
+                            <p:childTnLst>
+                              <p:par>
+                                <p:cTn id="5" presetID="1" presetClass="entr" presetSubtype="0" fill="hold" nodeType="clickEffect">
+                                  <p:stCondLst>
+                                    <p:cond delay="0"/>
+                                  </p:stCondLst>
+                                  <p:childTnLst>
+                                    <p:set>
+                                      <p:cBhvr>
+                                        <p:cTn id="6" dur="1" fill="hold">
+                                          <p:stCondLst>
+                                            <p:cond delay="0"/>
+                                          </p:stCondLst>
+                                        </p:cTn>
+                                        <p:tgtEl>
+                                          <p:spTgt spid="3">
+                                            <p:txEl>
+                                              <p:pRg st="6" end="6"/>
+                                            </p:txEl>
+                                          </p:spTgt>
+                                        </p:tgtEl>
+                                        <p:attrNameLst>
+                                          <p:attrName>style.visibility</p:attrName>
+                                        </p:attrNameLst>
+                                      </p:cBhvr>
+                                      <p:to>
+                                        <p:strVal val="visible"/>
+                                      </p:to>
+                                    </p:set>
+                                  </p:childTnLst>
+                                </p:cTn>
+                              </p:par>
+                            </p:childTnLst>
+                          </p:cTn>
+                        </p:par>
+                      </p:childTnLst>
+                    </p:cTn>
+                  </p:par>
+                  <p:par>
+                    <p:cTn id="7" fill="hold">
+                      <p:stCondLst>
+                        <p:cond delay="indefinite"/>
+                      </p:stCondLst>
+                      <p:childTnLst>
+                        <p:par>
+                          <p:cTn id="8" fill="hold">
+                            <p:stCondLst>
+                              <p:cond delay="0"/>
+                            </p:stCondLst>
+                            <p:childTnLst>
+                              <p:par>
+                                <p:cTn id="9" presetID="1" presetClass="entr" presetSubtype="0" fill="hold" nodeType="clickEffect">
+                                  <p:stCondLst>
+                                    <p:cond delay="0"/>
+                                  </p:stCondLst>
+                                  <p:childTnLst>
+                                    <p:set>
+                                      <p:cBhvr>
+                                        <p:cTn id="10" dur="1" fill="hold">
+                                          <p:stCondLst>
+                                            <p:cond delay="0"/>
+                                          </p:stCondLst>
+                                        </p:cTn>
+                                        <p:tgtEl>
+                                          <p:spTgt spid="3">
+                                            <p:txEl>
+                                              <p:pRg st="7" end="7"/>
+                                            </p:txEl>
+                                          </p:spTgt>
+                                        </p:tgtEl>
+                                        <p:attrNameLst>
+                                          <p:attrName>style.visibility</p:attrName>
+                                        </p:attrNameLst>
+                                      </p:cBhvr>
+                                      <p:to>
+                                        <p:strVal val="visible"/>
+                                      </p:to>
+                                    </p:set>
+                                  </p:childTnLst>
+                                </p:cTn>
+                              </p:par>
+                            </p:childTnLst>
+                          </p:cTn>
+                        </p:par>
+                      </p:childTnLst>
+                    </p:cTn>
+                  </p:par>
+                </p:childTnLst>
+              </p:cTn>
+              <p:prevCondLst>
+                <p:cond evt="onPrev" delay="0">
+                  <p:tgtEl>
+                    <p:sldTgt/>
+                  </p:tgtEl>
+                </p:cond>
+              </p:prevCondLst>
+              <p:nextCondLst>
+                <p:cond evt="onNext" delay="0">
+                  <p:tgtEl>
+                    <p:sldTgt/>
+                  </p:tgtEl>
+                </p:cond>
+              </p:nextCondLst>
+            </p:seq>
+          </p:childTnLst>
+        </p:cTn>
+      </p:par>
+    </p:tnLst>
+  </p:timing>
+</p:sld>
+</file>
+
+<file path=ppt/slides/slide101.xml><?xml version="1.0" encoding="utf-8"?>
+<p:sld xmlns:a="http://schemas.openxmlformats.org/drawingml/2006/main" xmlns:r="http://schemas.openxmlformats.org/officeDocument/2006/relationships" xmlns:p="http://schemas.openxmlformats.org/presentationml/2006/main">
+  <p:cSld>
+    <p:spTree>
+      <p:nvGrpSpPr>
+        <p:cNvPr id="1" name=""/>
+        <p:cNvGrpSpPr/>
+        <p:nvPr/>
+      </p:nvGrpSpPr>
+      <p:grpSpPr>
+        <a:xfrm>
+          <a:off x="0" y="0"/>
+          <a:ext cx="0" cy="0"/>
+          <a:chOff x="0" y="0"/>
+          <a:chExt cx="0" cy="0"/>
+        </a:xfrm>
+      </p:grpSpPr>
+      <p:sp>
+        <p:nvSpPr>
+          <p:cNvPr id="2" name="Title 1"/>
+          <p:cNvSpPr>
+            <a:spLocks noGrp="1"/>
+          </p:cNvSpPr>
+          <p:nvPr>
+            <p:ph type="title"/>
+          </p:nvPr>
+        </p:nvSpPr>
+        <p:spPr/>
+        <p:txBody>
+          <a:bodyPr/>
+          <a:lstStyle/>
+          <a:p>
+            <a:r>
+              <a:rPr lang="en-US" dirty="0"/>
+              <a:t>Translation (cont)</a:t>
+            </a:r>
+          </a:p>
+        </p:txBody>
+      </p:sp>
+      <p:sp>
+        <p:nvSpPr>
+          <p:cNvPr id="3" name="Content Placeholder 2"/>
+          <p:cNvSpPr>
+            <a:spLocks noGrp="1"/>
+          </p:cNvSpPr>
+          <p:nvPr>
+            <p:ph idx="1"/>
+          </p:nvPr>
+        </p:nvSpPr>
+        <p:spPr/>
+        <p:txBody>
+          <a:bodyPr/>
+          <a:lstStyle/>
+          <a:p>
+            <a:r>
+              <a:rPr lang="en-US" dirty="0"/>
+              <a:t>U = {</a:t>
+            </a:r>
+            <a:r>
+              <a:rPr lang="en-US" dirty="0" err="1"/>
+              <a:t>fleegles</a:t>
+            </a:r>
+            <a:r>
+              <a:rPr lang="en-US" dirty="0"/>
+              <a:t>, </a:t>
+            </a:r>
+            <a:r>
+              <a:rPr lang="en-US" dirty="0" err="1"/>
+              <a:t>snurds</a:t>
+            </a:r>
+            <a:r>
+              <a:rPr lang="en-US" dirty="0"/>
+              <a:t>, thingamabobs}</a:t>
+            </a:r>
+          </a:p>
+          <a:p>
+            <a:pPr lvl="1">
+              <a:buNone/>
+            </a:pPr>
+            <a:r>
+              <a:rPr lang="en-US" i="1" dirty="0"/>
+              <a:t>F(x)</a:t>
+            </a:r>
+            <a:r>
+              <a:rPr lang="en-US" dirty="0"/>
+              <a:t>: x is a </a:t>
+            </a:r>
+            <a:r>
+              <a:rPr lang="en-US" dirty="0" err="1"/>
+              <a:t>fleegle</a:t>
+            </a:r>
+            <a:endParaRPr lang="en-US" dirty="0"/>
+          </a:p>
+          <a:p>
+            <a:pPr lvl="1">
+              <a:buNone/>
+            </a:pPr>
+            <a:r>
+              <a:rPr lang="en-US" i="1" dirty="0"/>
+              <a:t>S(x)</a:t>
+            </a:r>
+            <a:r>
+              <a:rPr lang="en-US" dirty="0"/>
+              <a:t>: </a:t>
+            </a:r>
+            <a:r>
+              <a:rPr lang="en-US" i="1" dirty="0"/>
+              <a:t>x</a:t>
+            </a:r>
+            <a:r>
+              <a:rPr lang="en-US" dirty="0"/>
+              <a:t> is a </a:t>
+            </a:r>
+            <a:r>
+              <a:rPr lang="en-US" dirty="0" err="1"/>
+              <a:t>snurd</a:t>
+            </a:r>
+            <a:endParaRPr lang="en-US" dirty="0"/>
+          </a:p>
+          <a:p>
+            <a:pPr lvl="1">
+              <a:buNone/>
+            </a:pPr>
+            <a:r>
+              <a:rPr lang="en-US" i="1" dirty="0"/>
+              <a:t>T(x)</a:t>
+            </a:r>
+            <a:r>
+              <a:rPr lang="en-US" dirty="0"/>
+              <a:t>: </a:t>
+            </a:r>
+            <a:r>
+              <a:rPr lang="en-US" i="1" dirty="0"/>
+              <a:t>x</a:t>
+            </a:r>
+            <a:r>
+              <a:rPr lang="en-US" dirty="0"/>
+              <a:t> is a thingamabob</a:t>
+            </a:r>
+          </a:p>
+          <a:p>
+            <a:pPr>
+              <a:buNone/>
+            </a:pPr>
+            <a:r>
+              <a:rPr lang="en-US" dirty="0"/>
+              <a:t>  “If any </a:t>
+            </a:r>
+            <a:r>
+              <a:rPr lang="en-US" dirty="0" err="1"/>
+              <a:t>fleegle</a:t>
+            </a:r>
+            <a:r>
+              <a:rPr lang="en-US" dirty="0"/>
+              <a:t> is a </a:t>
+            </a:r>
+            <a:r>
+              <a:rPr lang="en-US" dirty="0" err="1"/>
+              <a:t>snurd</a:t>
+            </a:r>
+            <a:r>
+              <a:rPr lang="en-US" dirty="0"/>
+              <a:t> then it is also a thingamabob.”</a:t>
+            </a:r>
+          </a:p>
+          <a:p>
+            <a:endParaRPr lang="en-US" dirty="0"/>
+          </a:p>
+          <a:p>
+            <a:pPr>
+              <a:buNone/>
+            </a:pPr>
+            <a:r>
+              <a:rPr lang="en-US" b="1" dirty="0"/>
+              <a:t>     Solution</a:t>
+            </a:r>
+            <a:r>
+              <a:rPr lang="en-US" dirty="0"/>
+              <a:t>: </a:t>
+            </a:r>
+            <a:r>
+              <a:rPr lang="en-US" i="1" dirty="0">
+                <a:latin typeface="Cambria Math" pitchFamily="18" charset="0"/>
+                <a:ea typeface="Cambria Math" pitchFamily="18" charset="0"/>
+                <a:sym typeface="Symbol"/>
+              </a:rPr>
+              <a:t>x ((F(x) </a:t>
+            </a:r>
+            <a:r>
+              <a:rPr lang="en-US" dirty="0">
+                <a:latin typeface="Cambria Math"/>
+                <a:ea typeface="Cambria Math"/>
+                <a:sym typeface="Symbol"/>
+              </a:rPr>
+              <a:t>∧</a:t>
+            </a:r>
+            <a:r>
+              <a:rPr lang="en-US" i="1" dirty="0">
+                <a:latin typeface="Cambria Math"/>
+                <a:ea typeface="Cambria Math"/>
+                <a:sym typeface="Symbol"/>
+              </a:rPr>
+              <a:t> S(x))→ T(x))</a:t>
+            </a:r>
+            <a:endParaRPr lang="en-US" i="1" dirty="0">
+              <a:latin typeface="Cambria Math" pitchFamily="18" charset="0"/>
+              <a:ea typeface="Cambria Math" pitchFamily="18" charset="0"/>
+            </a:endParaRPr>
+          </a:p>
+          <a:p>
+            <a:endParaRPr lang="en-US" dirty="0"/>
+          </a:p>
+        </p:txBody>
+      </p:sp>
+    </p:spTree>
+    <p:custDataLst>
+      <p:tags r:id="rId1"/>
+    </p:custDataLst>
+    <p:extLst>
+      <p:ext uri="{BB962C8B-B14F-4D97-AF65-F5344CB8AC3E}">
+        <p14:creationId xmlns:p14="http://schemas.microsoft.com/office/powerpoint/2010/main" val="1271100766"/>
+      </p:ext>
+    </p:extLst>
+  </p:cSld>
+  <p:clrMapOvr>
+    <a:masterClrMapping/>
+  </p:clrMapOvr>
+  <p:timing>
+    <p:tnLst>
+      <p:par>
+        <p:cTn id="1" dur="indefinite" restart="never" nodeType="tmRoot">
+          <p:childTnLst>
+            <p:seq concurrent="1" nextAc="seek">
+              <p:cTn id="2" dur="indefinite" nodeType="mainSeq">
+                <p:childTnLst>
+                  <p:par>
+                    <p:cTn id="3" fill="hold">
+                      <p:stCondLst>
+                        <p:cond delay="indefinite"/>
+                      </p:stCondLst>
+                      <p:childTnLst>
+                        <p:par>
+                          <p:cTn id="4" fill="hold">
+                            <p:stCondLst>
+                              <p:cond delay="0"/>
+                            </p:stCondLst>
+                            <p:childTnLst>
+                              <p:par>
+                                <p:cTn id="5" presetID="1" presetClass="entr" presetSubtype="0" fill="hold" nodeType="clickEffect">
+                                  <p:stCondLst>
+                                    <p:cond delay="0"/>
+                                  </p:stCondLst>
+                                  <p:childTnLst>
+                                    <p:set>
+                                      <p:cBhvr>
+                                        <p:cTn id="6" dur="1" fill="hold">
+                                          <p:stCondLst>
+                                            <p:cond delay="0"/>
+                                          </p:stCondLst>
+                                        </p:cTn>
+                                        <p:tgtEl>
+                                          <p:spTgt spid="3">
+                                            <p:txEl>
+                                              <p:pRg st="6" end="6"/>
+                                            </p:txEl>
+                                          </p:spTgt>
+                                        </p:tgtEl>
+                                        <p:attrNameLst>
+                                          <p:attrName>style.visibility</p:attrName>
+                                        </p:attrNameLst>
+                                      </p:cBhvr>
+                                      <p:to>
+                                        <p:strVal val="visible"/>
+                                      </p:to>
+                                    </p:set>
+                                  </p:childTnLst>
+                                </p:cTn>
+                              </p:par>
+                            </p:childTnLst>
+                          </p:cTn>
+                        </p:par>
+                      </p:childTnLst>
+                    </p:cTn>
+                  </p:par>
+                </p:childTnLst>
+              </p:cTn>
+              <p:prevCondLst>
+                <p:cond evt="onPrev" delay="0">
+                  <p:tgtEl>
+                    <p:sldTgt/>
+                  </p:tgtEl>
+                </p:cond>
+              </p:prevCondLst>
+              <p:nextCondLst>
+                <p:cond evt="onNext" delay="0">
+                  <p:tgtEl>
+                    <p:sldTgt/>
+                  </p:tgtEl>
+                </p:cond>
+              </p:nextCondLst>
+            </p:seq>
+          </p:childTnLst>
+        </p:cTn>
+      </p:par>
+    </p:tnLst>
+  </p:timing>
+</p:sld>
+</file>
+
+<file path=ppt/slides/slide102.xml><?xml version="1.0" encoding="utf-8"?>
+<p:sld xmlns:a="http://schemas.openxmlformats.org/drawingml/2006/main" xmlns:r="http://schemas.openxmlformats.org/officeDocument/2006/relationships" xmlns:p="http://schemas.openxmlformats.org/presentationml/2006/main">
+  <p:cSld>
+    <p:spTree>
+      <p:nvGrpSpPr>
+        <p:cNvPr id="1" name=""/>
+        <p:cNvGrpSpPr/>
+        <p:nvPr/>
+      </p:nvGrpSpPr>
+      <p:grpSpPr>
+        <a:xfrm>
+          <a:off x="0" y="0"/>
+          <a:ext cx="0" cy="0"/>
+          <a:chOff x="0" y="0"/>
+          <a:chExt cx="0" cy="0"/>
+        </a:xfrm>
+      </p:grpSpPr>
+      <p:sp>
+        <p:nvSpPr>
+          <p:cNvPr id="2" name="Title 1">
+            <a:extLst>
+              <a:ext uri="{FF2B5EF4-FFF2-40B4-BE49-F238E27FC236}">
+                <a16:creationId xmlns:a16="http://schemas.microsoft.com/office/drawing/2014/main" id="{0C8F1529-7CAE-4ADC-B08F-40E953720283}"/>
+              </a:ext>
+            </a:extLst>
+          </p:cNvPr>
+          <p:cNvSpPr>
+            <a:spLocks noGrp="1"/>
+          </p:cNvSpPr>
+          <p:nvPr>
+            <p:ph type="title"/>
+          </p:nvPr>
+        </p:nvSpPr>
+        <p:spPr/>
+        <p:txBody>
+          <a:bodyPr/>
+          <a:lstStyle/>
+          <a:p>
+            <a:r>
+              <a:rPr lang="en-US" dirty="0"/>
+              <a:t>Classroom Exercise</a:t>
+            </a:r>
+          </a:p>
+        </p:txBody>
+      </p:sp>
+      <p:sp>
+        <p:nvSpPr>
+          <p:cNvPr id="3" name="Content Placeholder 2">
+            <a:extLst>
+              <a:ext uri="{FF2B5EF4-FFF2-40B4-BE49-F238E27FC236}">
+                <a16:creationId xmlns:a16="http://schemas.microsoft.com/office/drawing/2014/main" id="{83211D95-47B5-4E4D-ADCA-685F425F4867}"/>
+              </a:ext>
+            </a:extLst>
+          </p:cNvPr>
+          <p:cNvSpPr>
+            <a:spLocks noGrp="1"/>
+          </p:cNvSpPr>
+          <p:nvPr>
+            <p:ph idx="1"/>
+          </p:nvPr>
+        </p:nvSpPr>
+        <p:spPr/>
+        <p:txBody>
+          <a:bodyPr>
+            <a:normAutofit fontScale="92500" lnSpcReduction="20000"/>
+          </a:bodyPr>
+          <a:lstStyle/>
+          <a:p>
+            <a:pPr marL="0" indent="0">
+              <a:buNone/>
+            </a:pPr>
+            <a:r>
+              <a:rPr lang="en-US" dirty="0"/>
+              <a:t>Let C(x) be the statement “x has a cat,” let D(x) be the statement “x has a dog,” and let F(x) be the statement “x has a ferret.” Express each of these statements in terms of C(x), D(x), F(x), quantifiers, and logical connectives. Let the domain consist of all students in your class.</a:t>
+            </a:r>
+          </a:p>
+          <a:p>
+            <a:pPr marL="514350" indent="-514350">
+              <a:buAutoNum type="alphaLcParenR"/>
+            </a:pPr>
+            <a:r>
+              <a:rPr lang="en-US" dirty="0"/>
+              <a:t>A student in your class has a cat, a dog, and a ferret.</a:t>
+            </a:r>
+          </a:p>
+          <a:p>
+            <a:pPr marL="514350" indent="-514350">
+              <a:buAutoNum type="alphaLcParenR"/>
+            </a:pPr>
+            <a:r>
+              <a:rPr lang="en-US" dirty="0"/>
+              <a:t>All students in your class have a cat, a dog, or a ferret.</a:t>
+            </a:r>
+          </a:p>
+          <a:p>
+            <a:pPr marL="514350" indent="-514350">
+              <a:buAutoNum type="alphaLcParenR"/>
+            </a:pPr>
+            <a:r>
+              <a:rPr lang="en-US" dirty="0"/>
+              <a:t>Some student in your class has a cat and a ferret, but not a dog. </a:t>
+            </a:r>
+          </a:p>
+          <a:p>
+            <a:pPr marL="514350" indent="-514350">
+              <a:buAutoNum type="alphaLcParenR"/>
+            </a:pPr>
+            <a:r>
+              <a:rPr lang="en-US" dirty="0"/>
+              <a:t>No student in your class has a cat, a dog, and a ferret.</a:t>
+            </a:r>
+          </a:p>
+          <a:p>
+            <a:pPr marL="514350" indent="-514350">
+              <a:buAutoNum type="alphaLcParenR"/>
+            </a:pPr>
+            <a:r>
+              <a:rPr lang="en-US" dirty="0"/>
+              <a:t>For each of the three animals, cats, dogs, and ferrets, there is a student in your class who has this animal as a pet.</a:t>
+            </a:r>
+          </a:p>
+        </p:txBody>
+      </p:sp>
+    </p:spTree>
+    <p:extLst>
+      <p:ext uri="{BB962C8B-B14F-4D97-AF65-F5344CB8AC3E}">
+        <p14:creationId xmlns:p14="http://schemas.microsoft.com/office/powerpoint/2010/main" val="4052901926"/>
+      </p:ext>
+    </p:extLst>
+  </p:cSld>
+  <p:clrMapOvr>
+    <a:masterClrMapping/>
+  </p:clrMapOvr>
+</p:sld>
+</file>
+
+<file path=ppt/slides/slide103.xml><?xml version="1.0" encoding="utf-8"?>
+<p:sld xmlns:a="http://schemas.openxmlformats.org/drawingml/2006/main" xmlns:r="http://schemas.openxmlformats.org/officeDocument/2006/relationships" xmlns:p="http://schemas.openxmlformats.org/presentationml/2006/main">
+  <p:cSld>
+    <p:spTree>
+      <p:nvGrpSpPr>
+        <p:cNvPr id="1" name=""/>
+        <p:cNvGrpSpPr/>
+        <p:nvPr/>
+      </p:nvGrpSpPr>
+      <p:grpSpPr>
+        <a:xfrm>
+          <a:off x="0" y="0"/>
+          <a:ext cx="0" cy="0"/>
+          <a:chOff x="0" y="0"/>
+          <a:chExt cx="0" cy="0"/>
+        </a:xfrm>
+      </p:grpSpPr>
+      <p:sp>
+        <p:nvSpPr>
+          <p:cNvPr id="2" name="Title 1"/>
+          <p:cNvSpPr>
+            <a:spLocks noGrp="1"/>
+          </p:cNvSpPr>
+          <p:nvPr>
+            <p:ph type="title"/>
+          </p:nvPr>
+        </p:nvSpPr>
+        <p:spPr/>
+        <p:txBody>
+          <a:bodyPr/>
+          <a:lstStyle/>
+          <a:p>
+            <a:r>
+              <a:rPr lang="en-US" dirty="0"/>
+              <a:t>System Specification Example</a:t>
+            </a:r>
+          </a:p>
+        </p:txBody>
+      </p:sp>
+      <p:sp>
+        <p:nvSpPr>
+          <p:cNvPr id="3" name="Content Placeholder 2"/>
+          <p:cNvSpPr>
+            <a:spLocks noGrp="1"/>
+          </p:cNvSpPr>
+          <p:nvPr>
+            <p:ph idx="1"/>
+          </p:nvPr>
+        </p:nvSpPr>
+        <p:spPr>
+          <a:xfrm>
+            <a:off x="304800" y="1828800"/>
+            <a:ext cx="8229600" cy="4389120"/>
+          </a:xfrm>
+        </p:spPr>
+        <p:txBody>
+          <a:bodyPr>
+            <a:normAutofit/>
+          </a:bodyPr>
+          <a:lstStyle/>
+          <a:p>
+            <a:r>
+              <a:rPr lang="en-US" sz="2000" dirty="0"/>
+              <a:t>Predicate logic is used for specifying properties that systems must satisfy.</a:t>
+            </a:r>
+          </a:p>
+          <a:p>
+            <a:r>
+              <a:rPr lang="en-US" sz="2000" dirty="0"/>
+              <a:t>For example, translate into predicate logic:</a:t>
+            </a:r>
+          </a:p>
+          <a:p>
+            <a:pPr lvl="1"/>
+            <a:r>
+              <a:rPr lang="en-US" sz="2000" dirty="0"/>
+              <a:t>“Every mail message larger than one megabyte will be compressed.”</a:t>
+            </a:r>
+          </a:p>
+          <a:p>
+            <a:pPr lvl="1"/>
+            <a:r>
+              <a:rPr lang="en-US" sz="2000" dirty="0"/>
+              <a:t>“If a user is active, at least one network link will be available.”</a:t>
+            </a:r>
+          </a:p>
+          <a:p>
+            <a:r>
+              <a:rPr lang="en-US" sz="2000" dirty="0"/>
+              <a:t>Decide on predicates and domains (left implicit here) for the variables:</a:t>
+            </a:r>
+          </a:p>
+          <a:p>
+            <a:pPr lvl="1"/>
+            <a:r>
+              <a:rPr lang="en-US" sz="1800" dirty="0"/>
+              <a:t>Let </a:t>
+            </a:r>
+            <a:r>
+              <a:rPr lang="en-US" sz="1800" i="1" dirty="0"/>
+              <a:t>L</a:t>
+            </a:r>
+            <a:r>
+              <a:rPr lang="en-US" sz="1800" dirty="0"/>
+              <a:t>(</a:t>
+            </a:r>
+            <a:r>
+              <a:rPr lang="en-US" sz="1800" i="1" dirty="0"/>
+              <a:t>m</a:t>
+            </a:r>
+            <a:r>
+              <a:rPr lang="en-US" sz="1800" dirty="0"/>
+              <a:t>, </a:t>
+            </a:r>
+            <a:r>
+              <a:rPr lang="en-US" sz="1800" i="1" dirty="0"/>
+              <a:t>y</a:t>
+            </a:r>
+            <a:r>
+              <a:rPr lang="en-US" sz="1800" dirty="0"/>
+              <a:t>) be “Mail message </a:t>
+            </a:r>
+            <a:r>
+              <a:rPr lang="en-US" sz="1800" i="1" dirty="0"/>
+              <a:t>m</a:t>
+            </a:r>
+            <a:r>
+              <a:rPr lang="en-US" sz="1800" dirty="0"/>
+              <a:t> is larger than </a:t>
+            </a:r>
+            <a:r>
+              <a:rPr lang="en-US" sz="1800" i="1" dirty="0"/>
+              <a:t>y</a:t>
+            </a:r>
+            <a:r>
+              <a:rPr lang="en-US" sz="1800" dirty="0"/>
+              <a:t> megabytes.”</a:t>
+            </a:r>
+          </a:p>
+          <a:p>
+            <a:pPr lvl="1"/>
+            <a:r>
+              <a:rPr lang="en-US" sz="1800" dirty="0"/>
+              <a:t>Let </a:t>
+            </a:r>
+            <a:r>
+              <a:rPr lang="en-US" sz="1800" i="1" dirty="0"/>
+              <a:t>C</a:t>
+            </a:r>
+            <a:r>
+              <a:rPr lang="en-US" sz="1800" dirty="0"/>
+              <a:t>(</a:t>
+            </a:r>
+            <a:r>
+              <a:rPr lang="en-US" sz="1800" i="1" dirty="0"/>
+              <a:t>m</a:t>
+            </a:r>
+            <a:r>
+              <a:rPr lang="en-US" sz="1800" dirty="0"/>
+              <a:t>) denote “Mail message </a:t>
+            </a:r>
+            <a:r>
+              <a:rPr lang="en-US" sz="1800" i="1" dirty="0"/>
+              <a:t>m</a:t>
+            </a:r>
+            <a:r>
+              <a:rPr lang="en-US" sz="1800" dirty="0"/>
+              <a:t> will be compressed.”</a:t>
+            </a:r>
+          </a:p>
+          <a:p>
+            <a:pPr lvl="1"/>
+            <a:r>
+              <a:rPr lang="en-US" sz="1800" dirty="0"/>
+              <a:t>Let </a:t>
+            </a:r>
+            <a:r>
+              <a:rPr lang="en-US" sz="1800" i="1" dirty="0"/>
+              <a:t>A</a:t>
+            </a:r>
+            <a:r>
+              <a:rPr lang="en-US" sz="1800" dirty="0"/>
+              <a:t>(</a:t>
+            </a:r>
+            <a:r>
+              <a:rPr lang="en-US" sz="1800" i="1" dirty="0"/>
+              <a:t>u</a:t>
+            </a:r>
+            <a:r>
+              <a:rPr lang="en-US" sz="1800" dirty="0"/>
+              <a:t>) represent “User </a:t>
+            </a:r>
+            <a:r>
+              <a:rPr lang="en-US" sz="1800" i="1" dirty="0"/>
+              <a:t>u</a:t>
+            </a:r>
+            <a:r>
+              <a:rPr lang="en-US" sz="1800" dirty="0"/>
+              <a:t> is active.”</a:t>
+            </a:r>
+          </a:p>
+          <a:p>
+            <a:pPr lvl="1"/>
+            <a:r>
+              <a:rPr lang="en-US" sz="1800" dirty="0"/>
+              <a:t>Let </a:t>
+            </a:r>
+            <a:r>
+              <a:rPr lang="en-US" sz="1800" i="1" dirty="0"/>
+              <a:t>S</a:t>
+            </a:r>
+            <a:r>
+              <a:rPr lang="en-US" sz="1800" dirty="0"/>
+              <a:t>(</a:t>
+            </a:r>
+            <a:r>
+              <a:rPr lang="en-US" sz="1800" i="1" dirty="0"/>
+              <a:t>n, x</a:t>
+            </a:r>
+            <a:r>
+              <a:rPr lang="en-US" sz="1800" dirty="0"/>
+              <a:t>) represent “Network link </a:t>
+            </a:r>
+            <a:r>
+              <a:rPr lang="en-US" sz="1800" i="1" dirty="0"/>
+              <a:t>n</a:t>
+            </a:r>
+            <a:r>
+              <a:rPr lang="en-US" sz="1800" dirty="0"/>
+              <a:t> is state </a:t>
+            </a:r>
+            <a:r>
+              <a:rPr lang="en-US" sz="1800" i="1" dirty="0"/>
+              <a:t>x</a:t>
+            </a:r>
+            <a:r>
+              <a:rPr lang="en-US" sz="1800" dirty="0"/>
+              <a:t>.</a:t>
+            </a:r>
+          </a:p>
+          <a:p>
+            <a:r>
+              <a:rPr lang="en-US" sz="2000" dirty="0"/>
+              <a:t>Now we have:</a:t>
+            </a:r>
+          </a:p>
+          <a:p>
+            <a:endParaRPr lang="en-US" sz="2000" dirty="0"/>
+          </a:p>
+          <a:p>
+            <a:pPr>
+              <a:buNone/>
+            </a:pPr>
+            <a:endParaRPr lang="en-US" sz="2000" dirty="0"/>
+          </a:p>
+          <a:p>
+            <a:endParaRPr lang="en-US" sz="2000" dirty="0"/>
+          </a:p>
+          <a:p>
+            <a:endParaRPr lang="en-US" sz="2000" dirty="0"/>
+          </a:p>
+          <a:p>
+            <a:endParaRPr lang="en-US" sz="2000" dirty="0"/>
+          </a:p>
+          <a:p>
+            <a:pPr lvl="1">
+              <a:buNone/>
+            </a:pPr>
+            <a:endParaRPr lang="en-US" dirty="0"/>
+          </a:p>
+        </p:txBody>
+      </p:sp>
+      <p:pic>
+        <p:nvPicPr>
+          <p:cNvPr id="7" name="Picture 6" descr="addin_tmp.png"/>
+          <p:cNvPicPr>
+            <a:picLocks noChangeAspect="1"/>
+          </p:cNvPicPr>
+          <p:nvPr>
+            <p:custDataLst>
+              <p:tags r:id="rId1"/>
+            </p:custDataLst>
+          </p:nvPr>
+        </p:nvPicPr>
+        <p:blipFill>
+          <a:blip r:embed="rId4" cstate="print"/>
+          <a:stretch>
+            <a:fillRect/>
+          </a:stretch>
+        </p:blipFill>
+        <p:spPr>
+          <a:xfrm>
+            <a:off x="2743200" y="5410200"/>
+            <a:ext cx="2974181" cy="319088"/>
+          </a:xfrm>
+          <a:prstGeom prst="rect">
+            <a:avLst/>
+          </a:prstGeom>
+        </p:spPr>
+      </p:pic>
+      <p:pic>
+        <p:nvPicPr>
+          <p:cNvPr id="6" name="Picture 5" descr="addin_tmp.png"/>
+          <p:cNvPicPr>
+            <a:picLocks noChangeAspect="1"/>
+          </p:cNvPicPr>
+          <p:nvPr>
+            <p:custDataLst>
+              <p:tags r:id="rId2"/>
+            </p:custDataLst>
+          </p:nvPr>
+        </p:nvPicPr>
+        <p:blipFill>
+          <a:blip r:embed="rId5" cstate="print"/>
+          <a:stretch>
+            <a:fillRect/>
+          </a:stretch>
+        </p:blipFill>
+        <p:spPr>
+          <a:xfrm>
+            <a:off x="2133600" y="5867400"/>
+            <a:ext cx="3988594" cy="319088"/>
+          </a:xfrm>
+          <a:prstGeom prst="rect">
+            <a:avLst/>
+          </a:prstGeom>
+        </p:spPr>
+      </p:pic>
+    </p:spTree>
+    <p:extLst>
+      <p:ext uri="{BB962C8B-B14F-4D97-AF65-F5344CB8AC3E}">
+        <p14:creationId xmlns:p14="http://schemas.microsoft.com/office/powerpoint/2010/main" val="561594057"/>
+      </p:ext>
+    </p:extLst>
+  </p:cSld>
+  <p:clrMapOvr>
+    <a:masterClrMapping/>
+  </p:clrMapOvr>
+</p:sld>
+</file>
+
+<file path=ppt/slides/slide104.xml><?xml version="1.0" encoding="utf-8"?>
 <p:sld xmlns:a="http://schemas.openxmlformats.org/drawingml/2006/main" xmlns:r="http://schemas.openxmlformats.org/officeDocument/2006/relationships" xmlns:p="http://schemas.openxmlformats.org/presentationml/2006/main">
   <p:cSld>
     <p:spTree>
@@ -25965,8 +27487,8 @@
           </a:p>
         </p:txBody>
       </p:sp>
-      <mc:AlternateContent xmlns:mc="http://schemas.openxmlformats.org/markup-compatibility/2006">
-        <mc:Choice xmlns:a14="http://schemas.microsoft.com/office/drawing/2010/main" Requires="a14">
+      <mc:AlternateContent xmlns:mc="http://schemas.openxmlformats.org/markup-compatibility/2006" xmlns:a14="http://schemas.microsoft.com/office/drawing/2010/main">
+        <mc:Choice Requires="a14">
           <p:sp>
             <p:nvSpPr>
               <p:cNvPr id="5" name="TextBox 4">
@@ -26125,7 +27647,7 @@
             </p:txBody>
           </p:sp>
         </mc:Choice>
-        <mc:Fallback>
+        <mc:Fallback xmlns="">
           <p:sp>
             <p:nvSpPr>
               <p:cNvPr id="5" name="TextBox 4">
@@ -26237,8 +27759,8 @@
           </a:p>
         </p:txBody>
       </p:sp>
-      <mc:AlternateContent xmlns:mc="http://schemas.openxmlformats.org/markup-compatibility/2006">
-        <mc:Choice xmlns:a14="http://schemas.microsoft.com/office/drawing/2010/main" Requires="a14">
+      <mc:AlternateContent xmlns:mc="http://schemas.openxmlformats.org/markup-compatibility/2006" xmlns:a14="http://schemas.microsoft.com/office/drawing/2010/main">
+        <mc:Choice Requires="a14">
           <p:sp>
             <p:nvSpPr>
               <p:cNvPr id="5" name="TextBox 4">
@@ -26390,7 +27912,7 @@
             </p:txBody>
           </p:sp>
         </mc:Choice>
-        <mc:Fallback>
+        <mc:Fallback xmlns="">
           <p:sp>
             <p:nvSpPr>
               <p:cNvPr id="5" name="TextBox 4">
@@ -26502,8 +28024,8 @@
           </a:p>
         </p:txBody>
       </p:sp>
-      <mc:AlternateContent xmlns:mc="http://schemas.openxmlformats.org/markup-compatibility/2006">
-        <mc:Choice xmlns:a14="http://schemas.microsoft.com/office/drawing/2010/main" Requires="a14">
+      <mc:AlternateContent xmlns:mc="http://schemas.openxmlformats.org/markup-compatibility/2006" xmlns:a14="http://schemas.microsoft.com/office/drawing/2010/main">
+        <mc:Choice Requires="a14">
           <p:sp>
             <p:nvSpPr>
               <p:cNvPr id="5" name="TextBox 4">
@@ -26642,7 +28164,7 @@
             </p:txBody>
           </p:sp>
         </mc:Choice>
-        <mc:Fallback>
+        <mc:Fallback xmlns="">
           <p:sp>
             <p:nvSpPr>
               <p:cNvPr id="5" name="TextBox 4">
@@ -27016,8 +28538,8 @@
           </a:p>
         </p:txBody>
       </p:sp>
-      <mc:AlternateContent xmlns:mc="http://schemas.openxmlformats.org/markup-compatibility/2006">
-        <mc:Choice xmlns:a14="http://schemas.microsoft.com/office/drawing/2010/main" Requires="a14">
+      <mc:AlternateContent xmlns:mc="http://schemas.openxmlformats.org/markup-compatibility/2006" xmlns:a14="http://schemas.microsoft.com/office/drawing/2010/main">
+        <mc:Choice Requires="a14">
           <p:sp>
             <p:nvSpPr>
               <p:cNvPr id="4" name="TextBox 3">
@@ -27046,6 +28568,7 @@
               </a:bodyPr>
               <a:lstStyle/>
               <a:p>
+                <a:pPr/>
                 <a14:m>
                   <m:oMathPara xmlns:m="http://schemas.openxmlformats.org/officeDocument/2006/math">
                     <m:oMathParaPr>
@@ -27093,7 +28616,7 @@
             </p:txBody>
           </p:sp>
         </mc:Choice>
-        <mc:Fallback>
+        <mc:Fallback xmlns="">
           <p:sp>
             <p:nvSpPr>
               <p:cNvPr id="4" name="TextBox 3">
@@ -31048,8 +32571,8 @@
           </a:p>
         </p:txBody>
       </p:sp>
-      <mc:AlternateContent xmlns:mc="http://schemas.openxmlformats.org/markup-compatibility/2006">
-        <mc:Choice xmlns:a14="http://schemas.microsoft.com/office/drawing/2010/main" Requires="a14">
+      <mc:AlternateContent xmlns:mc="http://schemas.openxmlformats.org/markup-compatibility/2006" xmlns:a14="http://schemas.microsoft.com/office/drawing/2010/main">
+        <mc:Choice Requires="a14">
           <p:sp>
             <p:nvSpPr>
               <p:cNvPr id="2" name="TextBox 1">
@@ -31078,6 +32601,7 @@
               </a:bodyPr>
               <a:lstStyle/>
               <a:p>
+                <a:pPr/>
                 <a14:m>
                   <m:oMathPara xmlns:m="http://schemas.openxmlformats.org/officeDocument/2006/math">
                     <m:oMathParaPr>
@@ -31125,7 +32649,7 @@
             </p:txBody>
           </p:sp>
         </mc:Choice>
-        <mc:Fallback>
+        <mc:Fallback xmlns="">
           <p:sp>
             <p:nvSpPr>
               <p:cNvPr id="2" name="TextBox 1">
@@ -31170,8 +32694,8 @@
           </p:sp>
         </mc:Fallback>
       </mc:AlternateContent>
-      <mc:AlternateContent xmlns:mc="http://schemas.openxmlformats.org/markup-compatibility/2006">
-        <mc:Choice xmlns:a14="http://schemas.microsoft.com/office/drawing/2010/main" Requires="a14">
+      <mc:AlternateContent xmlns:mc="http://schemas.openxmlformats.org/markup-compatibility/2006" xmlns:a14="http://schemas.microsoft.com/office/drawing/2010/main">
+        <mc:Choice Requires="a14">
           <p:sp>
             <p:nvSpPr>
               <p:cNvPr id="3" name="Rectangle 2">
@@ -31199,6 +32723,7 @@
               </a:bodyPr>
               <a:lstStyle/>
               <a:p>
+                <a:pPr/>
                 <a14:m>
                   <m:oMathPara xmlns:m="http://schemas.openxmlformats.org/officeDocument/2006/math">
                     <m:oMathParaPr>
@@ -31276,7 +32801,7 @@
             </p:txBody>
           </p:sp>
         </mc:Choice>
-        <mc:Fallback>
+        <mc:Fallback xmlns="">
           <p:sp>
             <p:nvSpPr>
               <p:cNvPr id="3" name="Rectangle 2">
@@ -31451,8 +32976,8 @@
           </a:p>
         </p:txBody>
       </p:sp>
-      <mc:AlternateContent xmlns:mc="http://schemas.openxmlformats.org/markup-compatibility/2006">
-        <mc:Choice xmlns:a14="http://schemas.microsoft.com/office/drawing/2010/main" Requires="a14">
+      <mc:AlternateContent xmlns:mc="http://schemas.openxmlformats.org/markup-compatibility/2006" xmlns:a14="http://schemas.microsoft.com/office/drawing/2010/main">
+        <mc:Choice Requires="a14">
           <p:sp>
             <p:nvSpPr>
               <p:cNvPr id="2" name="TextBox 1">
@@ -31481,6 +33006,7 @@
               </a:bodyPr>
               <a:lstStyle/>
               <a:p>
+                <a:pPr/>
                 <a14:m>
                   <m:oMathPara xmlns:m="http://schemas.openxmlformats.org/officeDocument/2006/math">
                     <m:oMathParaPr>
@@ -31528,7 +33054,7 @@
             </p:txBody>
           </p:sp>
         </mc:Choice>
-        <mc:Fallback>
+        <mc:Fallback xmlns="">
           <p:sp>
             <p:nvSpPr>
               <p:cNvPr id="2" name="TextBox 1">
@@ -31573,8 +33099,8 @@
           </p:sp>
         </mc:Fallback>
       </mc:AlternateContent>
-      <mc:AlternateContent xmlns:mc="http://schemas.openxmlformats.org/markup-compatibility/2006">
-        <mc:Choice xmlns:a14="http://schemas.microsoft.com/office/drawing/2010/main" Requires="a14">
+      <mc:AlternateContent xmlns:mc="http://schemas.openxmlformats.org/markup-compatibility/2006" xmlns:a14="http://schemas.microsoft.com/office/drawing/2010/main">
+        <mc:Choice Requires="a14">
           <p:sp>
             <p:nvSpPr>
               <p:cNvPr id="6" name="Rectangle 5">
@@ -31602,6 +33128,7 @@
               </a:bodyPr>
               <a:lstStyle/>
               <a:p>
+                <a:pPr/>
                 <a14:m>
                   <m:oMathPara xmlns:m="http://schemas.openxmlformats.org/officeDocument/2006/math">
                     <m:oMathParaPr>
@@ -31679,7 +33206,7 @@
             </p:txBody>
           </p:sp>
         </mc:Choice>
-        <mc:Fallback>
+        <mc:Fallback xmlns="">
           <p:sp>
             <p:nvSpPr>
               <p:cNvPr id="6" name="Rectangle 5">
@@ -31854,8 +33381,8 @@
           </a:p>
         </p:txBody>
       </p:sp>
-      <mc:AlternateContent xmlns:mc="http://schemas.openxmlformats.org/markup-compatibility/2006">
-        <mc:Choice xmlns:a14="http://schemas.microsoft.com/office/drawing/2010/main" Requires="a14">
+      <mc:AlternateContent xmlns:mc="http://schemas.openxmlformats.org/markup-compatibility/2006" xmlns:a14="http://schemas.microsoft.com/office/drawing/2010/main">
+        <mc:Choice Requires="a14">
           <p:sp>
             <p:nvSpPr>
               <p:cNvPr id="2" name="TextBox 1">
@@ -31884,6 +33411,7 @@
               </a:bodyPr>
               <a:lstStyle/>
               <a:p>
+                <a:pPr/>
                 <a14:m>
                   <m:oMathPara xmlns:m="http://schemas.openxmlformats.org/officeDocument/2006/math">
                     <m:oMathParaPr>
@@ -31931,7 +33459,7 @@
             </p:txBody>
           </p:sp>
         </mc:Choice>
-        <mc:Fallback>
+        <mc:Fallback xmlns="">
           <p:sp>
             <p:nvSpPr>
               <p:cNvPr id="2" name="TextBox 1">
@@ -31976,8 +33504,8 @@
           </p:sp>
         </mc:Fallback>
       </mc:AlternateContent>
-      <mc:AlternateContent xmlns:mc="http://schemas.openxmlformats.org/markup-compatibility/2006">
-        <mc:Choice xmlns:a14="http://schemas.microsoft.com/office/drawing/2010/main" Requires="a14">
+      <mc:AlternateContent xmlns:mc="http://schemas.openxmlformats.org/markup-compatibility/2006" xmlns:a14="http://schemas.microsoft.com/office/drawing/2010/main">
+        <mc:Choice Requires="a14">
           <p:sp>
             <p:nvSpPr>
               <p:cNvPr id="6" name="Rectangle 5">
@@ -32005,6 +33533,7 @@
               </a:bodyPr>
               <a:lstStyle/>
               <a:p>
+                <a:pPr/>
                 <a14:m>
                   <m:oMathPara xmlns:m="http://schemas.openxmlformats.org/officeDocument/2006/math">
                     <m:oMathParaPr>
@@ -32082,7 +33611,7 @@
             </p:txBody>
           </p:sp>
         </mc:Choice>
-        <mc:Fallback>
+        <mc:Fallback xmlns="">
           <p:sp>
             <p:nvSpPr>
               <p:cNvPr id="6" name="Rectangle 5">
@@ -33118,8 +34647,8 @@
           </a:p>
         </p:txBody>
       </p:sp>
-      <mc:AlternateContent xmlns:mc="http://schemas.openxmlformats.org/markup-compatibility/2006">
-        <mc:Choice xmlns:a14="http://schemas.microsoft.com/office/drawing/2010/main" Requires="a14">
+      <mc:AlternateContent xmlns:mc="http://schemas.openxmlformats.org/markup-compatibility/2006" xmlns:a14="http://schemas.microsoft.com/office/drawing/2010/main">
+        <mc:Choice Requires="a14">
           <p:sp>
             <p:nvSpPr>
               <p:cNvPr id="5" name="TextBox 4">
@@ -33358,7 +34887,7 @@
             </p:txBody>
           </p:sp>
         </mc:Choice>
-        <mc:Fallback>
+        <mc:Fallback xmlns="">
           <p:sp>
             <p:nvSpPr>
               <p:cNvPr id="5" name="TextBox 4">
@@ -33403,8 +34932,8 @@
           </p:sp>
         </mc:Fallback>
       </mc:AlternateContent>
-      <mc:AlternateContent xmlns:mc="http://schemas.openxmlformats.org/markup-compatibility/2006">
-        <mc:Choice xmlns:a14="http://schemas.microsoft.com/office/drawing/2010/main" Requires="a14">
+      <mc:AlternateContent xmlns:mc="http://schemas.openxmlformats.org/markup-compatibility/2006" xmlns:a14="http://schemas.microsoft.com/office/drawing/2010/main">
+        <mc:Choice Requires="a14">
           <p:sp>
             <p:nvSpPr>
               <p:cNvPr id="6" name="TextBox 5">
@@ -33633,7 +35162,7 @@
             </p:txBody>
           </p:sp>
         </mc:Choice>
-        <mc:Fallback>
+        <mc:Fallback xmlns="">
           <p:sp>
             <p:nvSpPr>
               <p:cNvPr id="6" name="TextBox 5">
@@ -33816,8 +35345,8 @@
           </a:p>
         </p:txBody>
       </p:sp>
-      <mc:AlternateContent xmlns:mc="http://schemas.openxmlformats.org/markup-compatibility/2006">
-        <mc:Choice xmlns:a14="http://schemas.microsoft.com/office/drawing/2010/main" Requires="a14">
+      <mc:AlternateContent xmlns:mc="http://schemas.openxmlformats.org/markup-compatibility/2006" xmlns:a14="http://schemas.microsoft.com/office/drawing/2010/main">
+        <mc:Choice Requires="a14">
           <p:sp>
             <p:nvSpPr>
               <p:cNvPr id="2" name="TextBox 1">
@@ -33846,6 +35375,7 @@
               </a:bodyPr>
               <a:lstStyle/>
               <a:p>
+                <a:pPr/>
                 <a14:m>
                   <m:oMathPara xmlns:m="http://schemas.openxmlformats.org/officeDocument/2006/math">
                     <m:oMathParaPr>
@@ -33893,7 +35423,7 @@
             </p:txBody>
           </p:sp>
         </mc:Choice>
-        <mc:Fallback>
+        <mc:Fallback xmlns="">
           <p:sp>
             <p:nvSpPr>
               <p:cNvPr id="2" name="TextBox 1">
@@ -33938,8 +35468,8 @@
           </p:sp>
         </mc:Fallback>
       </mc:AlternateContent>
-      <mc:AlternateContent xmlns:mc="http://schemas.openxmlformats.org/markup-compatibility/2006">
-        <mc:Choice xmlns:a14="http://schemas.microsoft.com/office/drawing/2010/main" Requires="a14">
+      <mc:AlternateContent xmlns:mc="http://schemas.openxmlformats.org/markup-compatibility/2006" xmlns:a14="http://schemas.microsoft.com/office/drawing/2010/main">
+        <mc:Choice Requires="a14">
           <p:sp>
             <p:nvSpPr>
               <p:cNvPr id="6" name="Rectangle 5">
@@ -33967,6 +35497,7 @@
               </a:bodyPr>
               <a:lstStyle/>
               <a:p>
+                <a:pPr/>
                 <a14:m>
                   <m:oMathPara xmlns:m="http://schemas.openxmlformats.org/officeDocument/2006/math">
                     <m:oMathParaPr>
@@ -34058,7 +35589,7 @@
             </p:txBody>
           </p:sp>
         </mc:Choice>
-        <mc:Fallback>
+        <mc:Fallback xmlns="">
           <p:sp>
             <p:nvSpPr>
               <p:cNvPr id="6" name="Rectangle 5">
@@ -34103,8 +35634,8 @@
           </p:sp>
         </mc:Fallback>
       </mc:AlternateContent>
-      <mc:AlternateContent xmlns:mc="http://schemas.openxmlformats.org/markup-compatibility/2006">
-        <mc:Choice xmlns:a14="http://schemas.microsoft.com/office/drawing/2010/main" Requires="a14">
+      <mc:AlternateContent xmlns:mc="http://schemas.openxmlformats.org/markup-compatibility/2006" xmlns:a14="http://schemas.microsoft.com/office/drawing/2010/main">
+        <mc:Choice Requires="a14">
           <p:sp>
             <p:nvSpPr>
               <p:cNvPr id="7" name="TextBox 6">
@@ -34133,6 +35664,7 @@
               </a:bodyPr>
               <a:lstStyle/>
               <a:p>
+                <a:pPr/>
                 <a14:m>
                   <m:oMathPara xmlns:m="http://schemas.openxmlformats.org/officeDocument/2006/math">
                     <m:oMathParaPr>
@@ -34180,7 +35712,7 @@
             </p:txBody>
           </p:sp>
         </mc:Choice>
-        <mc:Fallback>
+        <mc:Fallback xmlns="">
           <p:sp>
             <p:nvSpPr>
               <p:cNvPr id="7" name="TextBox 6">
@@ -35263,16 +36795,36 @@
             </a:r>
             <a:r>
               <a:rPr lang="en-US" dirty="0"/>
-              <a:t> is all students in this class, define a propositional function J(x) denoting “x has taken a course in Java” and translate as </a:t>
+              <a:t> is all students in this class, define a propositional function </a:t>
+            </a:r>
+            <a:r>
+              <a:rPr lang="en-US" dirty="0">
+                <a:solidFill>
+                  <a:srgbClr val="FF0000"/>
+                </a:solidFill>
+              </a:rPr>
+              <a:t>J(x) </a:t>
+            </a:r>
+            <a:r>
+              <a:rPr lang="en-US" dirty="0"/>
+              <a:t>denoting “x has taken a course in Java” and translate as </a:t>
             </a:r>
             <a:r>
               <a:rPr lang="en-US" i="1" dirty="0">
+                <a:solidFill>
+                  <a:srgbClr val="FF0000"/>
+                </a:solidFill>
                 <a:latin typeface="Cambria Math" pitchFamily="18" charset="0"/>
                 <a:ea typeface="Cambria Math" pitchFamily="18" charset="0"/>
                 <a:sym typeface="Symbol"/>
               </a:rPr>
-              <a:t>x J(x). </a:t>
-            </a:r>
+              <a:t>x J(x)</a:t>
+            </a:r>
+            <a:endParaRPr lang="en-US" i="1" dirty="0">
+              <a:latin typeface="Cambria Math" pitchFamily="18" charset="0"/>
+              <a:ea typeface="Cambria Math" pitchFamily="18" charset="0"/>
+              <a:sym typeface="Symbol"/>
+            </a:endParaRPr>
           </a:p>
           <a:p>
             <a:pPr lvl="1">
@@ -35310,10 +36862,25 @@
             </a:r>
             <a:r>
               <a:rPr lang="en-US" dirty="0"/>
-              <a:t> is all people, also define a propositional  function S(x) denoting “x is a student in this class” and translate as     </a:t>
+              <a:t> is all people, also define a propositional  function </a:t>
+            </a:r>
+            <a:r>
+              <a:rPr lang="en-US" dirty="0">
+                <a:solidFill>
+                  <a:srgbClr val="FF0000"/>
+                </a:solidFill>
+              </a:rPr>
+              <a:t>S(x) </a:t>
+            </a:r>
+            <a:r>
+              <a:rPr lang="en-US" dirty="0"/>
+              <a:t>denoting “x is a student in this class” and translate as     </a:t>
             </a:r>
             <a:r>
               <a:rPr lang="en-US" i="1" dirty="0">
+                <a:solidFill>
+                  <a:srgbClr val="FF0000"/>
+                </a:solidFill>
                 <a:latin typeface="Cambria Math" pitchFamily="18" charset="0"/>
                 <a:ea typeface="Cambria Math" pitchFamily="18" charset="0"/>
                 <a:sym typeface="Symbol"/>
@@ -35322,6 +36889,9 @@
             </a:r>
             <a:r>
               <a:rPr lang="en-US" i="1" dirty="0">
+                <a:solidFill>
+                  <a:srgbClr val="FF0000"/>
+                </a:solidFill>
                 <a:latin typeface="Cambria Math"/>
                 <a:ea typeface="Cambria Math"/>
                 <a:sym typeface="Symbol"/>
@@ -35330,19 +36900,14 @@
             </a:r>
             <a:r>
               <a:rPr lang="en-US" i="1" dirty="0">
+                <a:solidFill>
+                  <a:srgbClr val="FF0000"/>
+                </a:solidFill>
                 <a:latin typeface="Cambria Math" pitchFamily="18" charset="0"/>
                 <a:ea typeface="Cambria Math" pitchFamily="18" charset="0"/>
                 <a:sym typeface="Symbol"/>
               </a:rPr>
               <a:t> J(x))</a:t>
-            </a:r>
-            <a:r>
-              <a:rPr lang="en-US" dirty="0">
-                <a:latin typeface="Cambria Math" pitchFamily="18" charset="0"/>
-                <a:ea typeface="Cambria Math" pitchFamily="18" charset="0"/>
-                <a:sym typeface="Symbol"/>
-              </a:rPr>
-              <a:t>.</a:t>
             </a:r>
             <a:r>
               <a:rPr lang="en-US" i="1" dirty="0">
@@ -35547,7 +37112,18 @@
                 <a:ea typeface="Cambria Math" pitchFamily="18" charset="0"/>
                 <a:sym typeface="Symbol"/>
               </a:rPr>
-              <a:t>                           x J(x)</a:t>
+              <a:t>                           </a:t>
+            </a:r>
+            <a:r>
+              <a:rPr lang="en-US" i="1" dirty="0">
+                <a:solidFill>
+                  <a:srgbClr val="FF0000"/>
+                </a:solidFill>
+                <a:latin typeface="Cambria Math" pitchFamily="18" charset="0"/>
+                <a:ea typeface="Cambria Math" pitchFamily="18" charset="0"/>
+                <a:sym typeface="Symbol"/>
+              </a:rPr>
+              <a:t>x J(x)</a:t>
             </a:r>
           </a:p>
           <a:p>
@@ -35579,6 +37155,9 @@
             </a:r>
             <a:r>
               <a:rPr lang="en-US" i="1" dirty="0">
+                <a:solidFill>
+                  <a:srgbClr val="FF0000"/>
+                </a:solidFill>
                 <a:latin typeface="Cambria Math" pitchFamily="18" charset="0"/>
                 <a:ea typeface="Cambria Math" pitchFamily="18" charset="0"/>
                 <a:sym typeface="Symbol"/>
@@ -35587,6 +37166,9 @@
             </a:r>
             <a:r>
               <a:rPr lang="en-US" i="1" dirty="0">
+                <a:solidFill>
+                  <a:srgbClr val="FF0000"/>
+                </a:solidFill>
                 <a:latin typeface="Cambria Math"/>
                 <a:ea typeface="Cambria Math"/>
                 <a:sym typeface="Symbol"/>
@@ -35595,6 +37177,9 @@
             </a:r>
             <a:r>
               <a:rPr lang="en-US" i="1" dirty="0">
+                <a:solidFill>
+                  <a:srgbClr val="FF0000"/>
+                </a:solidFill>
                 <a:latin typeface="Cambria Math" pitchFamily="18" charset="0"/>
                 <a:ea typeface="Cambria Math" pitchFamily="18" charset="0"/>
                 <a:sym typeface="Symbol"/>
@@ -35732,7 +37317,19 @@
             </a:pPr>
             <a:r>
               <a:rPr lang="en-US" dirty="0"/>
-              <a:t>Translate these statements into English, where R(x) is “x</a:t>
+              <a:t>Translate these statements into English, where </a:t>
+            </a:r>
+            <a:r>
+              <a:rPr lang="en-US" dirty="0">
+                <a:solidFill>
+                  <a:srgbClr val="FF0000"/>
+                </a:solidFill>
+              </a:rPr>
+              <a:t>R(x) </a:t>
+            </a:r>
+            <a:r>
+              <a:rPr lang="en-US" dirty="0"/>
+              <a:t>is “x</a:t>
             </a:r>
           </a:p>
           <a:p>
@@ -35741,7 +37338,19 @@
             </a:pPr>
             <a:r>
               <a:rPr lang="en-US" dirty="0"/>
-              <a:t>is a rabbit” and H(x) is “x hops” and the domain consists</a:t>
+              <a:t>is a rabbit” and </a:t>
+            </a:r>
+            <a:r>
+              <a:rPr lang="en-US" dirty="0">
+                <a:solidFill>
+                  <a:srgbClr val="FF0000"/>
+                </a:solidFill>
+              </a:rPr>
+              <a:t>H(x) </a:t>
+            </a:r>
+            <a:r>
+              <a:rPr lang="en-US" dirty="0"/>
+              <a:t>is “x hops” and the domain consists</a:t>
             </a:r>
           </a:p>
           <a:p>
@@ -36003,7 +37612,11 @@
               <a:t>Introduce the  propositional functions </a:t>
             </a:r>
             <a:r>
-              <a:rPr lang="en-US" i="1" dirty="0"/>
+              <a:rPr lang="en-US" i="1" dirty="0">
+                <a:solidFill>
+                  <a:srgbClr val="FF0000"/>
+                </a:solidFill>
+              </a:rPr>
               <a:t>Man(x) </a:t>
             </a:r>
             <a:r>
@@ -36019,12 +37632,24 @@
               <a:t> is a man” and  </a:t>
             </a:r>
             <a:r>
-              <a:rPr lang="en-US" i="1" dirty="0"/>
+              <a:rPr lang="en-US" i="1" dirty="0">
+                <a:solidFill>
+                  <a:srgbClr val="FF0000"/>
+                </a:solidFill>
+              </a:rPr>
               <a:t>Mortal(x)</a:t>
             </a:r>
             <a:r>
-              <a:rPr lang="en-US" dirty="0"/>
-              <a:t> denoting “</a:t>
+              <a:rPr lang="en-US" dirty="0">
+                <a:solidFill>
+                  <a:srgbClr val="FF0000"/>
+                </a:solidFill>
+              </a:rPr>
+              <a:t> </a:t>
+            </a:r>
+            <a:r>
+              <a:rPr lang="en-US" dirty="0"/>
+              <a:t>denoting “</a:t>
             </a:r>
             <a:r>
               <a:rPr lang="en-US" i="1" dirty="0"/>
@@ -36222,7 +37847,11 @@
               <a:t>Statements involving predicates and quantifiers are </a:t>
             </a:r>
             <a:r>
-              <a:rPr lang="en-US" i="1" dirty="0"/>
+              <a:rPr lang="en-US" i="1" dirty="0">
+                <a:solidFill>
+                  <a:srgbClr val="FF0000"/>
+                </a:solidFill>
+              </a:rPr>
               <a:t>logically equivalent </a:t>
             </a:r>
             <a:r>
@@ -37851,7 +39480,7 @@
           <a:p>
             <a:r>
               <a:rPr lang="en-US" dirty="0"/>
-              <a:t>Translation from English to Logic</a:t>
+              <a:t>De Morgan’s Laws for Quantifiers</a:t>
             </a:r>
           </a:p>
         </p:txBody>
@@ -37873,6 +39502,1056 @@
           </a:bodyPr>
           <a:lstStyle/>
           <a:p>
+            <a:endParaRPr lang="en-US" dirty="0"/>
+          </a:p>
+          <a:p>
+            <a:endParaRPr lang="en-US" dirty="0"/>
+          </a:p>
+          <a:p>
+            <a:pPr marL="0" indent="0">
+              <a:buNone/>
+            </a:pPr>
+            <a:endParaRPr lang="en-US" dirty="0"/>
+          </a:p>
+          <a:p>
+            <a:endParaRPr lang="en-US" dirty="0"/>
+          </a:p>
+          <a:p>
+            <a:r>
+              <a:rPr lang="en-US" dirty="0"/>
+              <a:t>Show </a:t>
+            </a:r>
+          </a:p>
+        </p:txBody>
+      </p:sp>
+      <p:pic>
+        <p:nvPicPr>
+          <p:cNvPr id="8" name="Picture 7" descr="addin_tmp.png"/>
+          <p:cNvPicPr>
+            <a:picLocks noChangeAspect="1"/>
+          </p:cNvPicPr>
+          <p:nvPr>
+            <p:custDataLst>
+              <p:tags r:id="rId1"/>
+            </p:custDataLst>
+          </p:nvPr>
+        </p:nvPicPr>
+        <p:blipFill>
+          <a:blip r:embed="rId3" cstate="print"/>
+          <a:stretch>
+            <a:fillRect/>
+          </a:stretch>
+        </p:blipFill>
+        <p:spPr>
+          <a:xfrm>
+            <a:off x="2286000" y="4526575"/>
+            <a:ext cx="3431858" cy="382905"/>
+          </a:xfrm>
+          <a:prstGeom prst="rect">
+            <a:avLst/>
+          </a:prstGeom>
+        </p:spPr>
+      </p:pic>
+      <mc:AlternateContent xmlns:mc="http://schemas.openxmlformats.org/markup-compatibility/2006">
+        <mc:Choice xmlns:a14="http://schemas.microsoft.com/office/drawing/2010/main" Requires="a14">
+          <p:sp>
+            <p:nvSpPr>
+              <p:cNvPr id="5" name="TextBox 4">
+                <a:extLst>
+                  <a:ext uri="{FF2B5EF4-FFF2-40B4-BE49-F238E27FC236}">
+                    <a16:creationId xmlns:a16="http://schemas.microsoft.com/office/drawing/2014/main" id="{D2CE4906-5DB6-E74B-A014-D4422CBF3FDB}"/>
+                  </a:ext>
+                </a:extLst>
+              </p:cNvPr>
+              <p:cNvSpPr txBox="1"/>
+              <p:nvPr/>
+            </p:nvSpPr>
+            <p:spPr>
+              <a:xfrm>
+                <a:off x="1143000" y="2819400"/>
+                <a:ext cx="7362079" cy="312650"/>
+              </a:xfrm>
+              <a:prstGeom prst="rect">
+                <a:avLst/>
+              </a:prstGeom>
+              <a:noFill/>
+            </p:spPr>
+            <p:txBody>
+              <a:bodyPr wrap="none" lIns="0" tIns="0" rIns="0" bIns="0" rtlCol="0">
+                <a:spAutoFit/>
+              </a:bodyPr>
+              <a:lstStyle/>
+              <a:p>
+                <a14:m>
+                  <m:oMathPara xmlns:m="http://schemas.openxmlformats.org/officeDocument/2006/math">
+                    <m:oMathParaPr>
+                      <m:jc m:val="centerGroup"/>
+                    </m:oMathParaPr>
+                    <m:oMath xmlns:m="http://schemas.openxmlformats.org/officeDocument/2006/math">
+                      <m:r>
+                        <a:rPr lang="en-US" i="1" smtClean="0">
+                          <a:latin typeface="Cambria Math" panose="02040503050406030204" pitchFamily="18" charset="0"/>
+                          <a:ea typeface="Cambria Math" panose="02040503050406030204" pitchFamily="18" charset="0"/>
+                        </a:rPr>
+                        <m:t>¬∀</m:t>
+                      </m:r>
+                      <m:r>
+                        <a:rPr lang="en-US" b="0" i="1" smtClean="0">
+                          <a:latin typeface="Cambria Math" panose="02040503050406030204" pitchFamily="18" charset="0"/>
+                          <a:ea typeface="Cambria Math" panose="02040503050406030204" pitchFamily="18" charset="0"/>
+                        </a:rPr>
+                        <m:t>𝑥𝑃</m:t>
+                      </m:r>
+                      <m:d>
+                        <m:dPr>
+                          <m:ctrlPr>
+                            <a:rPr lang="en-US" b="0" i="1" smtClean="0">
+                              <a:latin typeface="Cambria Math" panose="02040503050406030204" pitchFamily="18" charset="0"/>
+                              <a:ea typeface="Cambria Math" panose="02040503050406030204" pitchFamily="18" charset="0"/>
+                            </a:rPr>
+                          </m:ctrlPr>
+                        </m:dPr>
+                        <m:e>
+                          <m:r>
+                            <a:rPr lang="en-US" b="0" i="1" smtClean="0">
+                              <a:latin typeface="Cambria Math" panose="02040503050406030204" pitchFamily="18" charset="0"/>
+                              <a:ea typeface="Cambria Math" panose="02040503050406030204" pitchFamily="18" charset="0"/>
+                            </a:rPr>
+                            <m:t>𝑥</m:t>
+                          </m:r>
+                        </m:e>
+                      </m:d>
+                      <m:r>
+                        <a:rPr lang="en-US" b="0" i="1" smtClean="0">
+                          <a:latin typeface="Cambria Math" panose="02040503050406030204" pitchFamily="18" charset="0"/>
+                          <a:ea typeface="Cambria Math" panose="02040503050406030204" pitchFamily="18" charset="0"/>
+                        </a:rPr>
+                        <m:t>≡¬</m:t>
+                      </m:r>
+                      <m:d>
+                        <m:dPr>
+                          <m:ctrlPr>
+                            <a:rPr lang="en-US" b="0" i="1" smtClean="0">
+                              <a:latin typeface="Cambria Math" panose="02040503050406030204" pitchFamily="18" charset="0"/>
+                              <a:ea typeface="Cambria Math" panose="02040503050406030204" pitchFamily="18" charset="0"/>
+                            </a:rPr>
+                          </m:ctrlPr>
+                        </m:dPr>
+                        <m:e>
+                          <m:r>
+                            <a:rPr lang="en-US" b="0" i="1" smtClean="0">
+                              <a:latin typeface="Cambria Math" panose="02040503050406030204" pitchFamily="18" charset="0"/>
+                              <a:ea typeface="Cambria Math" panose="02040503050406030204" pitchFamily="18" charset="0"/>
+                            </a:rPr>
+                            <m:t>𝑃</m:t>
+                          </m:r>
+                          <m:d>
+                            <m:dPr>
+                              <m:ctrlPr>
+                                <a:rPr lang="en-US" b="0" i="1" smtClean="0">
+                                  <a:latin typeface="Cambria Math" panose="02040503050406030204" pitchFamily="18" charset="0"/>
+                                  <a:ea typeface="Cambria Math" panose="02040503050406030204" pitchFamily="18" charset="0"/>
+                                </a:rPr>
+                              </m:ctrlPr>
+                            </m:dPr>
+                            <m:e>
+                              <m:r>
+                                <a:rPr lang="en-US" b="0" i="1" smtClean="0">
+                                  <a:latin typeface="Cambria Math" panose="02040503050406030204" pitchFamily="18" charset="0"/>
+                                  <a:ea typeface="Cambria Math" panose="02040503050406030204" pitchFamily="18" charset="0"/>
+                                </a:rPr>
+                                <m:t>1</m:t>
+                              </m:r>
+                            </m:e>
+                          </m:d>
+                          <m:r>
+                            <a:rPr lang="en-US" b="0" i="1" smtClean="0">
+                              <a:latin typeface="Cambria Math" panose="02040503050406030204" pitchFamily="18" charset="0"/>
+                              <a:ea typeface="Cambria Math" panose="02040503050406030204" pitchFamily="18" charset="0"/>
+                            </a:rPr>
+                            <m:t>∧</m:t>
+                          </m:r>
+                          <m:r>
+                            <a:rPr lang="en-US" b="0" i="1" smtClean="0">
+                              <a:latin typeface="Cambria Math" panose="02040503050406030204" pitchFamily="18" charset="0"/>
+                              <a:ea typeface="Cambria Math" panose="02040503050406030204" pitchFamily="18" charset="0"/>
+                            </a:rPr>
+                            <m:t>𝑃</m:t>
+                          </m:r>
+                          <m:d>
+                            <m:dPr>
+                              <m:ctrlPr>
+                                <a:rPr lang="en-US" b="0" i="1" smtClean="0">
+                                  <a:latin typeface="Cambria Math" panose="02040503050406030204" pitchFamily="18" charset="0"/>
+                                  <a:ea typeface="Cambria Math" panose="02040503050406030204" pitchFamily="18" charset="0"/>
+                                </a:rPr>
+                              </m:ctrlPr>
+                            </m:dPr>
+                            <m:e>
+                              <m:r>
+                                <a:rPr lang="en-US" b="0" i="1" smtClean="0">
+                                  <a:latin typeface="Cambria Math" panose="02040503050406030204" pitchFamily="18" charset="0"/>
+                                  <a:ea typeface="Cambria Math" panose="02040503050406030204" pitchFamily="18" charset="0"/>
+                                </a:rPr>
+                                <m:t>2</m:t>
+                              </m:r>
+                            </m:e>
+                          </m:d>
+                          <m:r>
+                            <a:rPr lang="en-US" i="1" smtClean="0">
+                              <a:latin typeface="Cambria Math" panose="02040503050406030204" pitchFamily="18" charset="0"/>
+                              <a:ea typeface="Cambria Math" panose="02040503050406030204" pitchFamily="18" charset="0"/>
+                            </a:rPr>
+                            <m:t>∧</m:t>
+                          </m:r>
+                          <m:r>
+                            <a:rPr lang="en-US" b="0" i="1" smtClean="0">
+                              <a:latin typeface="Cambria Math" panose="02040503050406030204" pitchFamily="18" charset="0"/>
+                              <a:ea typeface="Cambria Math" panose="02040503050406030204" pitchFamily="18" charset="0"/>
+                            </a:rPr>
+                            <m:t> …∧</m:t>
+                          </m:r>
+                          <m:r>
+                            <a:rPr lang="en-US" b="0" i="1" smtClean="0">
+                              <a:latin typeface="Cambria Math" panose="02040503050406030204" pitchFamily="18" charset="0"/>
+                              <a:ea typeface="Cambria Math" panose="02040503050406030204" pitchFamily="18" charset="0"/>
+                            </a:rPr>
+                            <m:t>𝑃</m:t>
+                          </m:r>
+                          <m:d>
+                            <m:dPr>
+                              <m:ctrlPr>
+                                <a:rPr lang="en-US" b="0" i="1" smtClean="0">
+                                  <a:latin typeface="Cambria Math" panose="02040503050406030204" pitchFamily="18" charset="0"/>
+                                  <a:ea typeface="Cambria Math" panose="02040503050406030204" pitchFamily="18" charset="0"/>
+                                </a:rPr>
+                              </m:ctrlPr>
+                            </m:dPr>
+                            <m:e>
+                              <m:r>
+                                <a:rPr lang="en-US" b="0" i="1" smtClean="0">
+                                  <a:latin typeface="Cambria Math" panose="02040503050406030204" pitchFamily="18" charset="0"/>
+                                  <a:ea typeface="Cambria Math" panose="02040503050406030204" pitchFamily="18" charset="0"/>
+                                </a:rPr>
+                                <m:t>𝑥𝑛</m:t>
+                              </m:r>
+                            </m:e>
+                          </m:d>
+                        </m:e>
+                      </m:d>
+                      <m:r>
+                        <a:rPr lang="en-US" b="0" i="1" smtClean="0">
+                          <a:latin typeface="Cambria Math" panose="02040503050406030204" pitchFamily="18" charset="0"/>
+                          <a:ea typeface="Cambria Math" panose="02040503050406030204" pitchFamily="18" charset="0"/>
+                        </a:rPr>
+                        <m:t>≡¬</m:t>
+                      </m:r>
+                      <m:r>
+                        <a:rPr lang="en-US" b="0" i="1" smtClean="0">
+                          <a:latin typeface="Cambria Math" panose="02040503050406030204" pitchFamily="18" charset="0"/>
+                          <a:ea typeface="Cambria Math" panose="02040503050406030204" pitchFamily="18" charset="0"/>
+                        </a:rPr>
+                        <m:t>𝑃</m:t>
+                      </m:r>
+                      <m:d>
+                        <m:dPr>
+                          <m:ctrlPr>
+                            <a:rPr lang="en-US" b="0" i="1" smtClean="0">
+                              <a:latin typeface="Cambria Math" panose="02040503050406030204" pitchFamily="18" charset="0"/>
+                              <a:ea typeface="Cambria Math" panose="02040503050406030204" pitchFamily="18" charset="0"/>
+                            </a:rPr>
+                          </m:ctrlPr>
+                        </m:dPr>
+                        <m:e>
+                          <m:r>
+                            <a:rPr lang="en-US" b="0" i="1" smtClean="0">
+                              <a:latin typeface="Cambria Math" panose="02040503050406030204" pitchFamily="18" charset="0"/>
+                              <a:ea typeface="Cambria Math" panose="02040503050406030204" pitchFamily="18" charset="0"/>
+                            </a:rPr>
+                            <m:t>1</m:t>
+                          </m:r>
+                        </m:e>
+                      </m:d>
+                      <m:r>
+                        <a:rPr lang="en-US" b="0" i="1" smtClean="0">
+                          <a:latin typeface="Cambria Math" panose="02040503050406030204" pitchFamily="18" charset="0"/>
+                          <a:ea typeface="Cambria Math" panose="02040503050406030204" pitchFamily="18" charset="0"/>
+                        </a:rPr>
+                        <m:t>∨¬</m:t>
+                      </m:r>
+                      <m:r>
+                        <a:rPr lang="en-US" b="0" i="1" smtClean="0">
+                          <a:latin typeface="Cambria Math" panose="02040503050406030204" pitchFamily="18" charset="0"/>
+                          <a:ea typeface="Cambria Math" panose="02040503050406030204" pitchFamily="18" charset="0"/>
+                        </a:rPr>
+                        <m:t>𝑃</m:t>
+                      </m:r>
+                      <m:d>
+                        <m:dPr>
+                          <m:ctrlPr>
+                            <a:rPr lang="en-US" b="0" i="1" smtClean="0">
+                              <a:latin typeface="Cambria Math" panose="02040503050406030204" pitchFamily="18" charset="0"/>
+                              <a:ea typeface="Cambria Math" panose="02040503050406030204" pitchFamily="18" charset="0"/>
+                            </a:rPr>
+                          </m:ctrlPr>
+                        </m:dPr>
+                        <m:e>
+                          <m:r>
+                            <a:rPr lang="en-US" b="0" i="1" smtClean="0">
+                              <a:latin typeface="Cambria Math" panose="02040503050406030204" pitchFamily="18" charset="0"/>
+                              <a:ea typeface="Cambria Math" panose="02040503050406030204" pitchFamily="18" charset="0"/>
+                            </a:rPr>
+                            <m:t>2</m:t>
+                          </m:r>
+                        </m:e>
+                      </m:d>
+                      <m:r>
+                        <a:rPr lang="en-US" b="0" i="1" smtClean="0">
+                          <a:latin typeface="Cambria Math" panose="02040503050406030204" pitchFamily="18" charset="0"/>
+                          <a:ea typeface="Cambria Math" panose="02040503050406030204" pitchFamily="18" charset="0"/>
+                        </a:rPr>
+                        <m:t>…≡∃</m:t>
+                      </m:r>
+                      <m:r>
+                        <a:rPr lang="en-US" b="0" i="1" smtClean="0">
+                          <a:latin typeface="Cambria Math" panose="02040503050406030204" pitchFamily="18" charset="0"/>
+                          <a:ea typeface="Cambria Math" panose="02040503050406030204" pitchFamily="18" charset="0"/>
+                        </a:rPr>
+                        <m:t>𝑥</m:t>
+                      </m:r>
+                      <m:r>
+                        <a:rPr lang="en-US" b="0" i="1" smtClean="0">
+                          <a:latin typeface="Cambria Math" panose="02040503050406030204" pitchFamily="18" charset="0"/>
+                          <a:ea typeface="Cambria Math" panose="02040503050406030204" pitchFamily="18" charset="0"/>
+                        </a:rPr>
+                        <m:t>¬</m:t>
+                      </m:r>
+                      <m:r>
+                        <a:rPr lang="en-US" b="0" i="1" smtClean="0">
+                          <a:latin typeface="Cambria Math" panose="02040503050406030204" pitchFamily="18" charset="0"/>
+                          <a:ea typeface="Cambria Math" panose="02040503050406030204" pitchFamily="18" charset="0"/>
+                        </a:rPr>
+                        <m:t>𝑃</m:t>
+                      </m:r>
+                      <m:r>
+                        <a:rPr lang="en-US" b="0" i="1" smtClean="0">
+                          <a:latin typeface="Cambria Math" panose="02040503050406030204" pitchFamily="18" charset="0"/>
+                          <a:ea typeface="Cambria Math" panose="02040503050406030204" pitchFamily="18" charset="0"/>
+                        </a:rPr>
+                        <m:t>(</m:t>
+                      </m:r>
+                      <m:r>
+                        <a:rPr lang="en-US" b="0" i="1" smtClean="0">
+                          <a:latin typeface="Cambria Math" panose="02040503050406030204" pitchFamily="18" charset="0"/>
+                          <a:ea typeface="Cambria Math" panose="02040503050406030204" pitchFamily="18" charset="0"/>
+                        </a:rPr>
+                        <m:t>𝑥</m:t>
+                      </m:r>
+                      <m:r>
+                        <a:rPr lang="en-US" b="0" i="1" smtClean="0">
+                          <a:latin typeface="Cambria Math" panose="02040503050406030204" pitchFamily="18" charset="0"/>
+                          <a:ea typeface="Cambria Math" panose="02040503050406030204" pitchFamily="18" charset="0"/>
+                        </a:rPr>
+                        <m:t>)</m:t>
+                      </m:r>
+                    </m:oMath>
+                  </m:oMathPara>
+                </a14:m>
+                <a:endParaRPr lang="en-US" dirty="0"/>
+              </a:p>
+            </p:txBody>
+          </p:sp>
+        </mc:Choice>
+        <mc:Fallback>
+          <p:sp>
+            <p:nvSpPr>
+              <p:cNvPr id="5" name="TextBox 4">
+                <a:extLst>
+                  <a:ext uri="{FF2B5EF4-FFF2-40B4-BE49-F238E27FC236}">
+                    <a16:creationId xmlns:a16="http://schemas.microsoft.com/office/drawing/2014/main" id="{D2CE4906-5DB6-E74B-A014-D4422CBF3FDB}"/>
+                  </a:ext>
+                </a:extLst>
+              </p:cNvPr>
+              <p:cNvSpPr txBox="1">
+                <a:spLocks noRot="1" noChangeAspect="1" noMove="1" noResize="1" noEditPoints="1" noAdjustHandles="1" noChangeArrowheads="1" noChangeShapeType="1" noTextEdit="1"/>
+              </p:cNvSpPr>
+              <p:nvPr/>
+            </p:nvSpPr>
+            <p:spPr>
+              <a:xfrm>
+                <a:off x="1143000" y="2819400"/>
+                <a:ext cx="7362079" cy="312650"/>
+              </a:xfrm>
+              <a:prstGeom prst="rect">
+                <a:avLst/>
+              </a:prstGeom>
+              <a:blipFill>
+                <a:blip r:embed="rId4"/>
+                <a:stretch>
+                  <a:fillRect r="-691" b="-33333"/>
+                </a:stretch>
+              </a:blipFill>
+            </p:spPr>
+            <p:txBody>
+              <a:bodyPr/>
+              <a:lstStyle/>
+              <a:p>
+                <a:r>
+                  <a:rPr lang="en-US">
+                    <a:noFill/>
+                  </a:rPr>
+                  <a:t> </a:t>
+                </a:r>
+              </a:p>
+            </p:txBody>
+          </p:sp>
+        </mc:Fallback>
+      </mc:AlternateContent>
+    </p:spTree>
+    <p:extLst>
+      <p:ext uri="{BB962C8B-B14F-4D97-AF65-F5344CB8AC3E}">
+        <p14:creationId xmlns:p14="http://schemas.microsoft.com/office/powerpoint/2010/main" val="120741523"/>
+      </p:ext>
+    </p:extLst>
+  </p:cSld>
+  <p:clrMapOvr>
+    <a:masterClrMapping/>
+  </p:clrMapOvr>
+</p:sld>
+</file>
+
+<file path=ppt/slides/slide92.xml><?xml version="1.0" encoding="utf-8"?>
+<p:sld xmlns:a="http://schemas.openxmlformats.org/drawingml/2006/main" xmlns:r="http://schemas.openxmlformats.org/officeDocument/2006/relationships" xmlns:p="http://schemas.openxmlformats.org/presentationml/2006/main">
+  <p:cSld>
+    <p:spTree>
+      <p:nvGrpSpPr>
+        <p:cNvPr id="1" name=""/>
+        <p:cNvGrpSpPr/>
+        <p:nvPr/>
+      </p:nvGrpSpPr>
+      <p:grpSpPr>
+        <a:xfrm>
+          <a:off x="0" y="0"/>
+          <a:ext cx="0" cy="0"/>
+          <a:chOff x="0" y="0"/>
+          <a:chExt cx="0" cy="0"/>
+        </a:xfrm>
+      </p:grpSpPr>
+      <p:sp>
+        <p:nvSpPr>
+          <p:cNvPr id="2" name="Title 1"/>
+          <p:cNvSpPr>
+            <a:spLocks noGrp="1"/>
+          </p:cNvSpPr>
+          <p:nvPr>
+            <p:ph type="title"/>
+          </p:nvPr>
+        </p:nvSpPr>
+        <p:spPr/>
+        <p:txBody>
+          <a:bodyPr>
+            <a:normAutofit/>
+          </a:bodyPr>
+          <a:lstStyle/>
+          <a:p>
+            <a:r>
+              <a:rPr lang="en-US" dirty="0"/>
+              <a:t>Exercise</a:t>
+            </a:r>
+          </a:p>
+        </p:txBody>
+      </p:sp>
+      <p:sp>
+        <p:nvSpPr>
+          <p:cNvPr id="3" name="Content Placeholder 2"/>
+          <p:cNvSpPr>
+            <a:spLocks noGrp="1"/>
+          </p:cNvSpPr>
+          <p:nvPr>
+            <p:ph idx="1"/>
+          </p:nvPr>
+        </p:nvSpPr>
+        <p:spPr/>
+        <p:txBody>
+          <a:bodyPr>
+            <a:normAutofit/>
+          </a:bodyPr>
+          <a:lstStyle/>
+          <a:p>
+            <a:pPr marL="0" indent="0">
+              <a:buNone/>
+            </a:pPr>
+            <a:r>
+              <a:rPr lang="en-US" dirty="0"/>
+              <a:t>Negation of the statement “There is an honest politician” </a:t>
+            </a:r>
+          </a:p>
+        </p:txBody>
+      </p:sp>
+    </p:spTree>
+    <p:extLst>
+      <p:ext uri="{BB962C8B-B14F-4D97-AF65-F5344CB8AC3E}">
+        <p14:creationId xmlns:p14="http://schemas.microsoft.com/office/powerpoint/2010/main" val="4022795919"/>
+      </p:ext>
+    </p:extLst>
+  </p:cSld>
+  <p:clrMapOvr>
+    <a:masterClrMapping/>
+  </p:clrMapOvr>
+</p:sld>
+</file>
+
+<file path=ppt/slides/slide93.xml><?xml version="1.0" encoding="utf-8"?>
+<p:sld xmlns:a="http://schemas.openxmlformats.org/drawingml/2006/main" xmlns:r="http://schemas.openxmlformats.org/officeDocument/2006/relationships" xmlns:p="http://schemas.openxmlformats.org/presentationml/2006/main">
+  <p:cSld>
+    <p:spTree>
+      <p:nvGrpSpPr>
+        <p:cNvPr id="1" name=""/>
+        <p:cNvGrpSpPr/>
+        <p:nvPr/>
+      </p:nvGrpSpPr>
+      <p:grpSpPr>
+        <a:xfrm>
+          <a:off x="0" y="0"/>
+          <a:ext cx="0" cy="0"/>
+          <a:chOff x="0" y="0"/>
+          <a:chExt cx="0" cy="0"/>
+        </a:xfrm>
+      </p:grpSpPr>
+      <p:sp>
+        <p:nvSpPr>
+          <p:cNvPr id="2" name="Title 1"/>
+          <p:cNvSpPr>
+            <a:spLocks noGrp="1"/>
+          </p:cNvSpPr>
+          <p:nvPr>
+            <p:ph type="title"/>
+          </p:nvPr>
+        </p:nvSpPr>
+        <p:spPr/>
+        <p:txBody>
+          <a:bodyPr>
+            <a:normAutofit/>
+          </a:bodyPr>
+          <a:lstStyle/>
+          <a:p>
+            <a:r>
+              <a:rPr lang="en-US" dirty="0"/>
+              <a:t>Exercise</a:t>
+            </a:r>
+          </a:p>
+        </p:txBody>
+      </p:sp>
+      <mc:AlternateContent xmlns:mc="http://schemas.openxmlformats.org/markup-compatibility/2006">
+        <mc:Choice xmlns:a14="http://schemas.microsoft.com/office/drawing/2010/main" Requires="a14">
+          <p:sp>
+            <p:nvSpPr>
+              <p:cNvPr id="5" name="TextBox 4">
+                <a:extLst>
+                  <a:ext uri="{FF2B5EF4-FFF2-40B4-BE49-F238E27FC236}">
+                    <a16:creationId xmlns:a16="http://schemas.microsoft.com/office/drawing/2014/main" id="{D2CE4906-5DB6-E74B-A014-D4422CBF3FDB}"/>
+                  </a:ext>
+                </a:extLst>
+              </p:cNvPr>
+              <p:cNvSpPr txBox="1"/>
+              <p:nvPr/>
+            </p:nvSpPr>
+            <p:spPr>
+              <a:xfrm>
+                <a:off x="2057400" y="2531764"/>
+                <a:ext cx="4101572" cy="276999"/>
+              </a:xfrm>
+              <a:prstGeom prst="rect">
+                <a:avLst/>
+              </a:prstGeom>
+              <a:noFill/>
+            </p:spPr>
+            <p:txBody>
+              <a:bodyPr wrap="none" lIns="0" tIns="0" rIns="0" bIns="0" rtlCol="0">
+                <a:spAutoFit/>
+              </a:bodyPr>
+              <a:lstStyle/>
+              <a:p>
+                <a14:m>
+                  <m:oMathPara xmlns:m="http://schemas.openxmlformats.org/officeDocument/2006/math">
+                    <m:oMathParaPr>
+                      <m:jc m:val="centerGroup"/>
+                    </m:oMathParaPr>
+                    <m:oMath xmlns:m="http://schemas.openxmlformats.org/officeDocument/2006/math">
+                      <m:r>
+                        <a:rPr lang="en-US" i="1" smtClean="0">
+                          <a:latin typeface="Cambria Math" panose="02040503050406030204" pitchFamily="18" charset="0"/>
+                          <a:ea typeface="Cambria Math" panose="02040503050406030204" pitchFamily="18" charset="0"/>
+                        </a:rPr>
+                        <m:t>¬∀</m:t>
+                      </m:r>
+                      <m:r>
+                        <a:rPr lang="en-US" b="0" i="1" smtClean="0">
+                          <a:latin typeface="Cambria Math" panose="02040503050406030204" pitchFamily="18" charset="0"/>
+                          <a:ea typeface="Cambria Math" panose="02040503050406030204" pitchFamily="18" charset="0"/>
+                        </a:rPr>
+                        <m:t>𝑥</m:t>
+                      </m:r>
+                      <m:r>
+                        <a:rPr lang="en-US" b="0" i="1" smtClean="0">
+                          <a:latin typeface="Cambria Math" panose="02040503050406030204" pitchFamily="18" charset="0"/>
+                          <a:ea typeface="Cambria Math" panose="02040503050406030204" pitchFamily="18" charset="0"/>
+                        </a:rPr>
+                        <m:t>(</m:t>
+                      </m:r>
+                      <m:r>
+                        <a:rPr lang="en-US" b="0" i="1" smtClean="0">
+                          <a:latin typeface="Cambria Math" panose="02040503050406030204" pitchFamily="18" charset="0"/>
+                          <a:ea typeface="Cambria Math" panose="02040503050406030204" pitchFamily="18" charset="0"/>
+                        </a:rPr>
+                        <m:t>𝑃</m:t>
+                      </m:r>
+                      <m:d>
+                        <m:dPr>
+                          <m:ctrlPr>
+                            <a:rPr lang="en-US" b="0" i="1" smtClean="0">
+                              <a:latin typeface="Cambria Math" panose="02040503050406030204" pitchFamily="18" charset="0"/>
+                              <a:ea typeface="Cambria Math" panose="02040503050406030204" pitchFamily="18" charset="0"/>
+                            </a:rPr>
+                          </m:ctrlPr>
+                        </m:dPr>
+                        <m:e>
+                          <m:r>
+                            <a:rPr lang="en-US" b="0" i="1" smtClean="0">
+                              <a:latin typeface="Cambria Math" panose="02040503050406030204" pitchFamily="18" charset="0"/>
+                              <a:ea typeface="Cambria Math" panose="02040503050406030204" pitchFamily="18" charset="0"/>
+                            </a:rPr>
+                            <m:t>𝑥</m:t>
+                          </m:r>
+                        </m:e>
+                      </m:d>
+                      <m:r>
+                        <a:rPr lang="en-US" b="0" i="1" smtClean="0">
+                          <a:latin typeface="Cambria Math" panose="02040503050406030204" pitchFamily="18" charset="0"/>
+                          <a:ea typeface="Cambria Math" panose="02040503050406030204" pitchFamily="18" charset="0"/>
+                        </a:rPr>
+                        <m:t>→</m:t>
+                      </m:r>
+                      <m:r>
+                        <a:rPr lang="en-US" b="0" i="1" smtClean="0">
+                          <a:latin typeface="Cambria Math" panose="02040503050406030204" pitchFamily="18" charset="0"/>
+                          <a:ea typeface="Cambria Math" panose="02040503050406030204" pitchFamily="18" charset="0"/>
+                        </a:rPr>
+                        <m:t>𝑄</m:t>
+                      </m:r>
+                      <m:d>
+                        <m:dPr>
+                          <m:ctrlPr>
+                            <a:rPr lang="en-US" b="0" i="1" smtClean="0">
+                              <a:latin typeface="Cambria Math" panose="02040503050406030204" pitchFamily="18" charset="0"/>
+                              <a:ea typeface="Cambria Math" panose="02040503050406030204" pitchFamily="18" charset="0"/>
+                            </a:rPr>
+                          </m:ctrlPr>
+                        </m:dPr>
+                        <m:e>
+                          <m:r>
+                            <a:rPr lang="en-US" b="0" i="1" smtClean="0">
+                              <a:latin typeface="Cambria Math" panose="02040503050406030204" pitchFamily="18" charset="0"/>
+                              <a:ea typeface="Cambria Math" panose="02040503050406030204" pitchFamily="18" charset="0"/>
+                            </a:rPr>
+                            <m:t>𝑥</m:t>
+                          </m:r>
+                        </m:e>
+                      </m:d>
+                      <m:r>
+                        <a:rPr lang="en-US" b="0" i="1" smtClean="0">
+                          <a:latin typeface="Cambria Math" panose="02040503050406030204" pitchFamily="18" charset="0"/>
+                          <a:ea typeface="Cambria Math" panose="02040503050406030204" pitchFamily="18" charset="0"/>
+                        </a:rPr>
+                        <m:t>)≡∃</m:t>
+                      </m:r>
+                      <m:r>
+                        <a:rPr lang="en-US" b="0" i="1" smtClean="0">
+                          <a:latin typeface="Cambria Math" panose="02040503050406030204" pitchFamily="18" charset="0"/>
+                          <a:ea typeface="Cambria Math" panose="02040503050406030204" pitchFamily="18" charset="0"/>
+                        </a:rPr>
+                        <m:t>𝑥</m:t>
+                      </m:r>
+                      <m:r>
+                        <a:rPr lang="en-US" b="0" i="1" smtClean="0">
+                          <a:latin typeface="Cambria Math" panose="02040503050406030204" pitchFamily="18" charset="0"/>
+                          <a:ea typeface="Cambria Math" panose="02040503050406030204" pitchFamily="18" charset="0"/>
+                        </a:rPr>
+                        <m:t>(</m:t>
+                      </m:r>
+                      <m:r>
+                        <a:rPr lang="en-US" b="0" i="1" smtClean="0">
+                          <a:latin typeface="Cambria Math" panose="02040503050406030204" pitchFamily="18" charset="0"/>
+                          <a:ea typeface="Cambria Math" panose="02040503050406030204" pitchFamily="18" charset="0"/>
+                        </a:rPr>
+                        <m:t>𝑃</m:t>
+                      </m:r>
+                      <m:d>
+                        <m:dPr>
+                          <m:ctrlPr>
+                            <a:rPr lang="en-US" b="0" i="1" smtClean="0">
+                              <a:latin typeface="Cambria Math" panose="02040503050406030204" pitchFamily="18" charset="0"/>
+                              <a:ea typeface="Cambria Math" panose="02040503050406030204" pitchFamily="18" charset="0"/>
+                            </a:rPr>
+                          </m:ctrlPr>
+                        </m:dPr>
+                        <m:e>
+                          <m:r>
+                            <a:rPr lang="en-US" b="0" i="1" smtClean="0">
+                              <a:latin typeface="Cambria Math" panose="02040503050406030204" pitchFamily="18" charset="0"/>
+                              <a:ea typeface="Cambria Math" panose="02040503050406030204" pitchFamily="18" charset="0"/>
+                            </a:rPr>
+                            <m:t>𝑥</m:t>
+                          </m:r>
+                        </m:e>
+                      </m:d>
+                      <m:r>
+                        <a:rPr lang="en-US" b="0" i="1" smtClean="0">
+                          <a:latin typeface="Cambria Math" panose="02040503050406030204" pitchFamily="18" charset="0"/>
+                          <a:ea typeface="Cambria Math" panose="02040503050406030204" pitchFamily="18" charset="0"/>
+                        </a:rPr>
+                        <m:t>∧¬</m:t>
+                      </m:r>
+                      <m:r>
+                        <a:rPr lang="en-US" b="0" i="1" smtClean="0">
+                          <a:latin typeface="Cambria Math" panose="02040503050406030204" pitchFamily="18" charset="0"/>
+                          <a:ea typeface="Cambria Math" panose="02040503050406030204" pitchFamily="18" charset="0"/>
+                        </a:rPr>
+                        <m:t>𝑄</m:t>
+                      </m:r>
+                      <m:d>
+                        <m:dPr>
+                          <m:ctrlPr>
+                            <a:rPr lang="en-US" b="0" i="1" smtClean="0">
+                              <a:latin typeface="Cambria Math" panose="02040503050406030204" pitchFamily="18" charset="0"/>
+                              <a:ea typeface="Cambria Math" panose="02040503050406030204" pitchFamily="18" charset="0"/>
+                            </a:rPr>
+                          </m:ctrlPr>
+                        </m:dPr>
+                        <m:e>
+                          <m:r>
+                            <a:rPr lang="en-US" b="0" i="1" smtClean="0">
+                              <a:latin typeface="Cambria Math" panose="02040503050406030204" pitchFamily="18" charset="0"/>
+                              <a:ea typeface="Cambria Math" panose="02040503050406030204" pitchFamily="18" charset="0"/>
+                            </a:rPr>
+                            <m:t>𝑥</m:t>
+                          </m:r>
+                        </m:e>
+                      </m:d>
+                      <m:r>
+                        <a:rPr lang="en-US" b="0" i="1" smtClean="0">
+                          <a:latin typeface="Cambria Math" panose="02040503050406030204" pitchFamily="18" charset="0"/>
+                          <a:ea typeface="Cambria Math" panose="02040503050406030204" pitchFamily="18" charset="0"/>
+                        </a:rPr>
+                        <m:t>)</m:t>
+                      </m:r>
+                    </m:oMath>
+                  </m:oMathPara>
+                </a14:m>
+                <a:endParaRPr lang="en-US" dirty="0"/>
+              </a:p>
+            </p:txBody>
+          </p:sp>
+        </mc:Choice>
+        <mc:Fallback>
+          <p:sp>
+            <p:nvSpPr>
+              <p:cNvPr id="5" name="TextBox 4">
+                <a:extLst>
+                  <a:ext uri="{FF2B5EF4-FFF2-40B4-BE49-F238E27FC236}">
+                    <a16:creationId xmlns:a16="http://schemas.microsoft.com/office/drawing/2014/main" id="{D2CE4906-5DB6-E74B-A014-D4422CBF3FDB}"/>
+                  </a:ext>
+                </a:extLst>
+              </p:cNvPr>
+              <p:cNvSpPr txBox="1">
+                <a:spLocks noRot="1" noChangeAspect="1" noMove="1" noResize="1" noEditPoints="1" noAdjustHandles="1" noChangeArrowheads="1" noChangeShapeType="1" noTextEdit="1"/>
+              </p:cNvSpPr>
+              <p:nvPr/>
+            </p:nvSpPr>
+            <p:spPr>
+              <a:xfrm>
+                <a:off x="2057400" y="2531764"/>
+                <a:ext cx="4101572" cy="276999"/>
+              </a:xfrm>
+              <a:prstGeom prst="rect">
+                <a:avLst/>
+              </a:prstGeom>
+              <a:blipFill>
+                <a:blip r:embed="rId2"/>
+                <a:stretch>
+                  <a:fillRect t="-4545" r="-1863" b="-31818"/>
+                </a:stretch>
+              </a:blipFill>
+            </p:spPr>
+            <p:txBody>
+              <a:bodyPr/>
+              <a:lstStyle/>
+              <a:p>
+                <a:r>
+                  <a:rPr lang="en-US">
+                    <a:noFill/>
+                  </a:rPr>
+                  <a:t> </a:t>
+                </a:r>
+              </a:p>
+            </p:txBody>
+          </p:sp>
+        </mc:Fallback>
+      </mc:AlternateContent>
+      <p:sp>
+        <p:nvSpPr>
+          <p:cNvPr id="7" name="TextBox 6">
+            <a:extLst>
+              <a:ext uri="{FF2B5EF4-FFF2-40B4-BE49-F238E27FC236}">
+                <a16:creationId xmlns:a16="http://schemas.microsoft.com/office/drawing/2014/main" id="{44D5BA3F-171B-244A-98D3-619BCEBE2D00}"/>
+              </a:ext>
+            </a:extLst>
+          </p:cNvPr>
+          <p:cNvSpPr txBox="1"/>
+          <p:nvPr/>
+        </p:nvSpPr>
+        <p:spPr>
+          <a:xfrm>
+            <a:off x="1219200" y="2133600"/>
+            <a:ext cx="723596" cy="369332"/>
+          </a:xfrm>
+          <a:prstGeom prst="rect">
+            <a:avLst/>
+          </a:prstGeom>
+          <a:noFill/>
+        </p:spPr>
+        <p:txBody>
+          <a:bodyPr wrap="none" rtlCol="0">
+            <a:spAutoFit/>
+          </a:bodyPr>
+          <a:lstStyle/>
+          <a:p>
+            <a:r>
+              <a:rPr lang="en-US" dirty="0"/>
+              <a:t>Show</a:t>
+            </a:r>
+          </a:p>
+        </p:txBody>
+      </p:sp>
+    </p:spTree>
+    <p:extLst>
+      <p:ext uri="{BB962C8B-B14F-4D97-AF65-F5344CB8AC3E}">
+        <p14:creationId xmlns:p14="http://schemas.microsoft.com/office/powerpoint/2010/main" val="3024617466"/>
+      </p:ext>
+    </p:extLst>
+  </p:cSld>
+  <p:clrMapOvr>
+    <a:masterClrMapping/>
+  </p:clrMapOvr>
+</p:sld>
+</file>
+
+<file path=ppt/slides/slide94.xml><?xml version="1.0" encoding="utf-8"?>
+<p:sld xmlns:a="http://schemas.openxmlformats.org/drawingml/2006/main" xmlns:r="http://schemas.openxmlformats.org/officeDocument/2006/relationships" xmlns:p="http://schemas.openxmlformats.org/presentationml/2006/main">
+  <p:cSld>
+    <p:spTree>
+      <p:nvGrpSpPr>
+        <p:cNvPr id="1" name=""/>
+        <p:cNvGrpSpPr/>
+        <p:nvPr/>
+      </p:nvGrpSpPr>
+      <p:grpSpPr>
+        <a:xfrm>
+          <a:off x="0" y="0"/>
+          <a:ext cx="0" cy="0"/>
+          <a:chOff x="0" y="0"/>
+          <a:chExt cx="0" cy="0"/>
+        </a:xfrm>
+      </p:grpSpPr>
+      <p:sp>
+        <p:nvSpPr>
+          <p:cNvPr id="2" name="Title 1"/>
+          <p:cNvSpPr>
+            <a:spLocks noGrp="1"/>
+          </p:cNvSpPr>
+          <p:nvPr>
+            <p:ph type="title"/>
+          </p:nvPr>
+        </p:nvSpPr>
+        <p:spPr/>
+        <p:txBody>
+          <a:bodyPr>
+            <a:normAutofit/>
+          </a:bodyPr>
+          <a:lstStyle/>
+          <a:p>
+            <a:r>
+              <a:rPr lang="en-US" dirty="0"/>
+              <a:t>Exercise</a:t>
+            </a:r>
+          </a:p>
+        </p:txBody>
+      </p:sp>
+      <p:sp>
+        <p:nvSpPr>
+          <p:cNvPr id="7" name="TextBox 6">
+            <a:extLst>
+              <a:ext uri="{FF2B5EF4-FFF2-40B4-BE49-F238E27FC236}">
+                <a16:creationId xmlns:a16="http://schemas.microsoft.com/office/drawing/2014/main" id="{44D5BA3F-171B-244A-98D3-619BCEBE2D00}"/>
+              </a:ext>
+            </a:extLst>
+          </p:cNvPr>
+          <p:cNvSpPr txBox="1"/>
+          <p:nvPr/>
+        </p:nvSpPr>
+        <p:spPr>
+          <a:xfrm>
+            <a:off x="1219200" y="2133600"/>
+            <a:ext cx="4393254" cy="923330"/>
+          </a:xfrm>
+          <a:prstGeom prst="rect">
+            <a:avLst/>
+          </a:prstGeom>
+          <a:noFill/>
+        </p:spPr>
+        <p:txBody>
+          <a:bodyPr wrap="none" rtlCol="0">
+            <a:spAutoFit/>
+          </a:bodyPr>
+          <a:lstStyle/>
+          <a:p>
+            <a:r>
+              <a:rPr lang="en-US" dirty="0"/>
+              <a:t>”All lions are fierce”</a:t>
+            </a:r>
+          </a:p>
+          <a:p>
+            <a:r>
+              <a:rPr lang="en-US" dirty="0"/>
+              <a:t>“Some lions do not drink coffee”</a:t>
+            </a:r>
+          </a:p>
+          <a:p>
+            <a:r>
+              <a:rPr lang="en-US" dirty="0"/>
+              <a:t>“Some fierce creatures do not drink coffee”</a:t>
+            </a:r>
+          </a:p>
+        </p:txBody>
+      </p:sp>
+      <p:sp>
+        <p:nvSpPr>
+          <p:cNvPr id="6" name="TextBox 5">
+            <a:extLst>
+              <a:ext uri="{FF2B5EF4-FFF2-40B4-BE49-F238E27FC236}">
+                <a16:creationId xmlns:a16="http://schemas.microsoft.com/office/drawing/2014/main" id="{CB47172F-B324-9943-B082-8F423D34F037}"/>
+              </a:ext>
+            </a:extLst>
+          </p:cNvPr>
+          <p:cNvSpPr txBox="1"/>
+          <p:nvPr/>
+        </p:nvSpPr>
+        <p:spPr>
+          <a:xfrm>
+            <a:off x="1219200" y="3453714"/>
+            <a:ext cx="2327112" cy="923330"/>
+          </a:xfrm>
+          <a:prstGeom prst="rect">
+            <a:avLst/>
+          </a:prstGeom>
+          <a:noFill/>
+        </p:spPr>
+        <p:txBody>
+          <a:bodyPr wrap="none" rtlCol="0">
+            <a:spAutoFit/>
+          </a:bodyPr>
+          <a:lstStyle/>
+          <a:p>
+            <a:r>
+              <a:rPr lang="en-US" dirty="0"/>
+              <a:t>P(x), “x is a lion”</a:t>
+            </a:r>
+          </a:p>
+          <a:p>
+            <a:r>
+              <a:rPr lang="en-US" dirty="0"/>
+              <a:t>Q(x), “x is fierce”</a:t>
+            </a:r>
+          </a:p>
+          <a:p>
+            <a:r>
+              <a:rPr lang="en-US" dirty="0"/>
+              <a:t>R(x), “x drinks coffee”</a:t>
+            </a:r>
+          </a:p>
+        </p:txBody>
+      </p:sp>
+    </p:spTree>
+    <p:extLst>
+      <p:ext uri="{BB962C8B-B14F-4D97-AF65-F5344CB8AC3E}">
+        <p14:creationId xmlns:p14="http://schemas.microsoft.com/office/powerpoint/2010/main" val="3041527379"/>
+      </p:ext>
+    </p:extLst>
+  </p:cSld>
+  <p:clrMapOvr>
+    <a:masterClrMapping/>
+  </p:clrMapOvr>
+</p:sld>
+</file>
+
+<file path=ppt/slides/slide95.xml><?xml version="1.0" encoding="utf-8"?>
+<p:sld xmlns:a="http://schemas.openxmlformats.org/drawingml/2006/main" xmlns:r="http://schemas.openxmlformats.org/officeDocument/2006/relationships" xmlns:p="http://schemas.openxmlformats.org/presentationml/2006/main">
+  <p:cSld>
+    <p:spTree>
+      <p:nvGrpSpPr>
+        <p:cNvPr id="1" name=""/>
+        <p:cNvGrpSpPr/>
+        <p:nvPr/>
+      </p:nvGrpSpPr>
+      <p:grpSpPr>
+        <a:xfrm>
+          <a:off x="0" y="0"/>
+          <a:ext cx="0" cy="0"/>
+          <a:chOff x="0" y="0"/>
+          <a:chExt cx="0" cy="0"/>
+        </a:xfrm>
+      </p:grpSpPr>
+      <p:sp>
+        <p:nvSpPr>
+          <p:cNvPr id="2" name="Title 1"/>
+          <p:cNvSpPr>
+            <a:spLocks noGrp="1"/>
+          </p:cNvSpPr>
+          <p:nvPr>
+            <p:ph type="title"/>
+          </p:nvPr>
+        </p:nvSpPr>
+        <p:spPr/>
+        <p:txBody>
+          <a:bodyPr>
+            <a:normAutofit fontScale="90000"/>
+          </a:bodyPr>
+          <a:lstStyle/>
+          <a:p>
+            <a:r>
+              <a:rPr lang="en-US" dirty="0"/>
+              <a:t>Translation from English to Logic</a:t>
+            </a:r>
+          </a:p>
+        </p:txBody>
+      </p:sp>
+      <p:sp>
+        <p:nvSpPr>
+          <p:cNvPr id="3" name="Content Placeholder 2"/>
+          <p:cNvSpPr>
+            <a:spLocks noGrp="1"/>
+          </p:cNvSpPr>
+          <p:nvPr>
+            <p:ph idx="1"/>
+          </p:nvPr>
+        </p:nvSpPr>
+        <p:spPr/>
+        <p:txBody>
+          <a:bodyPr>
+            <a:normAutofit/>
+          </a:bodyPr>
+          <a:lstStyle/>
+          <a:p>
             <a:pPr>
               <a:buNone/>
             </a:pPr>
@@ -38111,7 +40790,7 @@
 </p:sld>
 </file>
 
-<file path=ppt/slides/slide92.xml><?xml version="1.0" encoding="utf-8"?>
+<file path=ppt/slides/slide96.xml><?xml version="1.0" encoding="utf-8"?>
 <p:sld xmlns:a="http://schemas.openxmlformats.org/drawingml/2006/main" xmlns:r="http://schemas.openxmlformats.org/officeDocument/2006/relationships" xmlns:p="http://schemas.openxmlformats.org/presentationml/2006/main">
   <p:cSld>
     <p:spTree>
@@ -38405,7 +41084,7 @@
 </p:sld>
 </file>
 
-<file path=ppt/slides/slide93.xml><?xml version="1.0" encoding="utf-8"?>
+<file path=ppt/slides/slide97.xml><?xml version="1.0" encoding="utf-8"?>
 <p:sld xmlns:a="http://schemas.openxmlformats.org/drawingml/2006/main" xmlns:r="http://schemas.openxmlformats.org/officeDocument/2006/relationships" xmlns:p="http://schemas.openxmlformats.org/presentationml/2006/main">
   <p:cSld>
     <p:spTree>
@@ -38812,7 +41491,7 @@
 </p:sld>
 </file>
 
-<file path=ppt/slides/slide94.xml><?xml version="1.0" encoding="utf-8"?>
+<file path=ppt/slides/slide98.xml><?xml version="1.0" encoding="utf-8"?>
 <p:sld xmlns:a="http://schemas.openxmlformats.org/drawingml/2006/main" xmlns:r="http://schemas.openxmlformats.org/officeDocument/2006/relationships" xmlns:p="http://schemas.openxmlformats.org/presentationml/2006/main">
   <p:cSld>
     <p:spTree>
@@ -39127,7 +41806,7 @@
 </p:sld>
 </file>
 
-<file path=ppt/slides/slide95.xml><?xml version="1.0" encoding="utf-8"?>
+<file path=ppt/slides/slide99.xml><?xml version="1.0" encoding="utf-8"?>
 <p:sld xmlns:a="http://schemas.openxmlformats.org/drawingml/2006/main" xmlns:r="http://schemas.openxmlformats.org/officeDocument/2006/relationships" xmlns:p="http://schemas.openxmlformats.org/presentationml/2006/main">
   <p:cSld>
     <p:spTree>
@@ -39439,1238 +42118,6 @@
       </p:par>
     </p:tnLst>
   </p:timing>
-</p:sld>
-</file>
-
-<file path=ppt/slides/slide96.xml><?xml version="1.0" encoding="utf-8"?>
-<p:sld xmlns:a="http://schemas.openxmlformats.org/drawingml/2006/main" xmlns:r="http://schemas.openxmlformats.org/officeDocument/2006/relationships" xmlns:p="http://schemas.openxmlformats.org/presentationml/2006/main">
-  <p:cSld>
-    <p:spTree>
-      <p:nvGrpSpPr>
-        <p:cNvPr id="1" name=""/>
-        <p:cNvGrpSpPr/>
-        <p:nvPr/>
-      </p:nvGrpSpPr>
-      <p:grpSpPr>
-        <a:xfrm>
-          <a:off x="0" y="0"/>
-          <a:ext cx="0" cy="0"/>
-          <a:chOff x="0" y="0"/>
-          <a:chExt cx="0" cy="0"/>
-        </a:xfrm>
-      </p:grpSpPr>
-      <p:sp>
-        <p:nvSpPr>
-          <p:cNvPr id="2" name="Title 1"/>
-          <p:cNvSpPr>
-            <a:spLocks noGrp="1"/>
-          </p:cNvSpPr>
-          <p:nvPr>
-            <p:ph type="title"/>
-          </p:nvPr>
-        </p:nvSpPr>
-        <p:spPr/>
-        <p:txBody>
-          <a:bodyPr/>
-          <a:lstStyle/>
-          <a:p>
-            <a:r>
-              <a:rPr lang="en-US" dirty="0"/>
-              <a:t>Translation (cont)</a:t>
-            </a:r>
-          </a:p>
-        </p:txBody>
-      </p:sp>
-      <p:sp>
-        <p:nvSpPr>
-          <p:cNvPr id="3" name="Content Placeholder 2"/>
-          <p:cNvSpPr>
-            <a:spLocks noGrp="1"/>
-          </p:cNvSpPr>
-          <p:nvPr>
-            <p:ph idx="1"/>
-          </p:nvPr>
-        </p:nvSpPr>
-        <p:spPr/>
-        <p:txBody>
-          <a:bodyPr/>
-          <a:lstStyle/>
-          <a:p>
-            <a:r>
-              <a:rPr lang="en-US" dirty="0"/>
-              <a:t>U = {</a:t>
-            </a:r>
-            <a:r>
-              <a:rPr lang="en-US" dirty="0" err="1"/>
-              <a:t>fleegles</a:t>
-            </a:r>
-            <a:r>
-              <a:rPr lang="en-US" dirty="0"/>
-              <a:t>, </a:t>
-            </a:r>
-            <a:r>
-              <a:rPr lang="en-US" dirty="0" err="1"/>
-              <a:t>snurds</a:t>
-            </a:r>
-            <a:r>
-              <a:rPr lang="en-US" dirty="0"/>
-              <a:t>, thingamabobs}</a:t>
-            </a:r>
-          </a:p>
-          <a:p>
-            <a:pPr lvl="1">
-              <a:buNone/>
-            </a:pPr>
-            <a:r>
-              <a:rPr lang="en-US" i="1" dirty="0"/>
-              <a:t>F(x)</a:t>
-            </a:r>
-            <a:r>
-              <a:rPr lang="en-US" dirty="0"/>
-              <a:t>: </a:t>
-            </a:r>
-            <a:r>
-              <a:rPr lang="en-US" i="1" dirty="0"/>
-              <a:t>x</a:t>
-            </a:r>
-            <a:r>
-              <a:rPr lang="en-US" dirty="0"/>
-              <a:t> is a </a:t>
-            </a:r>
-            <a:r>
-              <a:rPr lang="en-US" dirty="0" err="1"/>
-              <a:t>fleegle</a:t>
-            </a:r>
-            <a:endParaRPr lang="en-US" dirty="0"/>
-          </a:p>
-          <a:p>
-            <a:pPr lvl="1">
-              <a:buNone/>
-            </a:pPr>
-            <a:r>
-              <a:rPr lang="en-US" i="1" dirty="0"/>
-              <a:t>S(x)</a:t>
-            </a:r>
-            <a:r>
-              <a:rPr lang="en-US" dirty="0"/>
-              <a:t>: </a:t>
-            </a:r>
-            <a:r>
-              <a:rPr lang="en-US" i="1" dirty="0"/>
-              <a:t>x </a:t>
-            </a:r>
-            <a:r>
-              <a:rPr lang="en-US" dirty="0"/>
-              <a:t>is a </a:t>
-            </a:r>
-            <a:r>
-              <a:rPr lang="en-US" dirty="0" err="1"/>
-              <a:t>snurd</a:t>
-            </a:r>
-            <a:endParaRPr lang="en-US" dirty="0"/>
-          </a:p>
-          <a:p>
-            <a:pPr lvl="1">
-              <a:buNone/>
-            </a:pPr>
-            <a:r>
-              <a:rPr lang="en-US" i="1" dirty="0"/>
-              <a:t>T(x)</a:t>
-            </a:r>
-            <a:r>
-              <a:rPr lang="en-US" dirty="0"/>
-              <a:t>: </a:t>
-            </a:r>
-            <a:r>
-              <a:rPr lang="en-US" i="1" dirty="0"/>
-              <a:t>x</a:t>
-            </a:r>
-            <a:r>
-              <a:rPr lang="en-US" dirty="0"/>
-              <a:t> is a thingamabob</a:t>
-            </a:r>
-          </a:p>
-          <a:p>
-            <a:pPr>
-              <a:buNone/>
-            </a:pPr>
-            <a:r>
-              <a:rPr lang="en-US" dirty="0"/>
-              <a:t>   “No </a:t>
-            </a:r>
-            <a:r>
-              <a:rPr lang="en-US" dirty="0" err="1"/>
-              <a:t>snurd</a:t>
-            </a:r>
-            <a:r>
-              <a:rPr lang="en-US" dirty="0"/>
-              <a:t> is a thingamabob.”</a:t>
-            </a:r>
-          </a:p>
-          <a:p>
-            <a:endParaRPr lang="en-US" dirty="0"/>
-          </a:p>
-          <a:p>
-            <a:pPr>
-              <a:buNone/>
-            </a:pPr>
-            <a:r>
-              <a:rPr lang="en-US" b="1" dirty="0"/>
-              <a:t>     Solution</a:t>
-            </a:r>
-            <a:r>
-              <a:rPr lang="en-US" dirty="0"/>
-              <a:t>: </a:t>
-            </a:r>
-            <a:r>
-              <a:rPr lang="en-US" dirty="0">
-                <a:latin typeface="Cambria Math"/>
-                <a:ea typeface="Cambria Math"/>
-              </a:rPr>
-              <a:t>¬</a:t>
-            </a:r>
-            <a:r>
-              <a:rPr lang="en-US" dirty="0">
-                <a:sym typeface="Symbol"/>
-              </a:rPr>
-              <a:t></a:t>
-            </a:r>
-            <a:r>
-              <a:rPr lang="en-US" i="1" dirty="0">
-                <a:latin typeface="Cambria Math" pitchFamily="18" charset="0"/>
-                <a:ea typeface="Cambria Math" pitchFamily="18" charset="0"/>
-                <a:sym typeface="Symbol"/>
-              </a:rPr>
-              <a:t>x (S(x) </a:t>
-            </a:r>
-            <a:r>
-              <a:rPr lang="en-US" dirty="0">
-                <a:latin typeface="Cambria Math"/>
-                <a:ea typeface="Cambria Math"/>
-                <a:sym typeface="Symbol"/>
-              </a:rPr>
-              <a:t>∧ </a:t>
-            </a:r>
-            <a:r>
-              <a:rPr lang="en-US" i="1" dirty="0">
-                <a:latin typeface="Cambria Math" pitchFamily="18" charset="0"/>
-                <a:ea typeface="Cambria Math" pitchFamily="18" charset="0"/>
-                <a:sym typeface="Symbol"/>
-              </a:rPr>
-              <a:t>T(x))  </a:t>
-            </a:r>
-            <a:r>
-              <a:rPr lang="en-US" dirty="0">
-                <a:latin typeface="Cambria Math" pitchFamily="18" charset="0"/>
-                <a:ea typeface="Cambria Math" pitchFamily="18" charset="0"/>
-                <a:sym typeface="Symbol"/>
-              </a:rPr>
-              <a:t>What is this equivalent to?</a:t>
-            </a:r>
-            <a:endParaRPr lang="en-US" dirty="0">
-              <a:latin typeface="Cambria Math" pitchFamily="18" charset="0"/>
-              <a:ea typeface="Cambria Math" pitchFamily="18" charset="0"/>
-            </a:endParaRPr>
-          </a:p>
-          <a:p>
-            <a:pPr>
-              <a:buNone/>
-            </a:pPr>
-            <a:r>
-              <a:rPr lang="en-US" dirty="0"/>
-              <a:t>     </a:t>
-            </a:r>
-            <a:r>
-              <a:rPr lang="en-US" b="1" dirty="0"/>
-              <a:t>Solution</a:t>
-            </a:r>
-            <a:r>
-              <a:rPr lang="en-US" dirty="0"/>
-              <a:t>: </a:t>
-            </a:r>
-            <a:r>
-              <a:rPr lang="en-US" dirty="0">
-                <a:sym typeface="Symbol"/>
-              </a:rPr>
-              <a:t></a:t>
-            </a:r>
-            <a:r>
-              <a:rPr lang="en-US" i="1" dirty="0">
-                <a:latin typeface="Cambria Math" pitchFamily="18" charset="0"/>
-                <a:ea typeface="Cambria Math" pitchFamily="18" charset="0"/>
-                <a:sym typeface="Symbol"/>
-              </a:rPr>
-              <a:t>x (</a:t>
-            </a:r>
-            <a:r>
-              <a:rPr lang="en-US" dirty="0">
-                <a:latin typeface="Cambria Math"/>
-                <a:ea typeface="Cambria Math"/>
-              </a:rPr>
-              <a:t>¬</a:t>
-            </a:r>
-            <a:r>
-              <a:rPr lang="en-US" i="1" dirty="0">
-                <a:latin typeface="Cambria Math" pitchFamily="18" charset="0"/>
-                <a:ea typeface="Cambria Math" pitchFamily="18" charset="0"/>
-                <a:sym typeface="Symbol"/>
-              </a:rPr>
-              <a:t>S(x) </a:t>
-            </a:r>
-            <a:r>
-              <a:rPr lang="en-US" i="1" dirty="0">
-                <a:latin typeface="Cambria Math"/>
-                <a:ea typeface="Cambria Math"/>
-                <a:sym typeface="Symbol"/>
-              </a:rPr>
-              <a:t>∨ </a:t>
-            </a:r>
-            <a:r>
-              <a:rPr lang="en-US" dirty="0">
-                <a:latin typeface="Cambria Math"/>
-                <a:ea typeface="Cambria Math"/>
-              </a:rPr>
-              <a:t>¬</a:t>
-            </a:r>
-            <a:r>
-              <a:rPr lang="en-US" i="1" dirty="0">
-                <a:latin typeface="Cambria Math" pitchFamily="18" charset="0"/>
-                <a:ea typeface="Cambria Math" pitchFamily="18" charset="0"/>
-                <a:sym typeface="Symbol"/>
-              </a:rPr>
-              <a:t>T(x))</a:t>
-            </a:r>
-            <a:endParaRPr lang="en-US" dirty="0"/>
-          </a:p>
-        </p:txBody>
-      </p:sp>
-    </p:spTree>
-    <p:custDataLst>
-      <p:tags r:id="rId1"/>
-    </p:custDataLst>
-    <p:extLst>
-      <p:ext uri="{BB962C8B-B14F-4D97-AF65-F5344CB8AC3E}">
-        <p14:creationId xmlns:p14="http://schemas.microsoft.com/office/powerpoint/2010/main" val="3079185469"/>
-      </p:ext>
-    </p:extLst>
-  </p:cSld>
-  <p:clrMapOvr>
-    <a:masterClrMapping/>
-  </p:clrMapOvr>
-  <p:timing>
-    <p:tnLst>
-      <p:par>
-        <p:cTn id="1" dur="indefinite" restart="never" nodeType="tmRoot">
-          <p:childTnLst>
-            <p:seq concurrent="1" nextAc="seek">
-              <p:cTn id="2" dur="indefinite" nodeType="mainSeq">
-                <p:childTnLst>
-                  <p:par>
-                    <p:cTn id="3" fill="hold">
-                      <p:stCondLst>
-                        <p:cond delay="indefinite"/>
-                      </p:stCondLst>
-                      <p:childTnLst>
-                        <p:par>
-                          <p:cTn id="4" fill="hold">
-                            <p:stCondLst>
-                              <p:cond delay="0"/>
-                            </p:stCondLst>
-                            <p:childTnLst>
-                              <p:par>
-                                <p:cTn id="5" presetID="1" presetClass="entr" presetSubtype="0" fill="hold" nodeType="clickEffect">
-                                  <p:stCondLst>
-                                    <p:cond delay="0"/>
-                                  </p:stCondLst>
-                                  <p:childTnLst>
-                                    <p:set>
-                                      <p:cBhvr>
-                                        <p:cTn id="6" dur="1" fill="hold">
-                                          <p:stCondLst>
-                                            <p:cond delay="0"/>
-                                          </p:stCondLst>
-                                        </p:cTn>
-                                        <p:tgtEl>
-                                          <p:spTgt spid="3">
-                                            <p:txEl>
-                                              <p:pRg st="6" end="6"/>
-                                            </p:txEl>
-                                          </p:spTgt>
-                                        </p:tgtEl>
-                                        <p:attrNameLst>
-                                          <p:attrName>style.visibility</p:attrName>
-                                        </p:attrNameLst>
-                                      </p:cBhvr>
-                                      <p:to>
-                                        <p:strVal val="visible"/>
-                                      </p:to>
-                                    </p:set>
-                                  </p:childTnLst>
-                                </p:cTn>
-                              </p:par>
-                            </p:childTnLst>
-                          </p:cTn>
-                        </p:par>
-                      </p:childTnLst>
-                    </p:cTn>
-                  </p:par>
-                  <p:par>
-                    <p:cTn id="7" fill="hold">
-                      <p:stCondLst>
-                        <p:cond delay="indefinite"/>
-                      </p:stCondLst>
-                      <p:childTnLst>
-                        <p:par>
-                          <p:cTn id="8" fill="hold">
-                            <p:stCondLst>
-                              <p:cond delay="0"/>
-                            </p:stCondLst>
-                            <p:childTnLst>
-                              <p:par>
-                                <p:cTn id="9" presetID="1" presetClass="entr" presetSubtype="0" fill="hold" nodeType="clickEffect">
-                                  <p:stCondLst>
-                                    <p:cond delay="0"/>
-                                  </p:stCondLst>
-                                  <p:childTnLst>
-                                    <p:set>
-                                      <p:cBhvr>
-                                        <p:cTn id="10" dur="1" fill="hold">
-                                          <p:stCondLst>
-                                            <p:cond delay="0"/>
-                                          </p:stCondLst>
-                                        </p:cTn>
-                                        <p:tgtEl>
-                                          <p:spTgt spid="3">
-                                            <p:txEl>
-                                              <p:pRg st="7" end="7"/>
-                                            </p:txEl>
-                                          </p:spTgt>
-                                        </p:tgtEl>
-                                        <p:attrNameLst>
-                                          <p:attrName>style.visibility</p:attrName>
-                                        </p:attrNameLst>
-                                      </p:cBhvr>
-                                      <p:to>
-                                        <p:strVal val="visible"/>
-                                      </p:to>
-                                    </p:set>
-                                  </p:childTnLst>
-                                </p:cTn>
-                              </p:par>
-                            </p:childTnLst>
-                          </p:cTn>
-                        </p:par>
-                      </p:childTnLst>
-                    </p:cTn>
-                  </p:par>
-                </p:childTnLst>
-              </p:cTn>
-              <p:prevCondLst>
-                <p:cond evt="onPrev" delay="0">
-                  <p:tgtEl>
-                    <p:sldTgt/>
-                  </p:tgtEl>
-                </p:cond>
-              </p:prevCondLst>
-              <p:nextCondLst>
-                <p:cond evt="onNext" delay="0">
-                  <p:tgtEl>
-                    <p:sldTgt/>
-                  </p:tgtEl>
-                </p:cond>
-              </p:nextCondLst>
-            </p:seq>
-          </p:childTnLst>
-        </p:cTn>
-      </p:par>
-    </p:tnLst>
-  </p:timing>
-</p:sld>
-</file>
-
-<file path=ppt/slides/slide97.xml><?xml version="1.0" encoding="utf-8"?>
-<p:sld xmlns:a="http://schemas.openxmlformats.org/drawingml/2006/main" xmlns:r="http://schemas.openxmlformats.org/officeDocument/2006/relationships" xmlns:p="http://schemas.openxmlformats.org/presentationml/2006/main">
-  <p:cSld>
-    <p:spTree>
-      <p:nvGrpSpPr>
-        <p:cNvPr id="1" name=""/>
-        <p:cNvGrpSpPr/>
-        <p:nvPr/>
-      </p:nvGrpSpPr>
-      <p:grpSpPr>
-        <a:xfrm>
-          <a:off x="0" y="0"/>
-          <a:ext cx="0" cy="0"/>
-          <a:chOff x="0" y="0"/>
-          <a:chExt cx="0" cy="0"/>
-        </a:xfrm>
-      </p:grpSpPr>
-      <p:sp>
-        <p:nvSpPr>
-          <p:cNvPr id="2" name="Title 1"/>
-          <p:cNvSpPr>
-            <a:spLocks noGrp="1"/>
-          </p:cNvSpPr>
-          <p:nvPr>
-            <p:ph type="title"/>
-          </p:nvPr>
-        </p:nvSpPr>
-        <p:spPr/>
-        <p:txBody>
-          <a:bodyPr/>
-          <a:lstStyle/>
-          <a:p>
-            <a:r>
-              <a:rPr lang="en-US" dirty="0"/>
-              <a:t>Translation (cont)</a:t>
-            </a:r>
-          </a:p>
-        </p:txBody>
-      </p:sp>
-      <p:sp>
-        <p:nvSpPr>
-          <p:cNvPr id="3" name="Content Placeholder 2"/>
-          <p:cNvSpPr>
-            <a:spLocks noGrp="1"/>
-          </p:cNvSpPr>
-          <p:nvPr>
-            <p:ph idx="1"/>
-          </p:nvPr>
-        </p:nvSpPr>
-        <p:spPr/>
-        <p:txBody>
-          <a:bodyPr/>
-          <a:lstStyle/>
-          <a:p>
-            <a:r>
-              <a:rPr lang="en-US" dirty="0"/>
-              <a:t>U = {</a:t>
-            </a:r>
-            <a:r>
-              <a:rPr lang="en-US" dirty="0" err="1"/>
-              <a:t>fleegles</a:t>
-            </a:r>
-            <a:r>
-              <a:rPr lang="en-US" dirty="0"/>
-              <a:t>, </a:t>
-            </a:r>
-            <a:r>
-              <a:rPr lang="en-US" dirty="0" err="1"/>
-              <a:t>snurds</a:t>
-            </a:r>
-            <a:r>
-              <a:rPr lang="en-US" dirty="0"/>
-              <a:t>, thingamabobs}</a:t>
-            </a:r>
-          </a:p>
-          <a:p>
-            <a:pPr lvl="1">
-              <a:buNone/>
-            </a:pPr>
-            <a:r>
-              <a:rPr lang="en-US" i="1" dirty="0"/>
-              <a:t>F(x)</a:t>
-            </a:r>
-            <a:r>
-              <a:rPr lang="en-US" dirty="0"/>
-              <a:t>: x is a </a:t>
-            </a:r>
-            <a:r>
-              <a:rPr lang="en-US" dirty="0" err="1"/>
-              <a:t>fleegle</a:t>
-            </a:r>
-            <a:endParaRPr lang="en-US" dirty="0"/>
-          </a:p>
-          <a:p>
-            <a:pPr lvl="1">
-              <a:buNone/>
-            </a:pPr>
-            <a:r>
-              <a:rPr lang="en-US" i="1" dirty="0"/>
-              <a:t>S(x)</a:t>
-            </a:r>
-            <a:r>
-              <a:rPr lang="en-US" dirty="0"/>
-              <a:t>: </a:t>
-            </a:r>
-            <a:r>
-              <a:rPr lang="en-US" i="1" dirty="0"/>
-              <a:t>x</a:t>
-            </a:r>
-            <a:r>
-              <a:rPr lang="en-US" dirty="0"/>
-              <a:t> is a </a:t>
-            </a:r>
-            <a:r>
-              <a:rPr lang="en-US" dirty="0" err="1"/>
-              <a:t>snurd</a:t>
-            </a:r>
-            <a:endParaRPr lang="en-US" dirty="0"/>
-          </a:p>
-          <a:p>
-            <a:pPr lvl="1">
-              <a:buNone/>
-            </a:pPr>
-            <a:r>
-              <a:rPr lang="en-US" i="1" dirty="0"/>
-              <a:t>T(x)</a:t>
-            </a:r>
-            <a:r>
-              <a:rPr lang="en-US" dirty="0"/>
-              <a:t>: </a:t>
-            </a:r>
-            <a:r>
-              <a:rPr lang="en-US" i="1" dirty="0"/>
-              <a:t>x</a:t>
-            </a:r>
-            <a:r>
-              <a:rPr lang="en-US" dirty="0"/>
-              <a:t> is a thingamabob</a:t>
-            </a:r>
-          </a:p>
-          <a:p>
-            <a:pPr>
-              <a:buNone/>
-            </a:pPr>
-            <a:r>
-              <a:rPr lang="en-US" dirty="0"/>
-              <a:t>  “If any </a:t>
-            </a:r>
-            <a:r>
-              <a:rPr lang="en-US" dirty="0" err="1"/>
-              <a:t>fleegle</a:t>
-            </a:r>
-            <a:r>
-              <a:rPr lang="en-US" dirty="0"/>
-              <a:t> is a </a:t>
-            </a:r>
-            <a:r>
-              <a:rPr lang="en-US" dirty="0" err="1"/>
-              <a:t>snurd</a:t>
-            </a:r>
-            <a:r>
-              <a:rPr lang="en-US" dirty="0"/>
-              <a:t> then it is also a thingamabob.”</a:t>
-            </a:r>
-          </a:p>
-          <a:p>
-            <a:endParaRPr lang="en-US" dirty="0"/>
-          </a:p>
-          <a:p>
-            <a:pPr>
-              <a:buNone/>
-            </a:pPr>
-            <a:r>
-              <a:rPr lang="en-US" b="1" dirty="0"/>
-              <a:t>     Solution</a:t>
-            </a:r>
-            <a:r>
-              <a:rPr lang="en-US" dirty="0"/>
-              <a:t>: </a:t>
-            </a:r>
-            <a:r>
-              <a:rPr lang="en-US" i="1" dirty="0">
-                <a:latin typeface="Cambria Math" pitchFamily="18" charset="0"/>
-                <a:ea typeface="Cambria Math" pitchFamily="18" charset="0"/>
-                <a:sym typeface="Symbol"/>
-              </a:rPr>
-              <a:t>x ((F(x) </a:t>
-            </a:r>
-            <a:r>
-              <a:rPr lang="en-US" dirty="0">
-                <a:latin typeface="Cambria Math"/>
-                <a:ea typeface="Cambria Math"/>
-                <a:sym typeface="Symbol"/>
-              </a:rPr>
-              <a:t>∧</a:t>
-            </a:r>
-            <a:r>
-              <a:rPr lang="en-US" i="1" dirty="0">
-                <a:latin typeface="Cambria Math"/>
-                <a:ea typeface="Cambria Math"/>
-                <a:sym typeface="Symbol"/>
-              </a:rPr>
-              <a:t> S(x))→ T(x))</a:t>
-            </a:r>
-            <a:endParaRPr lang="en-US" i="1" dirty="0">
-              <a:latin typeface="Cambria Math" pitchFamily="18" charset="0"/>
-              <a:ea typeface="Cambria Math" pitchFamily="18" charset="0"/>
-            </a:endParaRPr>
-          </a:p>
-          <a:p>
-            <a:endParaRPr lang="en-US" dirty="0"/>
-          </a:p>
-        </p:txBody>
-      </p:sp>
-    </p:spTree>
-    <p:custDataLst>
-      <p:tags r:id="rId1"/>
-    </p:custDataLst>
-    <p:extLst>
-      <p:ext uri="{BB962C8B-B14F-4D97-AF65-F5344CB8AC3E}">
-        <p14:creationId xmlns:p14="http://schemas.microsoft.com/office/powerpoint/2010/main" val="1271100766"/>
-      </p:ext>
-    </p:extLst>
-  </p:cSld>
-  <p:clrMapOvr>
-    <a:masterClrMapping/>
-  </p:clrMapOvr>
-  <p:timing>
-    <p:tnLst>
-      <p:par>
-        <p:cTn id="1" dur="indefinite" restart="never" nodeType="tmRoot">
-          <p:childTnLst>
-            <p:seq concurrent="1" nextAc="seek">
-              <p:cTn id="2" dur="indefinite" nodeType="mainSeq">
-                <p:childTnLst>
-                  <p:par>
-                    <p:cTn id="3" fill="hold">
-                      <p:stCondLst>
-                        <p:cond delay="indefinite"/>
-                      </p:stCondLst>
-                      <p:childTnLst>
-                        <p:par>
-                          <p:cTn id="4" fill="hold">
-                            <p:stCondLst>
-                              <p:cond delay="0"/>
-                            </p:stCondLst>
-                            <p:childTnLst>
-                              <p:par>
-                                <p:cTn id="5" presetID="1" presetClass="entr" presetSubtype="0" fill="hold" nodeType="clickEffect">
-                                  <p:stCondLst>
-                                    <p:cond delay="0"/>
-                                  </p:stCondLst>
-                                  <p:childTnLst>
-                                    <p:set>
-                                      <p:cBhvr>
-                                        <p:cTn id="6" dur="1" fill="hold">
-                                          <p:stCondLst>
-                                            <p:cond delay="0"/>
-                                          </p:stCondLst>
-                                        </p:cTn>
-                                        <p:tgtEl>
-                                          <p:spTgt spid="3">
-                                            <p:txEl>
-                                              <p:pRg st="6" end="6"/>
-                                            </p:txEl>
-                                          </p:spTgt>
-                                        </p:tgtEl>
-                                        <p:attrNameLst>
-                                          <p:attrName>style.visibility</p:attrName>
-                                        </p:attrNameLst>
-                                      </p:cBhvr>
-                                      <p:to>
-                                        <p:strVal val="visible"/>
-                                      </p:to>
-                                    </p:set>
-                                  </p:childTnLst>
-                                </p:cTn>
-                              </p:par>
-                            </p:childTnLst>
-                          </p:cTn>
-                        </p:par>
-                      </p:childTnLst>
-                    </p:cTn>
-                  </p:par>
-                </p:childTnLst>
-              </p:cTn>
-              <p:prevCondLst>
-                <p:cond evt="onPrev" delay="0">
-                  <p:tgtEl>
-                    <p:sldTgt/>
-                  </p:tgtEl>
-                </p:cond>
-              </p:prevCondLst>
-              <p:nextCondLst>
-                <p:cond evt="onNext" delay="0">
-                  <p:tgtEl>
-                    <p:sldTgt/>
-                  </p:tgtEl>
-                </p:cond>
-              </p:nextCondLst>
-            </p:seq>
-          </p:childTnLst>
-        </p:cTn>
-      </p:par>
-    </p:tnLst>
-  </p:timing>
-</p:sld>
-</file>
-
-<file path=ppt/slides/slide98.xml><?xml version="1.0" encoding="utf-8"?>
-<p:sld xmlns:a="http://schemas.openxmlformats.org/drawingml/2006/main" xmlns:r="http://schemas.openxmlformats.org/officeDocument/2006/relationships" xmlns:p="http://schemas.openxmlformats.org/presentationml/2006/main">
-  <p:cSld>
-    <p:spTree>
-      <p:nvGrpSpPr>
-        <p:cNvPr id="1" name=""/>
-        <p:cNvGrpSpPr/>
-        <p:nvPr/>
-      </p:nvGrpSpPr>
-      <p:grpSpPr>
-        <a:xfrm>
-          <a:off x="0" y="0"/>
-          <a:ext cx="0" cy="0"/>
-          <a:chOff x="0" y="0"/>
-          <a:chExt cx="0" cy="0"/>
-        </a:xfrm>
-      </p:grpSpPr>
-      <p:sp>
-        <p:nvSpPr>
-          <p:cNvPr id="2" name="Title 1">
-            <a:extLst>
-              <a:ext uri="{FF2B5EF4-FFF2-40B4-BE49-F238E27FC236}">
-                <a16:creationId xmlns:a16="http://schemas.microsoft.com/office/drawing/2014/main" id="{0C8F1529-7CAE-4ADC-B08F-40E953720283}"/>
-              </a:ext>
-            </a:extLst>
-          </p:cNvPr>
-          <p:cNvSpPr>
-            <a:spLocks noGrp="1"/>
-          </p:cNvSpPr>
-          <p:nvPr>
-            <p:ph type="title"/>
-          </p:nvPr>
-        </p:nvSpPr>
-        <p:spPr/>
-        <p:txBody>
-          <a:bodyPr/>
-          <a:lstStyle/>
-          <a:p>
-            <a:r>
-              <a:rPr lang="en-US" dirty="0"/>
-              <a:t>Classroom Exercise</a:t>
-            </a:r>
-          </a:p>
-        </p:txBody>
-      </p:sp>
-      <p:sp>
-        <p:nvSpPr>
-          <p:cNvPr id="3" name="Content Placeholder 2">
-            <a:extLst>
-              <a:ext uri="{FF2B5EF4-FFF2-40B4-BE49-F238E27FC236}">
-                <a16:creationId xmlns:a16="http://schemas.microsoft.com/office/drawing/2014/main" id="{83211D95-47B5-4E4D-ADCA-685F425F4867}"/>
-              </a:ext>
-            </a:extLst>
-          </p:cNvPr>
-          <p:cNvSpPr>
-            <a:spLocks noGrp="1"/>
-          </p:cNvSpPr>
-          <p:nvPr>
-            <p:ph idx="1"/>
-          </p:nvPr>
-        </p:nvSpPr>
-        <p:spPr/>
-        <p:txBody>
-          <a:bodyPr>
-            <a:normAutofit fontScale="92500" lnSpcReduction="20000"/>
-          </a:bodyPr>
-          <a:lstStyle/>
-          <a:p>
-            <a:pPr marL="0" indent="0">
-              <a:buNone/>
-            </a:pPr>
-            <a:r>
-              <a:rPr lang="en-US" dirty="0"/>
-              <a:t>Let C(x) be the statement “x has a cat,” let D(x) be the statement “x has a dog,” and let F(x) be the statement “x has a ferret.” Express each of these statements in terms of C(x), D(x), F(x), quantifiers, and logical connectives. Let the domain consist of all students in your class.</a:t>
-            </a:r>
-          </a:p>
-          <a:p>
-            <a:pPr marL="514350" indent="-514350">
-              <a:buAutoNum type="alphaLcParenR"/>
-            </a:pPr>
-            <a:r>
-              <a:rPr lang="en-US" dirty="0"/>
-              <a:t>A student in your class has a cat, a dog, and a ferret.</a:t>
-            </a:r>
-          </a:p>
-          <a:p>
-            <a:pPr marL="514350" indent="-514350">
-              <a:buAutoNum type="alphaLcParenR"/>
-            </a:pPr>
-            <a:r>
-              <a:rPr lang="en-US" dirty="0"/>
-              <a:t>All students in your class have a cat, a dog, or a ferret.</a:t>
-            </a:r>
-          </a:p>
-          <a:p>
-            <a:pPr marL="514350" indent="-514350">
-              <a:buAutoNum type="alphaLcParenR"/>
-            </a:pPr>
-            <a:r>
-              <a:rPr lang="en-US" dirty="0"/>
-              <a:t>Some student in your class has a cat and a ferret, but not a dog. </a:t>
-            </a:r>
-          </a:p>
-          <a:p>
-            <a:pPr marL="514350" indent="-514350">
-              <a:buAutoNum type="alphaLcParenR"/>
-            </a:pPr>
-            <a:r>
-              <a:rPr lang="en-US" dirty="0"/>
-              <a:t>No student in your class has a cat, a dog, and a ferret.</a:t>
-            </a:r>
-          </a:p>
-          <a:p>
-            <a:pPr marL="514350" indent="-514350">
-              <a:buAutoNum type="alphaLcParenR"/>
-            </a:pPr>
-            <a:r>
-              <a:rPr lang="en-US" dirty="0"/>
-              <a:t>For each of the three animals, cats, dogs, and ferrets, there is a student in your class who has this animal as a pet.</a:t>
-            </a:r>
-          </a:p>
-        </p:txBody>
-      </p:sp>
-    </p:spTree>
-    <p:extLst>
-      <p:ext uri="{BB962C8B-B14F-4D97-AF65-F5344CB8AC3E}">
-        <p14:creationId xmlns:p14="http://schemas.microsoft.com/office/powerpoint/2010/main" val="4052901926"/>
-      </p:ext>
-    </p:extLst>
-  </p:cSld>
-  <p:clrMapOvr>
-    <a:masterClrMapping/>
-  </p:clrMapOvr>
-</p:sld>
-</file>
-
-<file path=ppt/slides/slide99.xml><?xml version="1.0" encoding="utf-8"?>
-<p:sld xmlns:a="http://schemas.openxmlformats.org/drawingml/2006/main" xmlns:r="http://schemas.openxmlformats.org/officeDocument/2006/relationships" xmlns:p="http://schemas.openxmlformats.org/presentationml/2006/main">
-  <p:cSld>
-    <p:spTree>
-      <p:nvGrpSpPr>
-        <p:cNvPr id="1" name=""/>
-        <p:cNvGrpSpPr/>
-        <p:nvPr/>
-      </p:nvGrpSpPr>
-      <p:grpSpPr>
-        <a:xfrm>
-          <a:off x="0" y="0"/>
-          <a:ext cx="0" cy="0"/>
-          <a:chOff x="0" y="0"/>
-          <a:chExt cx="0" cy="0"/>
-        </a:xfrm>
-      </p:grpSpPr>
-      <p:sp>
-        <p:nvSpPr>
-          <p:cNvPr id="2" name="Title 1"/>
-          <p:cNvSpPr>
-            <a:spLocks noGrp="1"/>
-          </p:cNvSpPr>
-          <p:nvPr>
-            <p:ph type="title"/>
-          </p:nvPr>
-        </p:nvSpPr>
-        <p:spPr/>
-        <p:txBody>
-          <a:bodyPr/>
-          <a:lstStyle/>
-          <a:p>
-            <a:r>
-              <a:rPr lang="en-US" dirty="0"/>
-              <a:t>System Specification Example</a:t>
-            </a:r>
-          </a:p>
-        </p:txBody>
-      </p:sp>
-      <p:sp>
-        <p:nvSpPr>
-          <p:cNvPr id="3" name="Content Placeholder 2"/>
-          <p:cNvSpPr>
-            <a:spLocks noGrp="1"/>
-          </p:cNvSpPr>
-          <p:nvPr>
-            <p:ph idx="1"/>
-          </p:nvPr>
-        </p:nvSpPr>
-        <p:spPr>
-          <a:xfrm>
-            <a:off x="304800" y="1828800"/>
-            <a:ext cx="8229600" cy="4389120"/>
-          </a:xfrm>
-        </p:spPr>
-        <p:txBody>
-          <a:bodyPr>
-            <a:normAutofit/>
-          </a:bodyPr>
-          <a:lstStyle/>
-          <a:p>
-            <a:r>
-              <a:rPr lang="en-US" sz="2000" dirty="0"/>
-              <a:t>Predicate logic is used for specifying properties that systems must satisfy.</a:t>
-            </a:r>
-          </a:p>
-          <a:p>
-            <a:r>
-              <a:rPr lang="en-US" sz="2000" dirty="0"/>
-              <a:t>For example, translate into predicate logic:</a:t>
-            </a:r>
-          </a:p>
-          <a:p>
-            <a:pPr lvl="1"/>
-            <a:r>
-              <a:rPr lang="en-US" sz="2000" dirty="0"/>
-              <a:t>“Every mail message larger than one megabyte will be compressed.”</a:t>
-            </a:r>
-          </a:p>
-          <a:p>
-            <a:pPr lvl="1"/>
-            <a:r>
-              <a:rPr lang="en-US" sz="2000" dirty="0"/>
-              <a:t>“If a user is active, at least one network link will be available.”</a:t>
-            </a:r>
-          </a:p>
-          <a:p>
-            <a:r>
-              <a:rPr lang="en-US" sz="2000" dirty="0"/>
-              <a:t>Decide on predicates and domains (left implicit here) for the variables:</a:t>
-            </a:r>
-          </a:p>
-          <a:p>
-            <a:pPr lvl="1"/>
-            <a:r>
-              <a:rPr lang="en-US" sz="1800" dirty="0"/>
-              <a:t>Let </a:t>
-            </a:r>
-            <a:r>
-              <a:rPr lang="en-US" sz="1800" i="1" dirty="0"/>
-              <a:t>L</a:t>
-            </a:r>
-            <a:r>
-              <a:rPr lang="en-US" sz="1800" dirty="0"/>
-              <a:t>(</a:t>
-            </a:r>
-            <a:r>
-              <a:rPr lang="en-US" sz="1800" i="1" dirty="0"/>
-              <a:t>m</a:t>
-            </a:r>
-            <a:r>
-              <a:rPr lang="en-US" sz="1800" dirty="0"/>
-              <a:t>, </a:t>
-            </a:r>
-            <a:r>
-              <a:rPr lang="en-US" sz="1800" i="1" dirty="0"/>
-              <a:t>y</a:t>
-            </a:r>
-            <a:r>
-              <a:rPr lang="en-US" sz="1800" dirty="0"/>
-              <a:t>) be “Mail message </a:t>
-            </a:r>
-            <a:r>
-              <a:rPr lang="en-US" sz="1800" i="1" dirty="0"/>
-              <a:t>m</a:t>
-            </a:r>
-            <a:r>
-              <a:rPr lang="en-US" sz="1800" dirty="0"/>
-              <a:t> is larger than </a:t>
-            </a:r>
-            <a:r>
-              <a:rPr lang="en-US" sz="1800" i="1" dirty="0"/>
-              <a:t>y</a:t>
-            </a:r>
-            <a:r>
-              <a:rPr lang="en-US" sz="1800" dirty="0"/>
-              <a:t> megabytes.”</a:t>
-            </a:r>
-          </a:p>
-          <a:p>
-            <a:pPr lvl="1"/>
-            <a:r>
-              <a:rPr lang="en-US" sz="1800" dirty="0"/>
-              <a:t>Let </a:t>
-            </a:r>
-            <a:r>
-              <a:rPr lang="en-US" sz="1800" i="1" dirty="0"/>
-              <a:t>C</a:t>
-            </a:r>
-            <a:r>
-              <a:rPr lang="en-US" sz="1800" dirty="0"/>
-              <a:t>(</a:t>
-            </a:r>
-            <a:r>
-              <a:rPr lang="en-US" sz="1800" i="1" dirty="0"/>
-              <a:t>m</a:t>
-            </a:r>
-            <a:r>
-              <a:rPr lang="en-US" sz="1800" dirty="0"/>
-              <a:t>) denote “Mail message </a:t>
-            </a:r>
-            <a:r>
-              <a:rPr lang="en-US" sz="1800" i="1" dirty="0"/>
-              <a:t>m</a:t>
-            </a:r>
-            <a:r>
-              <a:rPr lang="en-US" sz="1800" dirty="0"/>
-              <a:t> will be compressed.”</a:t>
-            </a:r>
-          </a:p>
-          <a:p>
-            <a:pPr lvl="1"/>
-            <a:r>
-              <a:rPr lang="en-US" sz="1800" dirty="0"/>
-              <a:t>Let </a:t>
-            </a:r>
-            <a:r>
-              <a:rPr lang="en-US" sz="1800" i="1" dirty="0"/>
-              <a:t>A</a:t>
-            </a:r>
-            <a:r>
-              <a:rPr lang="en-US" sz="1800" dirty="0"/>
-              <a:t>(</a:t>
-            </a:r>
-            <a:r>
-              <a:rPr lang="en-US" sz="1800" i="1" dirty="0"/>
-              <a:t>u</a:t>
-            </a:r>
-            <a:r>
-              <a:rPr lang="en-US" sz="1800" dirty="0"/>
-              <a:t>) represent “User </a:t>
-            </a:r>
-            <a:r>
-              <a:rPr lang="en-US" sz="1800" i="1" dirty="0"/>
-              <a:t>u</a:t>
-            </a:r>
-            <a:r>
-              <a:rPr lang="en-US" sz="1800" dirty="0"/>
-              <a:t> is active.”</a:t>
-            </a:r>
-          </a:p>
-          <a:p>
-            <a:pPr lvl="1"/>
-            <a:r>
-              <a:rPr lang="en-US" sz="1800" dirty="0"/>
-              <a:t>Let </a:t>
-            </a:r>
-            <a:r>
-              <a:rPr lang="en-US" sz="1800" i="1" dirty="0"/>
-              <a:t>S</a:t>
-            </a:r>
-            <a:r>
-              <a:rPr lang="en-US" sz="1800" dirty="0"/>
-              <a:t>(</a:t>
-            </a:r>
-            <a:r>
-              <a:rPr lang="en-US" sz="1800" i="1" dirty="0"/>
-              <a:t>n, x</a:t>
-            </a:r>
-            <a:r>
-              <a:rPr lang="en-US" sz="1800" dirty="0"/>
-              <a:t>) represent “Network link </a:t>
-            </a:r>
-            <a:r>
-              <a:rPr lang="en-US" sz="1800" i="1" dirty="0"/>
-              <a:t>n</a:t>
-            </a:r>
-            <a:r>
-              <a:rPr lang="en-US" sz="1800" dirty="0"/>
-              <a:t> is state </a:t>
-            </a:r>
-            <a:r>
-              <a:rPr lang="en-US" sz="1800" i="1" dirty="0"/>
-              <a:t>x</a:t>
-            </a:r>
-            <a:r>
-              <a:rPr lang="en-US" sz="1800" dirty="0"/>
-              <a:t>.</a:t>
-            </a:r>
-          </a:p>
-          <a:p>
-            <a:r>
-              <a:rPr lang="en-US" sz="2000" dirty="0"/>
-              <a:t>Now we have:</a:t>
-            </a:r>
-          </a:p>
-          <a:p>
-            <a:endParaRPr lang="en-US" sz="2000" dirty="0"/>
-          </a:p>
-          <a:p>
-            <a:pPr>
-              <a:buNone/>
-            </a:pPr>
-            <a:endParaRPr lang="en-US" sz="2000" dirty="0"/>
-          </a:p>
-          <a:p>
-            <a:endParaRPr lang="en-US" sz="2000" dirty="0"/>
-          </a:p>
-          <a:p>
-            <a:endParaRPr lang="en-US" sz="2000" dirty="0"/>
-          </a:p>
-          <a:p>
-            <a:endParaRPr lang="en-US" sz="2000" dirty="0"/>
-          </a:p>
-          <a:p>
-            <a:pPr lvl="1">
-              <a:buNone/>
-            </a:pPr>
-            <a:endParaRPr lang="en-US" dirty="0"/>
-          </a:p>
-        </p:txBody>
-      </p:sp>
-      <p:pic>
-        <p:nvPicPr>
-          <p:cNvPr id="7" name="Picture 6" descr="addin_tmp.png"/>
-          <p:cNvPicPr>
-            <a:picLocks noChangeAspect="1"/>
-          </p:cNvPicPr>
-          <p:nvPr>
-            <p:custDataLst>
-              <p:tags r:id="rId1"/>
-            </p:custDataLst>
-          </p:nvPr>
-        </p:nvPicPr>
-        <p:blipFill>
-          <a:blip r:embed="rId4" cstate="print"/>
-          <a:stretch>
-            <a:fillRect/>
-          </a:stretch>
-        </p:blipFill>
-        <p:spPr>
-          <a:xfrm>
-            <a:off x="2743200" y="5410200"/>
-            <a:ext cx="2974181" cy="319088"/>
-          </a:xfrm>
-          <a:prstGeom prst="rect">
-            <a:avLst/>
-          </a:prstGeom>
-        </p:spPr>
-      </p:pic>
-      <p:pic>
-        <p:nvPicPr>
-          <p:cNvPr id="6" name="Picture 5" descr="addin_tmp.png"/>
-          <p:cNvPicPr>
-            <a:picLocks noChangeAspect="1"/>
-          </p:cNvPicPr>
-          <p:nvPr>
-            <p:custDataLst>
-              <p:tags r:id="rId2"/>
-            </p:custDataLst>
-          </p:nvPr>
-        </p:nvPicPr>
-        <p:blipFill>
-          <a:blip r:embed="rId5" cstate="print"/>
-          <a:stretch>
-            <a:fillRect/>
-          </a:stretch>
-        </p:blipFill>
-        <p:spPr>
-          <a:xfrm>
-            <a:off x="2133600" y="5867400"/>
-            <a:ext cx="3988594" cy="319088"/>
-          </a:xfrm>
-          <a:prstGeom prst="rect">
-            <a:avLst/>
-          </a:prstGeom>
-        </p:spPr>
-      </p:pic>
-    </p:spTree>
-    <p:extLst>
-      <p:ext uri="{BB962C8B-B14F-4D97-AF65-F5344CB8AC3E}">
-        <p14:creationId xmlns:p14="http://schemas.microsoft.com/office/powerpoint/2010/main" val="561594057"/>
-      </p:ext>
-    </p:extLst>
-  </p:cSld>
-  <p:clrMapOvr>
-    <a:masterClrMapping/>
-  </p:clrMapOvr>
 </p:sld>
 </file>
 
@@ -40941,19 +42388,20 @@
 
 <file path=ppt/tags/tag44.xml><?xml version="1.0" encoding="utf-8"?>
 <p:tagLst xmlns:a="http://schemas.openxmlformats.org/drawingml/2006/main" xmlns:r="http://schemas.openxmlformats.org/officeDocument/2006/relationships" xmlns:p="http://schemas.openxmlformats.org/presentationml/2006/main">
-  <p:tag name="TIMING" val="|0.7"/>
+  <p:tag name="LATEXADDIN" val="\documentclass{article}&#10;\usepackage{amsmath}&#10;\pagestyle{empty}&#10;\begin{document}&#10;&#10;$\neg \exists x P(x) \equiv \forall  x \neg P(x)$&#10;&#10;&#10;\end{document}"/>
+  <p:tag name="IGUANATEXSIZE" val="30"/>
 </p:tagLst>
 </file>
 
 <file path=ppt/tags/tag45.xml><?xml version="1.0" encoding="utf-8"?>
 <p:tagLst xmlns:a="http://schemas.openxmlformats.org/drawingml/2006/main" xmlns:r="http://schemas.openxmlformats.org/officeDocument/2006/relationships" xmlns:p="http://schemas.openxmlformats.org/presentationml/2006/main">
-  <p:tag name="TIMING" val="|0.5"/>
+  <p:tag name="TIMING" val="|0.7"/>
 </p:tagLst>
 </file>
 
 <file path=ppt/tags/tag46.xml><?xml version="1.0" encoding="utf-8"?>
 <p:tagLst xmlns:a="http://schemas.openxmlformats.org/drawingml/2006/main" xmlns:r="http://schemas.openxmlformats.org/officeDocument/2006/relationships" xmlns:p="http://schemas.openxmlformats.org/presentationml/2006/main">
-  <p:tag name="TIMING" val="|0.4"/>
+  <p:tag name="TIMING" val="|0.5"/>
 </p:tagLst>
 </file>
 
@@ -40965,13 +42413,13 @@
 
 <file path=ppt/tags/tag48.xml><?xml version="1.0" encoding="utf-8"?>
 <p:tagLst xmlns:a="http://schemas.openxmlformats.org/drawingml/2006/main" xmlns:r="http://schemas.openxmlformats.org/officeDocument/2006/relationships" xmlns:p="http://schemas.openxmlformats.org/presentationml/2006/main">
-  <p:tag name="TIMING" val="|0.3"/>
+  <p:tag name="TIMING" val="|0.4"/>
 </p:tagLst>
 </file>
 
 <file path=ppt/tags/tag49.xml><?xml version="1.0" encoding="utf-8"?>
 <p:tagLst xmlns:a="http://schemas.openxmlformats.org/drawingml/2006/main" xmlns:r="http://schemas.openxmlformats.org/officeDocument/2006/relationships" xmlns:p="http://schemas.openxmlformats.org/presentationml/2006/main">
-  <p:tag name="TIMING" val="|0.4"/>
+  <p:tag name="TIMING" val="|0.3"/>
 </p:tagLst>
 </file>
 
@@ -40984,12 +42432,18 @@
 
 <file path=ppt/tags/tag50.xml><?xml version="1.0" encoding="utf-8"?>
 <p:tagLst xmlns:a="http://schemas.openxmlformats.org/drawingml/2006/main" xmlns:r="http://schemas.openxmlformats.org/officeDocument/2006/relationships" xmlns:p="http://schemas.openxmlformats.org/presentationml/2006/main">
+  <p:tag name="TIMING" val="|0.4"/>
+</p:tagLst>
+</file>
+
+<file path=ppt/tags/tag51.xml><?xml version="1.0" encoding="utf-8"?>
+<p:tagLst xmlns:a="http://schemas.openxmlformats.org/drawingml/2006/main" xmlns:r="http://schemas.openxmlformats.org/officeDocument/2006/relationships" xmlns:p="http://schemas.openxmlformats.org/presentationml/2006/main">
   <p:tag name="LATEXADDIN" val="\documentclass{article}&#10;\usepackage{amsmath}&#10;\pagestyle{empty}&#10;\begin{document}&#10;$\forall m (L(m,1) \rightarrow C(m))$&#10;&#10;&#10;&#10;\end{document}"/>
   <p:tag name="IGUANATEXSIZE" val="25"/>
 </p:tagLst>
 </file>
 
-<file path=ppt/tags/tag51.xml><?xml version="1.0" encoding="utf-8"?>
+<file path=ppt/tags/tag52.xml><?xml version="1.0" encoding="utf-8"?>
 <p:tagLst xmlns:a="http://schemas.openxmlformats.org/drawingml/2006/main" xmlns:r="http://schemas.openxmlformats.org/officeDocument/2006/relationships" xmlns:p="http://schemas.openxmlformats.org/presentationml/2006/main">
   <p:tag name="LATEXADDIN" val="\documentclass{article}&#10;\usepackage{amsmath}&#10;\pagestyle{empty}&#10;\begin{document}&#10;$\exists u \,A(u) \rightarrow \exists n\, S(n,available)$&#10;&#10;&#10;&#10;\end{document}"/>
   <p:tag name="IGUANATEXSIZE" val="25"/>
